--- a/Projektunterlagen/999_Zwischenpräsentationen/1. Zwischenpräsentation/Zwischenpräsentation Melodia am 12.11.2025.pptx
+++ b/Projektunterlagen/999_Zwischenpräsentationen/1. Zwischenpräsentation/Zwischenpräsentation Melodia am 12.11.2025.pptx
@@ -5,27 +5,31 @@
     <p:sldMasterId id="2147483696" r:id="rId4"/>
   </p:sldMasterIdLst>
   <p:notesMasterIdLst>
-    <p:notesMasterId r:id="rId20"/>
+    <p:notesMasterId r:id="rId24"/>
   </p:notesMasterIdLst>
   <p:handoutMasterIdLst>
-    <p:handoutMasterId r:id="rId21"/>
+    <p:handoutMasterId r:id="rId25"/>
   </p:handoutMasterIdLst>
   <p:sldIdLst>
     <p:sldId id="334" r:id="rId5"/>
     <p:sldId id="316" r:id="rId6"/>
     <p:sldId id="359" r:id="rId7"/>
     <p:sldId id="350" r:id="rId8"/>
-    <p:sldId id="360" r:id="rId9"/>
-    <p:sldId id="361" r:id="rId10"/>
-    <p:sldId id="364" r:id="rId11"/>
-    <p:sldId id="365" r:id="rId12"/>
-    <p:sldId id="362" r:id="rId13"/>
-    <p:sldId id="363" r:id="rId14"/>
-    <p:sldId id="366" r:id="rId15"/>
-    <p:sldId id="367" r:id="rId16"/>
-    <p:sldId id="352" r:id="rId17"/>
-    <p:sldId id="336" r:id="rId18"/>
-    <p:sldId id="349" r:id="rId19"/>
+    <p:sldId id="369" r:id="rId9"/>
+    <p:sldId id="370" r:id="rId10"/>
+    <p:sldId id="360" r:id="rId11"/>
+    <p:sldId id="361" r:id="rId12"/>
+    <p:sldId id="364" r:id="rId13"/>
+    <p:sldId id="365" r:id="rId14"/>
+    <p:sldId id="368" r:id="rId15"/>
+    <p:sldId id="371" r:id="rId16"/>
+    <p:sldId id="366" r:id="rId17"/>
+    <p:sldId id="367" r:id="rId18"/>
+    <p:sldId id="352" r:id="rId19"/>
+    <p:sldId id="336" r:id="rId20"/>
+    <p:sldId id="362" r:id="rId21"/>
+    <p:sldId id="363" r:id="rId22"/>
+    <p:sldId id="349" r:id="rId23"/>
   </p:sldIdLst>
   <p:sldSz cx="12192000" cy="6858000"/>
   <p:notesSz cx="6858000" cy="9144000"/>
@@ -144,9 +148,6 @@
         </p15:guide>
       </p15:sldGuideLst>
     </p:ext>
-    <p:ext uri="{2D200454-40CA-4A62-9FC3-DE9A4176ACB9}">
-      <p15:notesGuideLst xmlns:p15="http://schemas.microsoft.com/office/powerpoint/2012/main"/>
-    </p:ext>
   </p:extLst>
 </p:presentation>
 </file>
@@ -155,6 +156,721 @@
 <p188:authorLst xmlns:a="http://schemas.openxmlformats.org/drawingml/2006/main" xmlns:r="http://schemas.openxmlformats.org/officeDocument/2006/relationships" xmlns:p188="http://schemas.microsoft.com/office/powerpoint/2018/8/main">
   <p188:author id="{00000000-0000-0000-0000-000000000000}" name="Author" initials="A" userId="Author" providerId="AD"/>
 </p188:authorLst>
+</file>
+
+<file path=ppt/revisionInfo.xml><?xml version="1.0" encoding="utf-8"?>
+<p1510:revInfo xmlns:a="http://schemas.openxmlformats.org/drawingml/2006/main" xmlns:r="http://schemas.openxmlformats.org/officeDocument/2006/relationships" xmlns:p1510="http://schemas.microsoft.com/office/powerpoint/2015/10/main">
+  <p1510:revLst>
+    <p1510:client id="{336F9B53-1254-4518-A6C7-66BE820C9859}" v="426" dt="2025-11-12T16:26:58.659"/>
+    <p1510:client id="{E69E5257-F32F-4141-9315-BCCB48B4E0EE}" v="43" dt="2025-11-12T13:47:00.990"/>
+  </p1510:revLst>
+</p1510:revInfo>
+</file>
+
+<file path=ppt/changesInfos/changesInfo1.xml><?xml version="1.0" encoding="utf-8"?>
+<pc:chgInfo xmlns:a="http://schemas.openxmlformats.org/drawingml/2006/main" xmlns:r="http://schemas.openxmlformats.org/officeDocument/2006/relationships" xmlns:ac="http://schemas.microsoft.com/office/drawing/2013/main/command" xmlns:pc="http://schemas.microsoft.com/office/powerpoint/2013/main/command">
+  <pc:docChgLst>
+    <pc:chgData name="Schallner Christian" userId="3dc005c6-cff8-44b1-855b-1b1edd4398d0" providerId="ADAL" clId="{B4B50DFA-6182-474B-92CE-DBA614D0BA29}"/>
+    <pc:docChg chg="undo custSel modSld">
+      <pc:chgData name="Schallner Christian" userId="3dc005c6-cff8-44b1-855b-1b1edd4398d0" providerId="ADAL" clId="{B4B50DFA-6182-474B-92CE-DBA614D0BA29}" dt="2025-11-12T13:47:36.384" v="241" actId="1076"/>
+      <pc:docMkLst>
+        <pc:docMk/>
+      </pc:docMkLst>
+      <pc:sldChg chg="modSp mod">
+        <pc:chgData name="Schallner Christian" userId="3dc005c6-cff8-44b1-855b-1b1edd4398d0" providerId="ADAL" clId="{B4B50DFA-6182-474B-92CE-DBA614D0BA29}" dt="2025-11-12T13:00:48.206" v="1" actId="208"/>
+        <pc:sldMkLst>
+          <pc:docMk/>
+          <pc:sldMk cId="3037812869" sldId="316"/>
+        </pc:sldMkLst>
+        <pc:picChg chg="mod">
+          <ac:chgData name="Schallner Christian" userId="3dc005c6-cff8-44b1-855b-1b1edd4398d0" providerId="ADAL" clId="{B4B50DFA-6182-474B-92CE-DBA614D0BA29}" dt="2025-11-12T13:00:48.206" v="1" actId="208"/>
+          <ac:picMkLst>
+            <pc:docMk/>
+            <pc:sldMk cId="3037812869" sldId="316"/>
+            <ac:picMk id="8" creationId="{DBC8C4A6-7E07-589D-A5FF-356F3D645BB0}"/>
+          </ac:picMkLst>
+        </pc:picChg>
+      </pc:sldChg>
+      <pc:sldChg chg="modSp mod">
+        <pc:chgData name="Schallner Christian" userId="3dc005c6-cff8-44b1-855b-1b1edd4398d0" providerId="ADAL" clId="{B4B50DFA-6182-474B-92CE-DBA614D0BA29}" dt="2025-11-12T13:02:26.511" v="25" actId="208"/>
+        <pc:sldMkLst>
+          <pc:docMk/>
+          <pc:sldMk cId="4273949180" sldId="349"/>
+        </pc:sldMkLst>
+        <pc:picChg chg="mod">
+          <ac:chgData name="Schallner Christian" userId="3dc005c6-cff8-44b1-855b-1b1edd4398d0" providerId="ADAL" clId="{B4B50DFA-6182-474B-92CE-DBA614D0BA29}" dt="2025-11-12T13:02:26.511" v="25" actId="208"/>
+          <ac:picMkLst>
+            <pc:docMk/>
+            <pc:sldMk cId="4273949180" sldId="349"/>
+            <ac:picMk id="7" creationId="{2DAA2B74-5A74-82A4-11E5-C93D83C2FDEF}"/>
+          </ac:picMkLst>
+        </pc:picChg>
+      </pc:sldChg>
+      <pc:sldChg chg="addSp modSp mod">
+        <pc:chgData name="Schallner Christian" userId="3dc005c6-cff8-44b1-855b-1b1edd4398d0" providerId="ADAL" clId="{B4B50DFA-6182-474B-92CE-DBA614D0BA29}" dt="2025-11-12T13:47:36.384" v="241" actId="1076"/>
+        <pc:sldMkLst>
+          <pc:docMk/>
+          <pc:sldMk cId="3906523681" sldId="350"/>
+        </pc:sldMkLst>
+        <pc:picChg chg="add mod">
+          <ac:chgData name="Schallner Christian" userId="3dc005c6-cff8-44b1-855b-1b1edd4398d0" providerId="ADAL" clId="{B4B50DFA-6182-474B-92CE-DBA614D0BA29}" dt="2025-11-12T13:47:36.384" v="241" actId="1076"/>
+          <ac:picMkLst>
+            <pc:docMk/>
+            <pc:sldMk cId="3906523681" sldId="350"/>
+            <ac:picMk id="5" creationId="{7B950E56-E6F4-2D68-EE5C-380AA83D09D2}"/>
+          </ac:picMkLst>
+        </pc:picChg>
+        <pc:picChg chg="add mod">
+          <ac:chgData name="Schallner Christian" userId="3dc005c6-cff8-44b1-855b-1b1edd4398d0" providerId="ADAL" clId="{B4B50DFA-6182-474B-92CE-DBA614D0BA29}" dt="2025-11-12T13:47:32.920" v="240" actId="207"/>
+          <ac:picMkLst>
+            <pc:docMk/>
+            <pc:sldMk cId="3906523681" sldId="350"/>
+            <ac:picMk id="7" creationId="{0F1D806A-E6CA-F733-7715-524F160B8187}"/>
+          </ac:picMkLst>
+        </pc:picChg>
+        <pc:picChg chg="mod">
+          <ac:chgData name="Schallner Christian" userId="3dc005c6-cff8-44b1-855b-1b1edd4398d0" providerId="ADAL" clId="{B4B50DFA-6182-474B-92CE-DBA614D0BA29}" dt="2025-11-12T13:01:34.195" v="11" actId="208"/>
+          <ac:picMkLst>
+            <pc:docMk/>
+            <pc:sldMk cId="3906523681" sldId="350"/>
+            <ac:picMk id="10" creationId="{80FA2A57-B0AB-A23F-DD1C-E82B6893319C}"/>
+          </ac:picMkLst>
+        </pc:picChg>
+      </pc:sldChg>
+      <pc:sldChg chg="addSp modSp mod">
+        <pc:chgData name="Schallner Christian" userId="3dc005c6-cff8-44b1-855b-1b1edd4398d0" providerId="ADAL" clId="{B4B50DFA-6182-474B-92CE-DBA614D0BA29}" dt="2025-11-12T13:04:27.802" v="44" actId="167"/>
+        <pc:sldMkLst>
+          <pc:docMk/>
+          <pc:sldMk cId="684194020" sldId="352"/>
+        </pc:sldMkLst>
+        <pc:spChg chg="add mod ord">
+          <ac:chgData name="Schallner Christian" userId="3dc005c6-cff8-44b1-855b-1b1edd4398d0" providerId="ADAL" clId="{B4B50DFA-6182-474B-92CE-DBA614D0BA29}" dt="2025-11-12T13:04:14.889" v="41" actId="2085"/>
+          <ac:spMkLst>
+            <pc:docMk/>
+            <pc:sldMk cId="684194020" sldId="352"/>
+            <ac:spMk id="2" creationId="{E4702C1C-C233-16BF-09AE-43007843B7C5}"/>
+          </ac:spMkLst>
+        </pc:spChg>
+        <pc:spChg chg="add mod ord">
+          <ac:chgData name="Schallner Christian" userId="3dc005c6-cff8-44b1-855b-1b1edd4398d0" providerId="ADAL" clId="{B4B50DFA-6182-474B-92CE-DBA614D0BA29}" dt="2025-11-12T13:04:14.889" v="41" actId="2085"/>
+          <ac:spMkLst>
+            <pc:docMk/>
+            <pc:sldMk cId="684194020" sldId="352"/>
+            <ac:spMk id="3" creationId="{126C66BF-F670-5817-7233-D11BF26A50D6}"/>
+          </ac:spMkLst>
+        </pc:spChg>
+        <pc:spChg chg="add mod ord">
+          <ac:chgData name="Schallner Christian" userId="3dc005c6-cff8-44b1-855b-1b1edd4398d0" providerId="ADAL" clId="{B4B50DFA-6182-474B-92CE-DBA614D0BA29}" dt="2025-11-12T13:04:27.802" v="44" actId="167"/>
+          <ac:spMkLst>
+            <pc:docMk/>
+            <pc:sldMk cId="684194020" sldId="352"/>
+            <ac:spMk id="4" creationId="{6E83C557-7134-D779-D0EF-5BA3FC792DF4}"/>
+          </ac:spMkLst>
+        </pc:spChg>
+      </pc:sldChg>
+      <pc:sldChg chg="modSp mod">
+        <pc:chgData name="Schallner Christian" userId="3dc005c6-cff8-44b1-855b-1b1edd4398d0" providerId="ADAL" clId="{B4B50DFA-6182-474B-92CE-DBA614D0BA29}" dt="2025-11-12T13:00:54.421" v="3" actId="208"/>
+        <pc:sldMkLst>
+          <pc:docMk/>
+          <pc:sldMk cId="2386939803" sldId="359"/>
+        </pc:sldMkLst>
+        <pc:picChg chg="mod">
+          <ac:chgData name="Schallner Christian" userId="3dc005c6-cff8-44b1-855b-1b1edd4398d0" providerId="ADAL" clId="{B4B50DFA-6182-474B-92CE-DBA614D0BA29}" dt="2025-11-12T13:00:54.421" v="3" actId="208"/>
+          <ac:picMkLst>
+            <pc:docMk/>
+            <pc:sldMk cId="2386939803" sldId="359"/>
+            <ac:picMk id="7" creationId="{8455B39F-1ED2-D546-ECCB-E7D49508B6D7}"/>
+          </ac:picMkLst>
+        </pc:picChg>
+      </pc:sldChg>
+      <pc:sldChg chg="modSp mod">
+        <pc:chgData name="Schallner Christian" userId="3dc005c6-cff8-44b1-855b-1b1edd4398d0" providerId="ADAL" clId="{B4B50DFA-6182-474B-92CE-DBA614D0BA29}" dt="2025-11-12T13:01:05.386" v="6" actId="208"/>
+        <pc:sldMkLst>
+          <pc:docMk/>
+          <pc:sldMk cId="2224978905" sldId="360"/>
+        </pc:sldMkLst>
+        <pc:picChg chg="mod">
+          <ac:chgData name="Schallner Christian" userId="3dc005c6-cff8-44b1-855b-1b1edd4398d0" providerId="ADAL" clId="{B4B50DFA-6182-474B-92CE-DBA614D0BA29}" dt="2025-11-12T13:01:05.386" v="6" actId="208"/>
+          <ac:picMkLst>
+            <pc:docMk/>
+            <pc:sldMk cId="2224978905" sldId="360"/>
+            <ac:picMk id="7" creationId="{39B58F6C-227F-B795-863D-B22FF3BB9AE6}"/>
+          </ac:picMkLst>
+        </pc:picChg>
+      </pc:sldChg>
+      <pc:sldChg chg="addSp modSp mod">
+        <pc:chgData name="Schallner Christian" userId="3dc005c6-cff8-44b1-855b-1b1edd4398d0" providerId="ADAL" clId="{B4B50DFA-6182-474B-92CE-DBA614D0BA29}" dt="2025-11-12T13:44:56.381" v="226" actId="1076"/>
+        <pc:sldMkLst>
+          <pc:docMk/>
+          <pc:sldMk cId="1653632154" sldId="361"/>
+        </pc:sldMkLst>
+        <pc:picChg chg="add mod">
+          <ac:chgData name="Schallner Christian" userId="3dc005c6-cff8-44b1-855b-1b1edd4398d0" providerId="ADAL" clId="{B4B50DFA-6182-474B-92CE-DBA614D0BA29}" dt="2025-11-12T13:44:56.381" v="226" actId="1076"/>
+          <ac:picMkLst>
+            <pc:docMk/>
+            <pc:sldMk cId="1653632154" sldId="361"/>
+            <ac:picMk id="5" creationId="{7CBD705B-A0C7-4B37-7338-EFF0C79A5FB7}"/>
+          </ac:picMkLst>
+        </pc:picChg>
+        <pc:picChg chg="add mod">
+          <ac:chgData name="Schallner Christian" userId="3dc005c6-cff8-44b1-855b-1b1edd4398d0" providerId="ADAL" clId="{B4B50DFA-6182-474B-92CE-DBA614D0BA29}" dt="2025-11-12T13:43:39.999" v="214" actId="207"/>
+          <ac:picMkLst>
+            <pc:docMk/>
+            <pc:sldMk cId="1653632154" sldId="361"/>
+            <ac:picMk id="7" creationId="{3F252861-3F64-9937-284A-63841DB4774A}"/>
+          </ac:picMkLst>
+        </pc:picChg>
+        <pc:picChg chg="add mod">
+          <ac:chgData name="Schallner Christian" userId="3dc005c6-cff8-44b1-855b-1b1edd4398d0" providerId="ADAL" clId="{B4B50DFA-6182-474B-92CE-DBA614D0BA29}" dt="2025-11-12T13:44:39.117" v="222" actId="207"/>
+          <ac:picMkLst>
+            <pc:docMk/>
+            <pc:sldMk cId="1653632154" sldId="361"/>
+            <ac:picMk id="9" creationId="{87F4C48F-8E7F-99FD-5F23-1CB802271A28}"/>
+          </ac:picMkLst>
+        </pc:picChg>
+        <pc:picChg chg="mod">
+          <ac:chgData name="Schallner Christian" userId="3dc005c6-cff8-44b1-855b-1b1edd4398d0" providerId="ADAL" clId="{B4B50DFA-6182-474B-92CE-DBA614D0BA29}" dt="2025-11-12T13:01:28.819" v="9" actId="208"/>
+          <ac:picMkLst>
+            <pc:docMk/>
+            <pc:sldMk cId="1653632154" sldId="361"/>
+            <ac:picMk id="10" creationId="{3874CDF6-7B54-CAD9-BA2C-B3B5BED93102}"/>
+          </ac:picMkLst>
+        </pc:picChg>
+        <pc:picChg chg="add mod">
+          <ac:chgData name="Schallner Christian" userId="3dc005c6-cff8-44b1-855b-1b1edd4398d0" providerId="ADAL" clId="{B4B50DFA-6182-474B-92CE-DBA614D0BA29}" dt="2025-11-12T13:44:34.556" v="221" actId="207"/>
+          <ac:picMkLst>
+            <pc:docMk/>
+            <pc:sldMk cId="1653632154" sldId="361"/>
+            <ac:picMk id="12" creationId="{E515A999-BEB6-D153-E859-F063A64F7379}"/>
+          </ac:picMkLst>
+        </pc:picChg>
+      </pc:sldChg>
+      <pc:sldChg chg="modSp mod">
+        <pc:chgData name="Schallner Christian" userId="3dc005c6-cff8-44b1-855b-1b1edd4398d0" providerId="ADAL" clId="{B4B50DFA-6182-474B-92CE-DBA614D0BA29}" dt="2025-11-12T13:01:57.814" v="17" actId="207"/>
+        <pc:sldMkLst>
+          <pc:docMk/>
+          <pc:sldMk cId="2086183247" sldId="362"/>
+        </pc:sldMkLst>
+        <pc:picChg chg="mod">
+          <ac:chgData name="Schallner Christian" userId="3dc005c6-cff8-44b1-855b-1b1edd4398d0" providerId="ADAL" clId="{B4B50DFA-6182-474B-92CE-DBA614D0BA29}" dt="2025-11-12T13:01:57.814" v="17" actId="207"/>
+          <ac:picMkLst>
+            <pc:docMk/>
+            <pc:sldMk cId="2086183247" sldId="362"/>
+            <ac:picMk id="7" creationId="{214956BE-C0B4-8E40-4BA3-067F34CCD3FC}"/>
+          </ac:picMkLst>
+        </pc:picChg>
+      </pc:sldChg>
+      <pc:sldChg chg="addSp delSp modSp mod">
+        <pc:chgData name="Schallner Christian" userId="3dc005c6-cff8-44b1-855b-1b1edd4398d0" providerId="ADAL" clId="{B4B50DFA-6182-474B-92CE-DBA614D0BA29}" dt="2025-11-12T13:31:06.168" v="134" actId="14100"/>
+        <pc:sldMkLst>
+          <pc:docMk/>
+          <pc:sldMk cId="2937690081" sldId="363"/>
+        </pc:sldMkLst>
+        <pc:spChg chg="mod">
+          <ac:chgData name="Schallner Christian" userId="3dc005c6-cff8-44b1-855b-1b1edd4398d0" providerId="ADAL" clId="{B4B50DFA-6182-474B-92CE-DBA614D0BA29}" dt="2025-11-12T13:31:06.168" v="134" actId="14100"/>
+          <ac:spMkLst>
+            <pc:docMk/>
+            <pc:sldMk cId="2937690081" sldId="363"/>
+            <ac:spMk id="4" creationId="{206757E1-778C-3F94-C186-19485C3EB4FC}"/>
+          </ac:spMkLst>
+        </pc:spChg>
+        <pc:spChg chg="mod">
+          <ac:chgData name="Schallner Christian" userId="3dc005c6-cff8-44b1-855b-1b1edd4398d0" providerId="ADAL" clId="{B4B50DFA-6182-474B-92CE-DBA614D0BA29}" dt="2025-11-12T13:29:35.232" v="115" actId="27803"/>
+          <ac:spMkLst>
+            <pc:docMk/>
+            <pc:sldMk cId="2937690081" sldId="363"/>
+            <ac:spMk id="12" creationId="{887F63BA-B1DC-AEEB-8692-4E4896ACDD6A}"/>
+          </ac:spMkLst>
+        </pc:spChg>
+        <pc:spChg chg="mod">
+          <ac:chgData name="Schallner Christian" userId="3dc005c6-cff8-44b1-855b-1b1edd4398d0" providerId="ADAL" clId="{B4B50DFA-6182-474B-92CE-DBA614D0BA29}" dt="2025-11-12T13:29:35.232" v="115" actId="27803"/>
+          <ac:spMkLst>
+            <pc:docMk/>
+            <pc:sldMk cId="2937690081" sldId="363"/>
+            <ac:spMk id="13" creationId="{36FFAF69-6AB1-90FB-02A5-40883477B61F}"/>
+          </ac:spMkLst>
+        </pc:spChg>
+        <pc:spChg chg="mod">
+          <ac:chgData name="Schallner Christian" userId="3dc005c6-cff8-44b1-855b-1b1edd4398d0" providerId="ADAL" clId="{B4B50DFA-6182-474B-92CE-DBA614D0BA29}" dt="2025-11-12T13:29:35.232" v="115" actId="27803"/>
+          <ac:spMkLst>
+            <pc:docMk/>
+            <pc:sldMk cId="2937690081" sldId="363"/>
+            <ac:spMk id="14" creationId="{FC971DC8-2015-05C4-C6B9-151F4E9FF2A9}"/>
+          </ac:spMkLst>
+        </pc:spChg>
+        <pc:spChg chg="mod">
+          <ac:chgData name="Schallner Christian" userId="3dc005c6-cff8-44b1-855b-1b1edd4398d0" providerId="ADAL" clId="{B4B50DFA-6182-474B-92CE-DBA614D0BA29}" dt="2025-11-12T13:30:07.309" v="122" actId="27803"/>
+          <ac:spMkLst>
+            <pc:docMk/>
+            <pc:sldMk cId="2937690081" sldId="363"/>
+            <ac:spMk id="16" creationId="{C34219E8-BFCC-FF66-72FC-2175DDA5C37B}"/>
+          </ac:spMkLst>
+        </pc:spChg>
+        <pc:spChg chg="mod">
+          <ac:chgData name="Schallner Christian" userId="3dc005c6-cff8-44b1-855b-1b1edd4398d0" providerId="ADAL" clId="{B4B50DFA-6182-474B-92CE-DBA614D0BA29}" dt="2025-11-12T13:30:07.309" v="122" actId="27803"/>
+          <ac:spMkLst>
+            <pc:docMk/>
+            <pc:sldMk cId="2937690081" sldId="363"/>
+            <ac:spMk id="17" creationId="{B77D7397-76F7-6B26-608C-CB54796E4704}"/>
+          </ac:spMkLst>
+        </pc:spChg>
+        <pc:spChg chg="mod">
+          <ac:chgData name="Schallner Christian" userId="3dc005c6-cff8-44b1-855b-1b1edd4398d0" providerId="ADAL" clId="{B4B50DFA-6182-474B-92CE-DBA614D0BA29}" dt="2025-11-12T13:30:07.309" v="122" actId="27803"/>
+          <ac:spMkLst>
+            <pc:docMk/>
+            <pc:sldMk cId="2937690081" sldId="363"/>
+            <ac:spMk id="18" creationId="{33BABA48-3D43-BF9C-25E9-CDF940E52D69}"/>
+          </ac:spMkLst>
+        </pc:spChg>
+        <pc:spChg chg="mod">
+          <ac:chgData name="Schallner Christian" userId="3dc005c6-cff8-44b1-855b-1b1edd4398d0" providerId="ADAL" clId="{B4B50DFA-6182-474B-92CE-DBA614D0BA29}" dt="2025-11-12T13:30:49.041" v="130" actId="1076"/>
+          <ac:spMkLst>
+            <pc:docMk/>
+            <pc:sldMk cId="2937690081" sldId="363"/>
+            <ac:spMk id="20" creationId="{C1D26090-99E7-16C8-1A29-1C0587285274}"/>
+          </ac:spMkLst>
+        </pc:spChg>
+        <pc:spChg chg="mod">
+          <ac:chgData name="Schallner Christian" userId="3dc005c6-cff8-44b1-855b-1b1edd4398d0" providerId="ADAL" clId="{B4B50DFA-6182-474B-92CE-DBA614D0BA29}" dt="2025-11-12T13:30:14.420" v="126" actId="27803"/>
+          <ac:spMkLst>
+            <pc:docMk/>
+            <pc:sldMk cId="2937690081" sldId="363"/>
+            <ac:spMk id="21" creationId="{E6FC9443-6987-6A5B-6A70-06DC16CE4423}"/>
+          </ac:spMkLst>
+        </pc:spChg>
+        <pc:spChg chg="mod">
+          <ac:chgData name="Schallner Christian" userId="3dc005c6-cff8-44b1-855b-1b1edd4398d0" providerId="ADAL" clId="{B4B50DFA-6182-474B-92CE-DBA614D0BA29}" dt="2025-11-12T13:30:14.420" v="126" actId="27803"/>
+          <ac:spMkLst>
+            <pc:docMk/>
+            <pc:sldMk cId="2937690081" sldId="363"/>
+            <ac:spMk id="22" creationId="{184A0661-35A8-40CA-A2C9-C79D63977125}"/>
+          </ac:spMkLst>
+        </pc:spChg>
+        <pc:grpChg chg="add del mod">
+          <ac:chgData name="Schallner Christian" userId="3dc005c6-cff8-44b1-855b-1b1edd4398d0" providerId="ADAL" clId="{B4B50DFA-6182-474B-92CE-DBA614D0BA29}" dt="2025-11-12T13:29:35.232" v="115" actId="27803"/>
+          <ac:grpSpMkLst>
+            <pc:docMk/>
+            <pc:sldMk cId="2937690081" sldId="363"/>
+            <ac:grpSpMk id="11" creationId="{FB7B3F63-4810-B6A2-7A01-FB360E44D15F}"/>
+          </ac:grpSpMkLst>
+        </pc:grpChg>
+        <pc:grpChg chg="add del mod">
+          <ac:chgData name="Schallner Christian" userId="3dc005c6-cff8-44b1-855b-1b1edd4398d0" providerId="ADAL" clId="{B4B50DFA-6182-474B-92CE-DBA614D0BA29}" dt="2025-11-12T13:30:07.309" v="122" actId="27803"/>
+          <ac:grpSpMkLst>
+            <pc:docMk/>
+            <pc:sldMk cId="2937690081" sldId="363"/>
+            <ac:grpSpMk id="15" creationId="{E114A367-D796-4E1E-E1F7-370AF1CD76AD}"/>
+          </ac:grpSpMkLst>
+        </pc:grpChg>
+        <pc:grpChg chg="del mod">
+          <ac:chgData name="Schallner Christian" userId="3dc005c6-cff8-44b1-855b-1b1edd4398d0" providerId="ADAL" clId="{B4B50DFA-6182-474B-92CE-DBA614D0BA29}" dt="2025-11-12T13:30:14.420" v="126" actId="27803"/>
+          <ac:grpSpMkLst>
+            <pc:docMk/>
+            <pc:sldMk cId="2937690081" sldId="363"/>
+            <ac:grpSpMk id="19" creationId="{0120E61D-6BA0-DD3A-453C-24D64B715584}"/>
+          </ac:grpSpMkLst>
+        </pc:grpChg>
+        <pc:picChg chg="add mod">
+          <ac:chgData name="Schallner Christian" userId="3dc005c6-cff8-44b1-855b-1b1edd4398d0" providerId="ADAL" clId="{B4B50DFA-6182-474B-92CE-DBA614D0BA29}" dt="2025-11-12T13:30:58.287" v="131" actId="1076"/>
+          <ac:picMkLst>
+            <pc:docMk/>
+            <pc:sldMk cId="2937690081" sldId="363"/>
+            <ac:picMk id="5" creationId="{2BF3490C-8BAC-F7DC-709F-16BAF9334FD9}"/>
+          </ac:picMkLst>
+        </pc:picChg>
+        <pc:picChg chg="add del mod">
+          <ac:chgData name="Schallner Christian" userId="3dc005c6-cff8-44b1-855b-1b1edd4398d0" providerId="ADAL" clId="{B4B50DFA-6182-474B-92CE-DBA614D0BA29}" dt="2025-11-12T13:28:23.368" v="96" actId="478"/>
+          <ac:picMkLst>
+            <pc:docMk/>
+            <pc:sldMk cId="2937690081" sldId="363"/>
+            <ac:picMk id="7" creationId="{3E5A1142-19EE-3F99-0850-49FDF7C1FE59}"/>
+          </ac:picMkLst>
+        </pc:picChg>
+        <pc:picChg chg="add del mod">
+          <ac:chgData name="Schallner Christian" userId="3dc005c6-cff8-44b1-855b-1b1edd4398d0" providerId="ADAL" clId="{B4B50DFA-6182-474B-92CE-DBA614D0BA29}" dt="2025-11-12T13:30:14.420" v="126" actId="27803"/>
+          <ac:picMkLst>
+            <pc:docMk/>
+            <pc:sldMk cId="2937690081" sldId="363"/>
+            <ac:picMk id="9" creationId="{32D49E2D-4565-8A1A-9F90-63FD1E5D80ED}"/>
+          </ac:picMkLst>
+        </pc:picChg>
+        <pc:picChg chg="mod">
+          <ac:chgData name="Schallner Christian" userId="3dc005c6-cff8-44b1-855b-1b1edd4398d0" providerId="ADAL" clId="{B4B50DFA-6182-474B-92CE-DBA614D0BA29}" dt="2025-11-12T13:02:04.757" v="19" actId="208"/>
+          <ac:picMkLst>
+            <pc:docMk/>
+            <pc:sldMk cId="2937690081" sldId="363"/>
+            <ac:picMk id="10" creationId="{FF34C802-8672-BEA6-925C-39ACAFD02955}"/>
+          </ac:picMkLst>
+        </pc:picChg>
+      </pc:sldChg>
+      <pc:sldChg chg="modSp mod">
+        <pc:chgData name="Schallner Christian" userId="3dc005c6-cff8-44b1-855b-1b1edd4398d0" providerId="ADAL" clId="{B4B50DFA-6182-474B-92CE-DBA614D0BA29}" dt="2025-11-12T13:01:41.281" v="13" actId="208"/>
+        <pc:sldMkLst>
+          <pc:docMk/>
+          <pc:sldMk cId="4037029130" sldId="364"/>
+        </pc:sldMkLst>
+        <pc:picChg chg="mod">
+          <ac:chgData name="Schallner Christian" userId="3dc005c6-cff8-44b1-855b-1b1edd4398d0" providerId="ADAL" clId="{B4B50DFA-6182-474B-92CE-DBA614D0BA29}" dt="2025-11-12T13:01:41.281" v="13" actId="208"/>
+          <ac:picMkLst>
+            <pc:docMk/>
+            <pc:sldMk cId="4037029130" sldId="364"/>
+            <ac:picMk id="7" creationId="{0F4A1AB8-27A9-86E4-6B3F-FCB66A736112}"/>
+          </ac:picMkLst>
+        </pc:picChg>
+      </pc:sldChg>
+      <pc:sldChg chg="addSp delSp modSp mod">
+        <pc:chgData name="Schallner Christian" userId="3dc005c6-cff8-44b1-855b-1b1edd4398d0" providerId="ADAL" clId="{B4B50DFA-6182-474B-92CE-DBA614D0BA29}" dt="2025-11-12T13:40:27.751" v="202" actId="207"/>
+        <pc:sldMkLst>
+          <pc:docMk/>
+          <pc:sldMk cId="2375683402" sldId="365"/>
+        </pc:sldMkLst>
+        <pc:spChg chg="add mod ord">
+          <ac:chgData name="Schallner Christian" userId="3dc005c6-cff8-44b1-855b-1b1edd4398d0" providerId="ADAL" clId="{B4B50DFA-6182-474B-92CE-DBA614D0BA29}" dt="2025-11-12T13:36:41.999" v="165" actId="207"/>
+          <ac:spMkLst>
+            <pc:docMk/>
+            <pc:sldMk cId="2375683402" sldId="365"/>
+            <ac:spMk id="13" creationId="{B3FEA0CE-E27F-2B52-B225-961751B54094}"/>
+          </ac:spMkLst>
+        </pc:spChg>
+        <pc:spChg chg="del mod topLvl">
+          <ac:chgData name="Schallner Christian" userId="3dc005c6-cff8-44b1-855b-1b1edd4398d0" providerId="ADAL" clId="{B4B50DFA-6182-474B-92CE-DBA614D0BA29}" dt="2025-11-12T13:38:11.824" v="173" actId="478"/>
+          <ac:spMkLst>
+            <pc:docMk/>
+            <pc:sldMk cId="2375683402" sldId="365"/>
+            <ac:spMk id="15" creationId="{6545FCEF-8AE6-C1A3-2BFF-000F61CC68F9}"/>
+          </ac:spMkLst>
+        </pc:spChg>
+        <pc:spChg chg="add del mod topLvl">
+          <ac:chgData name="Schallner Christian" userId="3dc005c6-cff8-44b1-855b-1b1edd4398d0" providerId="ADAL" clId="{B4B50DFA-6182-474B-92CE-DBA614D0BA29}" dt="2025-11-12T13:40:25.492" v="201" actId="207"/>
+          <ac:spMkLst>
+            <pc:docMk/>
+            <pc:sldMk cId="2375683402" sldId="365"/>
+            <ac:spMk id="16" creationId="{643BEE4A-DE5E-1656-CB33-5A4396B5707D}"/>
+          </ac:spMkLst>
+        </pc:spChg>
+        <pc:spChg chg="mod">
+          <ac:chgData name="Schallner Christian" userId="3dc005c6-cff8-44b1-855b-1b1edd4398d0" providerId="ADAL" clId="{B4B50DFA-6182-474B-92CE-DBA614D0BA29}" dt="2025-11-12T13:40:25.492" v="201" actId="207"/>
+          <ac:spMkLst>
+            <pc:docMk/>
+            <pc:sldMk cId="2375683402" sldId="365"/>
+            <ac:spMk id="18" creationId="{542FFD8A-25DA-F17A-3A5C-63B26A6C83BE}"/>
+          </ac:spMkLst>
+        </pc:spChg>
+        <pc:spChg chg="mod">
+          <ac:chgData name="Schallner Christian" userId="3dc005c6-cff8-44b1-855b-1b1edd4398d0" providerId="ADAL" clId="{B4B50DFA-6182-474B-92CE-DBA614D0BA29}" dt="2025-11-12T13:40:27.751" v="202" actId="207"/>
+          <ac:spMkLst>
+            <pc:docMk/>
+            <pc:sldMk cId="2375683402" sldId="365"/>
+            <ac:spMk id="19" creationId="{06619332-DCC0-DFB1-DE10-4062AFB98E6E}"/>
+          </ac:spMkLst>
+        </pc:spChg>
+        <pc:grpChg chg="del mod">
+          <ac:chgData name="Schallner Christian" userId="3dc005c6-cff8-44b1-855b-1b1edd4398d0" providerId="ADAL" clId="{B4B50DFA-6182-474B-92CE-DBA614D0BA29}" dt="2025-11-12T13:38:11.824" v="173" actId="478"/>
+          <ac:grpSpMkLst>
+            <pc:docMk/>
+            <pc:sldMk cId="2375683402" sldId="365"/>
+            <ac:grpSpMk id="14" creationId="{BB38E508-6F70-051C-3E56-1523A1CC091F}"/>
+          </ac:grpSpMkLst>
+        </pc:grpChg>
+        <pc:grpChg chg="del mod">
+          <ac:chgData name="Schallner Christian" userId="3dc005c6-cff8-44b1-855b-1b1edd4398d0" providerId="ADAL" clId="{B4B50DFA-6182-474B-92CE-DBA614D0BA29}" dt="2025-11-12T13:39:26.699" v="189" actId="27803"/>
+          <ac:grpSpMkLst>
+            <pc:docMk/>
+            <pc:sldMk cId="2375683402" sldId="365"/>
+            <ac:grpSpMk id="17" creationId="{7BAFDDDC-A465-2342-1BC4-8C4CE04BA66D}"/>
+          </ac:grpSpMkLst>
+        </pc:grpChg>
+        <pc:picChg chg="add mod">
+          <ac:chgData name="Schallner Christian" userId="3dc005c6-cff8-44b1-855b-1b1edd4398d0" providerId="ADAL" clId="{B4B50DFA-6182-474B-92CE-DBA614D0BA29}" dt="2025-11-12T13:40:25.492" v="201" actId="207"/>
+          <ac:picMkLst>
+            <pc:docMk/>
+            <pc:sldMk cId="2375683402" sldId="365"/>
+            <ac:picMk id="5" creationId="{1ECF954B-8C10-B5A1-8C5B-82525E27347F}"/>
+          </ac:picMkLst>
+        </pc:picChg>
+        <pc:picChg chg="add del mod">
+          <ac:chgData name="Schallner Christian" userId="3dc005c6-cff8-44b1-855b-1b1edd4398d0" providerId="ADAL" clId="{B4B50DFA-6182-474B-92CE-DBA614D0BA29}" dt="2025-11-12T13:34:54.272" v="142" actId="478"/>
+          <ac:picMkLst>
+            <pc:docMk/>
+            <pc:sldMk cId="2375683402" sldId="365"/>
+            <ac:picMk id="7" creationId="{9C27B4F3-483C-0CAB-54B9-4A435B8D715D}"/>
+          </ac:picMkLst>
+        </pc:picChg>
+        <pc:picChg chg="add del mod">
+          <ac:chgData name="Schallner Christian" userId="3dc005c6-cff8-44b1-855b-1b1edd4398d0" providerId="ADAL" clId="{B4B50DFA-6182-474B-92CE-DBA614D0BA29}" dt="2025-11-12T13:37:56.381" v="168" actId="27803"/>
+          <ac:picMkLst>
+            <pc:docMk/>
+            <pc:sldMk cId="2375683402" sldId="365"/>
+            <ac:picMk id="9" creationId="{472A2A1F-B084-F59D-DC63-A9BFA9B8AFC7}"/>
+          </ac:picMkLst>
+        </pc:picChg>
+        <pc:picChg chg="mod">
+          <ac:chgData name="Schallner Christian" userId="3dc005c6-cff8-44b1-855b-1b1edd4398d0" providerId="ADAL" clId="{B4B50DFA-6182-474B-92CE-DBA614D0BA29}" dt="2025-11-12T13:01:51.069" v="15" actId="207"/>
+          <ac:picMkLst>
+            <pc:docMk/>
+            <pc:sldMk cId="2375683402" sldId="365"/>
+            <ac:picMk id="10" creationId="{91BB1931-188E-5CBA-69D0-0175784E652F}"/>
+          </ac:picMkLst>
+        </pc:picChg>
+        <pc:picChg chg="add del mod ord">
+          <ac:chgData name="Schallner Christian" userId="3dc005c6-cff8-44b1-855b-1b1edd4398d0" providerId="ADAL" clId="{B4B50DFA-6182-474B-92CE-DBA614D0BA29}" dt="2025-11-12T13:39:26.699" v="189" actId="27803"/>
+          <ac:picMkLst>
+            <pc:docMk/>
+            <pc:sldMk cId="2375683402" sldId="365"/>
+            <ac:picMk id="12" creationId="{41B7AABB-567A-216D-8C7D-43B332ED8FDA}"/>
+          </ac:picMkLst>
+        </pc:picChg>
+      </pc:sldChg>
+      <pc:sldChg chg="modSp mod">
+        <pc:chgData name="Schallner Christian" userId="3dc005c6-cff8-44b1-855b-1b1edd4398d0" providerId="ADAL" clId="{B4B50DFA-6182-474B-92CE-DBA614D0BA29}" dt="2025-11-12T13:02:10.717" v="21" actId="208"/>
+        <pc:sldMkLst>
+          <pc:docMk/>
+          <pc:sldMk cId="4179471944" sldId="366"/>
+        </pc:sldMkLst>
+        <pc:picChg chg="mod">
+          <ac:chgData name="Schallner Christian" userId="3dc005c6-cff8-44b1-855b-1b1edd4398d0" providerId="ADAL" clId="{B4B50DFA-6182-474B-92CE-DBA614D0BA29}" dt="2025-11-12T13:02:10.717" v="21" actId="208"/>
+          <ac:picMkLst>
+            <pc:docMk/>
+            <pc:sldMk cId="4179471944" sldId="366"/>
+            <ac:picMk id="7" creationId="{CABB3A97-88E7-1E8F-E9CB-141AE8F45F8D}"/>
+          </ac:picMkLst>
+        </pc:picChg>
+      </pc:sldChg>
+      <pc:sldChg chg="addSp delSp modSp mod">
+        <pc:chgData name="Schallner Christian" userId="3dc005c6-cff8-44b1-855b-1b1edd4398d0" providerId="ADAL" clId="{B4B50DFA-6182-474B-92CE-DBA614D0BA29}" dt="2025-11-12T13:22:18.864" v="83" actId="1076"/>
+        <pc:sldMkLst>
+          <pc:docMk/>
+          <pc:sldMk cId="3844863795" sldId="367"/>
+        </pc:sldMkLst>
+        <pc:spChg chg="mod">
+          <ac:chgData name="Schallner Christian" userId="3dc005c6-cff8-44b1-855b-1b1edd4398d0" providerId="ADAL" clId="{B4B50DFA-6182-474B-92CE-DBA614D0BA29}" dt="2025-11-12T13:21:07.579" v="78" actId="27803"/>
+          <ac:spMkLst>
+            <pc:docMk/>
+            <pc:sldMk cId="3844863795" sldId="367"/>
+            <ac:spMk id="9" creationId="{6D097DF4-5FCB-3067-882F-307C406C0B9D}"/>
+          </ac:spMkLst>
+        </pc:spChg>
+        <pc:spChg chg="mod ord">
+          <ac:chgData name="Schallner Christian" userId="3dc005c6-cff8-44b1-855b-1b1edd4398d0" providerId="ADAL" clId="{B4B50DFA-6182-474B-92CE-DBA614D0BA29}" dt="2025-11-12T13:21:07.579" v="78" actId="27803"/>
+          <ac:spMkLst>
+            <pc:docMk/>
+            <pc:sldMk cId="3844863795" sldId="367"/>
+            <ac:spMk id="11" creationId="{670A44E5-05EE-8226-41FA-D561DC01AB15}"/>
+          </ac:spMkLst>
+        </pc:spChg>
+        <pc:spChg chg="mod">
+          <ac:chgData name="Schallner Christian" userId="3dc005c6-cff8-44b1-855b-1b1edd4398d0" providerId="ADAL" clId="{B4B50DFA-6182-474B-92CE-DBA614D0BA29}" dt="2025-11-12T13:21:07.579" v="78" actId="27803"/>
+          <ac:spMkLst>
+            <pc:docMk/>
+            <pc:sldMk cId="3844863795" sldId="367"/>
+            <ac:spMk id="12" creationId="{32DD651C-9D55-F8AF-0AAE-1A25DF596B8F}"/>
+          </ac:spMkLst>
+        </pc:spChg>
+        <pc:grpChg chg="add del mod">
+          <ac:chgData name="Schallner Christian" userId="3dc005c6-cff8-44b1-855b-1b1edd4398d0" providerId="ADAL" clId="{B4B50DFA-6182-474B-92CE-DBA614D0BA29}" dt="2025-11-12T13:21:07.579" v="78" actId="27803"/>
+          <ac:grpSpMkLst>
+            <pc:docMk/>
+            <pc:sldMk cId="3844863795" sldId="367"/>
+            <ac:grpSpMk id="8" creationId="{9FBB7D36-B133-DF90-43F2-F854D65C91DD}"/>
+          </ac:grpSpMkLst>
+        </pc:grpChg>
+        <pc:picChg chg="add del mod ord">
+          <ac:chgData name="Schallner Christian" userId="3dc005c6-cff8-44b1-855b-1b1edd4398d0" providerId="ADAL" clId="{B4B50DFA-6182-474B-92CE-DBA614D0BA29}" dt="2025-11-12T13:22:18.864" v="83" actId="1076"/>
+          <ac:picMkLst>
+            <pc:docMk/>
+            <pc:sldMk cId="3844863795" sldId="367"/>
+            <ac:picMk id="5" creationId="{B35DA394-8A65-95D0-D052-5BC34ED3567F}"/>
+          </ac:picMkLst>
+        </pc:picChg>
+        <pc:picChg chg="add mod">
+          <ac:chgData name="Schallner Christian" userId="3dc005c6-cff8-44b1-855b-1b1edd4398d0" providerId="ADAL" clId="{B4B50DFA-6182-474B-92CE-DBA614D0BA29}" dt="2025-11-12T13:22:18.864" v="83" actId="1076"/>
+          <ac:picMkLst>
+            <pc:docMk/>
+            <pc:sldMk cId="3844863795" sldId="367"/>
+            <ac:picMk id="7" creationId="{DEB13663-5C4E-DF3E-6592-C2D97A3BDF63}"/>
+          </ac:picMkLst>
+        </pc:picChg>
+        <pc:picChg chg="mod">
+          <ac:chgData name="Schallner Christian" userId="3dc005c6-cff8-44b1-855b-1b1edd4398d0" providerId="ADAL" clId="{B4B50DFA-6182-474B-92CE-DBA614D0BA29}" dt="2025-11-12T13:02:18.203" v="23" actId="208"/>
+          <ac:picMkLst>
+            <pc:docMk/>
+            <pc:sldMk cId="3844863795" sldId="367"/>
+            <ac:picMk id="10" creationId="{8DF57A02-53AC-C3CD-50C9-E63F7EAA9C94}"/>
+          </ac:picMkLst>
+        </pc:picChg>
+      </pc:sldChg>
+    </pc:docChg>
+  </pc:docChgLst>
+  <pc:docChgLst>
+    <pc:chgData name="Wörndle Linus" userId="e99df0f2-d3c7-483b-b111-e87b6efc6f80" providerId="ADAL" clId="{10116F1F-7B7B-445D-B97E-2611E27ADB40}"/>
+    <pc:docChg chg="undo custSel addSld modSld sldOrd">
+      <pc:chgData name="Wörndle Linus" userId="e99df0f2-d3c7-483b-b111-e87b6efc6f80" providerId="ADAL" clId="{10116F1F-7B7B-445D-B97E-2611E27ADB40}" dt="2025-11-12T16:26:58.659" v="427" actId="1076"/>
+      <pc:docMkLst>
+        <pc:docMk/>
+      </pc:docMkLst>
+      <pc:sldChg chg="modSp mod">
+        <pc:chgData name="Wörndle Linus" userId="e99df0f2-d3c7-483b-b111-e87b6efc6f80" providerId="ADAL" clId="{10116F1F-7B7B-445D-B97E-2611E27ADB40}" dt="2025-11-12T16:23:41.327" v="417" actId="14100"/>
+        <pc:sldMkLst>
+          <pc:docMk/>
+          <pc:sldMk cId="3037812869" sldId="316"/>
+        </pc:sldMkLst>
+        <pc:spChg chg="mod">
+          <ac:chgData name="Wörndle Linus" userId="e99df0f2-d3c7-483b-b111-e87b6efc6f80" providerId="ADAL" clId="{10116F1F-7B7B-445D-B97E-2611E27ADB40}" dt="2025-11-12T16:23:41.327" v="417" actId="14100"/>
+          <ac:spMkLst>
+            <pc:docMk/>
+            <pc:sldMk cId="3037812869" sldId="316"/>
+            <ac:spMk id="2" creationId="{9FF243DF-1FE9-01BE-435F-1729F4AB3DE4}"/>
+          </ac:spMkLst>
+        </pc:spChg>
+        <pc:spChg chg="mod">
+          <ac:chgData name="Wörndle Linus" userId="e99df0f2-d3c7-483b-b111-e87b6efc6f80" providerId="ADAL" clId="{10116F1F-7B7B-445D-B97E-2611E27ADB40}" dt="2025-11-12T16:23:37.936" v="416" actId="14100"/>
+          <ac:spMkLst>
+            <pc:docMk/>
+            <pc:sldMk cId="3037812869" sldId="316"/>
+            <ac:spMk id="4" creationId="{BFAF7377-87AF-3A8C-539C-8A9651F5DA33}"/>
+          </ac:spMkLst>
+        </pc:spChg>
+      </pc:sldChg>
+      <pc:sldChg chg="ord">
+        <pc:chgData name="Wörndle Linus" userId="e99df0f2-d3c7-483b-b111-e87b6efc6f80" providerId="ADAL" clId="{10116F1F-7B7B-445D-B97E-2611E27ADB40}" dt="2025-11-12T16:22:54.564" v="398"/>
+        <pc:sldMkLst>
+          <pc:docMk/>
+          <pc:sldMk cId="2086183247" sldId="362"/>
+        </pc:sldMkLst>
+      </pc:sldChg>
+      <pc:sldChg chg="ord">
+        <pc:chgData name="Wörndle Linus" userId="e99df0f2-d3c7-483b-b111-e87b6efc6f80" providerId="ADAL" clId="{10116F1F-7B7B-445D-B97E-2611E27ADB40}" dt="2025-11-12T16:22:54.564" v="398"/>
+        <pc:sldMkLst>
+          <pc:docMk/>
+          <pc:sldMk cId="2937690081" sldId="363"/>
+        </pc:sldMkLst>
+      </pc:sldChg>
+      <pc:sldChg chg="modSp mod">
+        <pc:chgData name="Wörndle Linus" userId="e99df0f2-d3c7-483b-b111-e87b6efc6f80" providerId="ADAL" clId="{10116F1F-7B7B-445D-B97E-2611E27ADB40}" dt="2025-11-12T16:18:32.187" v="111" actId="20577"/>
+        <pc:sldMkLst>
+          <pc:docMk/>
+          <pc:sldMk cId="4037029130" sldId="364"/>
+        </pc:sldMkLst>
+        <pc:spChg chg="mod">
+          <ac:chgData name="Wörndle Linus" userId="e99df0f2-d3c7-483b-b111-e87b6efc6f80" providerId="ADAL" clId="{10116F1F-7B7B-445D-B97E-2611E27ADB40}" dt="2025-11-12T16:18:32.187" v="111" actId="20577"/>
+          <ac:spMkLst>
+            <pc:docMk/>
+            <pc:sldMk cId="4037029130" sldId="364"/>
+            <ac:spMk id="2" creationId="{8E3CCD1A-D342-DBB1-33E7-7649ACBF304C}"/>
+          </ac:spMkLst>
+        </pc:spChg>
+      </pc:sldChg>
+      <pc:sldChg chg="addSp modSp new mod">
+        <pc:chgData name="Wörndle Linus" userId="e99df0f2-d3c7-483b-b111-e87b6efc6f80" providerId="ADAL" clId="{10116F1F-7B7B-445D-B97E-2611E27ADB40}" dt="2025-11-12T16:18:58.728" v="118" actId="1076"/>
+        <pc:sldMkLst>
+          <pc:docMk/>
+          <pc:sldMk cId="1058218960" sldId="368"/>
+        </pc:sldMkLst>
+        <pc:picChg chg="add mod">
+          <ac:chgData name="Wörndle Linus" userId="e99df0f2-d3c7-483b-b111-e87b6efc6f80" providerId="ADAL" clId="{10116F1F-7B7B-445D-B97E-2611E27ADB40}" dt="2025-11-12T16:18:58.728" v="118" actId="1076"/>
+          <ac:picMkLst>
+            <pc:docMk/>
+            <pc:sldMk cId="1058218960" sldId="368"/>
+            <ac:picMk id="3" creationId="{8E56D17E-7738-0695-7337-87EFFE4DC955}"/>
+          </ac:picMkLst>
+        </pc:picChg>
+      </pc:sldChg>
+      <pc:sldChg chg="modSp add mod">
+        <pc:chgData name="Wörndle Linus" userId="e99df0f2-d3c7-483b-b111-e87b6efc6f80" providerId="ADAL" clId="{10116F1F-7B7B-445D-B97E-2611E27ADB40}" dt="2025-11-12T16:19:13.372" v="148" actId="20577"/>
+        <pc:sldMkLst>
+          <pc:docMk/>
+          <pc:sldMk cId="120471574" sldId="369"/>
+        </pc:sldMkLst>
+        <pc:spChg chg="mod">
+          <ac:chgData name="Wörndle Linus" userId="e99df0f2-d3c7-483b-b111-e87b6efc6f80" providerId="ADAL" clId="{10116F1F-7B7B-445D-B97E-2611E27ADB40}" dt="2025-11-12T16:19:13.372" v="148" actId="20577"/>
+          <ac:spMkLst>
+            <pc:docMk/>
+            <pc:sldMk cId="120471574" sldId="369"/>
+            <ac:spMk id="2" creationId="{5C99A83D-AF6E-7178-2B3F-08DAB16626AE}"/>
+          </ac:spMkLst>
+        </pc:spChg>
+      </pc:sldChg>
+      <pc:sldChg chg="addSp delSp modSp add mod">
+        <pc:chgData name="Wörndle Linus" userId="e99df0f2-d3c7-483b-b111-e87b6efc6f80" providerId="ADAL" clId="{10116F1F-7B7B-445D-B97E-2611E27ADB40}" dt="2025-11-12T16:22:23.721" v="396" actId="1076"/>
+        <pc:sldMkLst>
+          <pc:docMk/>
+          <pc:sldMk cId="365139622" sldId="370"/>
+        </pc:sldMkLst>
+        <pc:spChg chg="mod">
+          <ac:chgData name="Wörndle Linus" userId="e99df0f2-d3c7-483b-b111-e87b6efc6f80" providerId="ADAL" clId="{10116F1F-7B7B-445D-B97E-2611E27ADB40}" dt="2025-11-12T16:19:40.166" v="170" actId="20577"/>
+          <ac:spMkLst>
+            <pc:docMk/>
+            <pc:sldMk cId="365139622" sldId="370"/>
+            <ac:spMk id="2" creationId="{A7F97A40-748E-D326-8FC8-FDF475AAB4B6}"/>
+          </ac:spMkLst>
+        </pc:spChg>
+        <pc:spChg chg="mod">
+          <ac:chgData name="Wörndle Linus" userId="e99df0f2-d3c7-483b-b111-e87b6efc6f80" providerId="ADAL" clId="{10116F1F-7B7B-445D-B97E-2611E27ADB40}" dt="2025-11-12T16:21:06.772" v="385" actId="6549"/>
+          <ac:spMkLst>
+            <pc:docMk/>
+            <pc:sldMk cId="365139622" sldId="370"/>
+            <ac:spMk id="4" creationId="{91CAF0F5-0B60-83BE-EF80-F19A63A3D8B6}"/>
+          </ac:spMkLst>
+        </pc:spChg>
+        <pc:picChg chg="del">
+          <ac:chgData name="Wörndle Linus" userId="e99df0f2-d3c7-483b-b111-e87b6efc6f80" providerId="ADAL" clId="{10116F1F-7B7B-445D-B97E-2611E27ADB40}" dt="2025-11-12T16:19:29.957" v="150" actId="478"/>
+          <ac:picMkLst>
+            <pc:docMk/>
+            <pc:sldMk cId="365139622" sldId="370"/>
+            <ac:picMk id="5" creationId="{14B660B5-F30B-EDBA-C79C-8E039A29268A}"/>
+          </ac:picMkLst>
+        </pc:picChg>
+        <pc:picChg chg="add mod">
+          <ac:chgData name="Wörndle Linus" userId="e99df0f2-d3c7-483b-b111-e87b6efc6f80" providerId="ADAL" clId="{10116F1F-7B7B-445D-B97E-2611E27ADB40}" dt="2025-11-12T16:22:23.721" v="396" actId="1076"/>
+          <ac:picMkLst>
+            <pc:docMk/>
+            <pc:sldMk cId="365139622" sldId="370"/>
+            <ac:picMk id="6" creationId="{FE203E54-A4E8-8B60-B119-326DB72090DE}"/>
+          </ac:picMkLst>
+        </pc:picChg>
+        <pc:picChg chg="del">
+          <ac:chgData name="Wörndle Linus" userId="e99df0f2-d3c7-483b-b111-e87b6efc6f80" providerId="ADAL" clId="{10116F1F-7B7B-445D-B97E-2611E27ADB40}" dt="2025-11-12T16:19:27.685" v="149" actId="478"/>
+          <ac:picMkLst>
+            <pc:docMk/>
+            <pc:sldMk cId="365139622" sldId="370"/>
+            <ac:picMk id="7" creationId="{8AE2C24A-EEAC-88BB-3A7A-531648A74DB8}"/>
+          </ac:picMkLst>
+        </pc:picChg>
+      </pc:sldChg>
+      <pc:sldChg chg="addSp delSp modSp add mod">
+        <pc:chgData name="Wörndle Linus" userId="e99df0f2-d3c7-483b-b111-e87b6efc6f80" providerId="ADAL" clId="{10116F1F-7B7B-445D-B97E-2611E27ADB40}" dt="2025-11-12T16:26:58.659" v="427" actId="1076"/>
+        <pc:sldMkLst>
+          <pc:docMk/>
+          <pc:sldMk cId="2214676664" sldId="371"/>
+        </pc:sldMkLst>
+        <pc:picChg chg="del">
+          <ac:chgData name="Wörndle Linus" userId="e99df0f2-d3c7-483b-b111-e87b6efc6f80" providerId="ADAL" clId="{10116F1F-7B7B-445D-B97E-2611E27ADB40}" dt="2025-11-12T16:26:26.680" v="419" actId="478"/>
+          <ac:picMkLst>
+            <pc:docMk/>
+            <pc:sldMk cId="2214676664" sldId="371"/>
+            <ac:picMk id="3" creationId="{893B00C4-5013-F2F1-45D2-5944149CBEFB}"/>
+          </ac:picMkLst>
+        </pc:picChg>
+        <pc:picChg chg="add mod">
+          <ac:chgData name="Wörndle Linus" userId="e99df0f2-d3c7-483b-b111-e87b6efc6f80" providerId="ADAL" clId="{10116F1F-7B7B-445D-B97E-2611E27ADB40}" dt="2025-11-12T16:26:31.135" v="423" actId="1076"/>
+          <ac:picMkLst>
+            <pc:docMk/>
+            <pc:sldMk cId="2214676664" sldId="371"/>
+            <ac:picMk id="4" creationId="{BDCC4383-0DE2-9657-0D57-6DA7574B32A1}"/>
+          </ac:picMkLst>
+        </pc:picChg>
+        <pc:picChg chg="add mod">
+          <ac:chgData name="Wörndle Linus" userId="e99df0f2-d3c7-483b-b111-e87b6efc6f80" providerId="ADAL" clId="{10116F1F-7B7B-445D-B97E-2611E27ADB40}" dt="2025-11-12T16:26:58.659" v="427" actId="1076"/>
+          <ac:picMkLst>
+            <pc:docMk/>
+            <pc:sldMk cId="2214676664" sldId="371"/>
+            <ac:picMk id="6" creationId="{FF23C9E6-9229-0D27-3602-53D8488FC56F}"/>
+          </ac:picMkLst>
+        </pc:picChg>
+      </pc:sldChg>
+    </pc:docChg>
+  </pc:docChgLst>
+</pc:chgInfo>
 </file>
 
 <file path=ppt/handoutMasters/handoutMaster1.xml><?xml version="1.0" encoding="utf-8"?>
@@ -213,7 +929,7 @@
           </a:lstStyle>
           <a:p>
             <a:pPr rtl="0"/>
-            <a:endParaRPr lang="de-DE" dirty="0"/>
+            <a:endParaRPr lang="de-DE"/>
           </a:p>
         </p:txBody>
       </p:sp>
@@ -255,7 +971,7 @@
               <a:rPr lang="de-DE" smtClean="0"/>
               <a:t>12.11.2025</a:t>
             </a:fld>
-            <a:endParaRPr lang="de-DE" dirty="0"/>
+            <a:endParaRPr lang="de-DE"/>
           </a:p>
         </p:txBody>
       </p:sp>
@@ -293,7 +1009,7 @@
           </a:lstStyle>
           <a:p>
             <a:pPr rtl="0"/>
-            <a:endParaRPr lang="de-DE" dirty="0"/>
+            <a:endParaRPr lang="de-DE"/>
           </a:p>
         </p:txBody>
       </p:sp>
@@ -333,9 +1049,9 @@
             <a:pPr rtl="0"/>
             <a:fld id="{397C78D2-97D1-4B37-BDD1-08A09BD4CA99}" type="slidenum">
               <a:rPr lang="de-DE" smtClean="0"/>
-              <a:t>‹Nr.›</a:t>
+              <a:t>‹#›</a:t>
             </a:fld>
-            <a:endParaRPr lang="de-DE" dirty="0"/>
+            <a:endParaRPr lang="de-DE"/>
           </a:p>
         </p:txBody>
       </p:sp>
@@ -400,7 +1116,7 @@
           </a:lstStyle>
           <a:p>
             <a:pPr rtl="0"/>
-            <a:endParaRPr lang="de-DE" dirty="0"/>
+            <a:endParaRPr lang="de-DE"/>
           </a:p>
         </p:txBody>
       </p:sp>
@@ -436,7 +1152,7 @@
               <a:pPr/>
               <a:t>12.11.2025</a:t>
             </a:fld>
-            <a:endParaRPr lang="de-DE" dirty="0"/>
+            <a:endParaRPr lang="de-DE"/>
           </a:p>
         </p:txBody>
       </p:sp>
@@ -474,7 +1190,7 @@
           </a:lstStyle>
           <a:p>
             <a:pPr rtl="0"/>
-            <a:endParaRPr lang="de-DE" dirty="0"/>
+            <a:endParaRPr lang="de-DE"/>
           </a:p>
         </p:txBody>
       </p:sp>
@@ -569,7 +1285,7 @@
           </a:lstStyle>
           <a:p>
             <a:pPr rtl="0"/>
-            <a:endParaRPr lang="de-DE" dirty="0"/>
+            <a:endParaRPr lang="de-DE"/>
           </a:p>
         </p:txBody>
       </p:sp>
@@ -603,9 +1319,9 @@
             <a:pPr rtl="0"/>
             <a:fld id="{D5939589-3E79-4C82-AA4A-FE78234FAA59}" type="slidenum">
               <a:rPr lang="de-DE" smtClean="0"/>
-              <a:t>‹Nr.›</a:t>
+              <a:t>‹#›</a:t>
             </a:fld>
-            <a:endParaRPr lang="de-DE" dirty="0"/>
+            <a:endParaRPr lang="de-DE"/>
           </a:p>
         </p:txBody>
       </p:sp>
@@ -768,7 +1484,7 @@
           </a:lstStyle>
           <a:p>
             <a:pPr rtl="0"/>
-            <a:endParaRPr lang="de-DE" dirty="0"/>
+            <a:endParaRPr lang="de-DE"/>
           </a:p>
         </p:txBody>
       </p:sp>
@@ -796,7 +1512,7 @@
               <a:rPr lang="de-DE" smtClean="0"/>
               <a:t>1</a:t>
             </a:fld>
-            <a:endParaRPr lang="de-DE" dirty="0"/>
+            <a:endParaRPr lang="de-DE"/>
           </a:p>
         </p:txBody>
       </p:sp>
@@ -804,6 +1520,107 @@
     <p:extLst>
       <p:ext uri="{BB962C8B-B14F-4D97-AF65-F5344CB8AC3E}">
         <p14:creationId xmlns:p14="http://schemas.microsoft.com/office/powerpoint/2010/main" val="1801796192"/>
+      </p:ext>
+    </p:extLst>
+  </p:cSld>
+  <p:clrMapOvr>
+    <a:masterClrMapping/>
+  </p:clrMapOvr>
+</p:notes>
+</file>
+
+<file path=ppt/notesSlides/notesSlide10.xml><?xml version="1.0" encoding="utf-8"?>
+<p:notes xmlns:a="http://schemas.openxmlformats.org/drawingml/2006/main" xmlns:r="http://schemas.openxmlformats.org/officeDocument/2006/relationships" xmlns:p="http://schemas.openxmlformats.org/presentationml/2006/main">
+  <p:cSld>
+    <p:spTree>
+      <p:nvGrpSpPr>
+        <p:cNvPr id="1" name=""/>
+        <p:cNvGrpSpPr/>
+        <p:nvPr/>
+      </p:nvGrpSpPr>
+      <p:grpSpPr>
+        <a:xfrm>
+          <a:off x="0" y="0"/>
+          <a:ext cx="0" cy="0"/>
+          <a:chOff x="0" y="0"/>
+          <a:chExt cx="0" cy="0"/>
+        </a:xfrm>
+      </p:grpSpPr>
+      <p:sp>
+        <p:nvSpPr>
+          <p:cNvPr id="2" name="Folienbildplatzhalter 1"/>
+          <p:cNvSpPr>
+            <a:spLocks noGrp="1" noRot="1" noChangeAspect="1"/>
+          </p:cNvSpPr>
+          <p:nvPr>
+            <p:ph type="sldImg"/>
+          </p:nvPr>
+        </p:nvSpPr>
+        <p:spPr/>
+        <p:txBody>
+          <a:bodyPr/>
+          <a:lstStyle/>
+          <a:p>
+            <a:endParaRPr lang="de-AT"/>
+          </a:p>
+        </p:txBody>
+      </p:sp>
+      <p:sp>
+        <p:nvSpPr>
+          <p:cNvPr id="3" name="Notizenplatzhalter 2"/>
+          <p:cNvSpPr>
+            <a:spLocks noGrp="1"/>
+          </p:cNvSpPr>
+          <p:nvPr>
+            <p:ph type="body" idx="1"/>
+          </p:nvPr>
+        </p:nvSpPr>
+        <p:spPr/>
+        <p:txBody>
+          <a:bodyPr rtlCol="0"/>
+          <a:lstStyle>
+            <a:defPPr>
+              <a:defRPr lang="de-DE"/>
+            </a:defPPr>
+          </a:lstStyle>
+          <a:p>
+            <a:pPr rtl="0"/>
+            <a:endParaRPr lang="de-DE"/>
+          </a:p>
+        </p:txBody>
+      </p:sp>
+      <p:sp>
+        <p:nvSpPr>
+          <p:cNvPr id="4" name="Foliennummernplatzhalter 3"/>
+          <p:cNvSpPr>
+            <a:spLocks noGrp="1"/>
+          </p:cNvSpPr>
+          <p:nvPr>
+            <p:ph type="sldNum" sz="quarter" idx="5"/>
+          </p:nvPr>
+        </p:nvSpPr>
+        <p:spPr/>
+        <p:txBody>
+          <a:bodyPr rtlCol="0"/>
+          <a:lstStyle>
+            <a:defPPr>
+              <a:defRPr lang="de-DE"/>
+            </a:defPPr>
+          </a:lstStyle>
+          <a:p>
+            <a:pPr rtl="0"/>
+            <a:fld id="{D5939589-3E79-4C82-AA4A-FE78234FAA59}" type="slidenum">
+              <a:rPr lang="de-DE" smtClean="0"/>
+              <a:t>19</a:t>
+            </a:fld>
+            <a:endParaRPr lang="de-DE"/>
+          </a:p>
+        </p:txBody>
+      </p:sp>
+    </p:spTree>
+    <p:extLst>
+      <p:ext uri="{BB962C8B-B14F-4D97-AF65-F5344CB8AC3E}">
+        <p14:creationId xmlns:p14="http://schemas.microsoft.com/office/powerpoint/2010/main" val="3613364130"/>
       </p:ext>
     </p:extLst>
   </p:cSld>
@@ -869,7 +1686,7 @@
           </a:lstStyle>
           <a:p>
             <a:pPr rtl="0"/>
-            <a:endParaRPr lang="de-DE" dirty="0"/>
+            <a:endParaRPr lang="de-DE"/>
           </a:p>
         </p:txBody>
       </p:sp>
@@ -897,7 +1714,7 @@
               <a:rPr lang="de-DE" smtClean="0"/>
               <a:t>2</a:t>
             </a:fld>
-            <a:endParaRPr lang="de-DE" dirty="0"/>
+            <a:endParaRPr lang="de-DE"/>
           </a:p>
         </p:txBody>
       </p:sp>
@@ -988,7 +1805,7 @@
           </a:lstStyle>
           <a:p>
             <a:pPr rtl="0"/>
-            <a:endParaRPr lang="de-DE" dirty="0"/>
+            <a:endParaRPr lang="de-DE"/>
           </a:p>
         </p:txBody>
       </p:sp>
@@ -1022,7 +1839,7 @@
               <a:rPr lang="de-DE" smtClean="0"/>
               <a:t>3</a:t>
             </a:fld>
-            <a:endParaRPr lang="de-DE" dirty="0"/>
+            <a:endParaRPr lang="de-DE"/>
           </a:p>
         </p:txBody>
       </p:sp>
@@ -1040,6 +1857,131 @@
 </file>
 
 <file path=ppt/notesSlides/notesSlide4.xml><?xml version="1.0" encoding="utf-8"?>
+<p:notes xmlns:a="http://schemas.openxmlformats.org/drawingml/2006/main" xmlns:r="http://schemas.openxmlformats.org/officeDocument/2006/relationships" xmlns:p="http://schemas.openxmlformats.org/presentationml/2006/main">
+  <p:cSld>
+    <p:spTree>
+      <p:nvGrpSpPr>
+        <p:cNvPr id="1" name="">
+          <a:extLst>
+            <a:ext uri="{FF2B5EF4-FFF2-40B4-BE49-F238E27FC236}">
+              <a16:creationId xmlns:a16="http://schemas.microsoft.com/office/drawing/2014/main" id="{FD121B53-2815-2816-1B14-84173A5554B1}"/>
+            </a:ext>
+          </a:extLst>
+        </p:cNvPr>
+        <p:cNvGrpSpPr/>
+        <p:nvPr/>
+      </p:nvGrpSpPr>
+      <p:grpSpPr>
+        <a:xfrm>
+          <a:off x="0" y="0"/>
+          <a:ext cx="0" cy="0"/>
+          <a:chOff x="0" y="0"/>
+          <a:chExt cx="0" cy="0"/>
+        </a:xfrm>
+      </p:grpSpPr>
+      <p:sp>
+        <p:nvSpPr>
+          <p:cNvPr id="2" name="Folienbildplatzhalter 1">
+            <a:extLst>
+              <a:ext uri="{FF2B5EF4-FFF2-40B4-BE49-F238E27FC236}">
+                <a16:creationId xmlns:a16="http://schemas.microsoft.com/office/drawing/2014/main" id="{C080CD43-884B-3BD3-AB56-060098333007}"/>
+              </a:ext>
+            </a:extLst>
+          </p:cNvPr>
+          <p:cNvSpPr>
+            <a:spLocks noGrp="1" noRot="1" noChangeAspect="1"/>
+          </p:cNvSpPr>
+          <p:nvPr>
+            <p:ph type="sldImg"/>
+          </p:nvPr>
+        </p:nvSpPr>
+        <p:spPr/>
+        <p:txBody>
+          <a:bodyPr/>
+          <a:lstStyle/>
+          <a:p>
+            <a:endParaRPr lang="de-AT"/>
+          </a:p>
+        </p:txBody>
+      </p:sp>
+      <p:sp>
+        <p:nvSpPr>
+          <p:cNvPr id="3" name="Notizenplatzhalter 2">
+            <a:extLst>
+              <a:ext uri="{FF2B5EF4-FFF2-40B4-BE49-F238E27FC236}">
+                <a16:creationId xmlns:a16="http://schemas.microsoft.com/office/drawing/2014/main" id="{BF5EB10E-4D0E-7080-932C-678E1D3ED4B1}"/>
+              </a:ext>
+            </a:extLst>
+          </p:cNvPr>
+          <p:cNvSpPr>
+            <a:spLocks noGrp="1"/>
+          </p:cNvSpPr>
+          <p:nvPr>
+            <p:ph type="body" idx="1"/>
+          </p:nvPr>
+        </p:nvSpPr>
+        <p:spPr/>
+        <p:txBody>
+          <a:bodyPr rtlCol="0"/>
+          <a:lstStyle>
+            <a:defPPr>
+              <a:defRPr lang="de-DE"/>
+            </a:defPPr>
+          </a:lstStyle>
+          <a:p>
+            <a:pPr rtl="0"/>
+            <a:endParaRPr lang="de-DE"/>
+          </a:p>
+        </p:txBody>
+      </p:sp>
+      <p:sp>
+        <p:nvSpPr>
+          <p:cNvPr id="4" name="Foliennummernplatzhalter 3">
+            <a:extLst>
+              <a:ext uri="{FF2B5EF4-FFF2-40B4-BE49-F238E27FC236}">
+                <a16:creationId xmlns:a16="http://schemas.microsoft.com/office/drawing/2014/main" id="{D55CB7F1-1E5B-6116-34FD-9AD7FA8EEEA8}"/>
+              </a:ext>
+            </a:extLst>
+          </p:cNvPr>
+          <p:cNvSpPr>
+            <a:spLocks noGrp="1"/>
+          </p:cNvSpPr>
+          <p:nvPr>
+            <p:ph type="sldNum" sz="quarter" idx="5"/>
+          </p:nvPr>
+        </p:nvSpPr>
+        <p:spPr/>
+        <p:txBody>
+          <a:bodyPr rtlCol="0"/>
+          <a:lstStyle>
+            <a:defPPr>
+              <a:defRPr lang="de-DE"/>
+            </a:defPPr>
+          </a:lstStyle>
+          <a:p>
+            <a:pPr rtl="0"/>
+            <a:fld id="{D5939589-3E79-4C82-AA4A-FE78234FAA59}" type="slidenum">
+              <a:rPr lang="de-DE" smtClean="0"/>
+              <a:t>5</a:t>
+            </a:fld>
+            <a:endParaRPr lang="de-DE"/>
+          </a:p>
+        </p:txBody>
+      </p:sp>
+    </p:spTree>
+    <p:extLst>
+      <p:ext uri="{BB962C8B-B14F-4D97-AF65-F5344CB8AC3E}">
+        <p14:creationId xmlns:p14="http://schemas.microsoft.com/office/powerpoint/2010/main" val="2364624771"/>
+      </p:ext>
+    </p:extLst>
+  </p:cSld>
+  <p:clrMapOvr>
+    <a:masterClrMapping/>
+  </p:clrMapOvr>
+</p:notes>
+</file>
+
+<file path=ppt/notesSlides/notesSlide5.xml><?xml version="1.0" encoding="utf-8"?>
 <p:notes xmlns:a="http://schemas.openxmlformats.org/drawingml/2006/main" xmlns:r="http://schemas.openxmlformats.org/officeDocument/2006/relationships" xmlns:p="http://schemas.openxmlformats.org/presentationml/2006/main">
   <p:cSld>
     <p:spTree>
@@ -1113,7 +2055,7 @@
           </a:lstStyle>
           <a:p>
             <a:pPr rtl="0"/>
-            <a:endParaRPr lang="de-DE" dirty="0"/>
+            <a:endParaRPr lang="de-DE"/>
           </a:p>
         </p:txBody>
       </p:sp>
@@ -1145,9 +2087,9 @@
             <a:pPr rtl="0"/>
             <a:fld id="{D5939589-3E79-4C82-AA4A-FE78234FAA59}" type="slidenum">
               <a:rPr lang="de-DE" smtClean="0"/>
-              <a:t>5</a:t>
+              <a:t>7</a:t>
             </a:fld>
-            <a:endParaRPr lang="de-DE" dirty="0"/>
+            <a:endParaRPr lang="de-DE"/>
           </a:p>
         </p:txBody>
       </p:sp>
@@ -1164,7 +2106,7 @@
 </p:notes>
 </file>
 
-<file path=ppt/notesSlides/notesSlide5.xml><?xml version="1.0" encoding="utf-8"?>
+<file path=ppt/notesSlides/notesSlide6.xml><?xml version="1.0" encoding="utf-8"?>
 <p:notes xmlns:a="http://schemas.openxmlformats.org/drawingml/2006/main" xmlns:r="http://schemas.openxmlformats.org/officeDocument/2006/relationships" xmlns:p="http://schemas.openxmlformats.org/presentationml/2006/main">
   <p:cSld>
     <p:spTree>
@@ -1238,7 +2180,7 @@
           </a:lstStyle>
           <a:p>
             <a:pPr rtl="0"/>
-            <a:endParaRPr lang="de-DE" dirty="0"/>
+            <a:endParaRPr lang="de-DE"/>
           </a:p>
         </p:txBody>
       </p:sp>
@@ -1270,9 +2212,9 @@
             <a:pPr rtl="0"/>
             <a:fld id="{D5939589-3E79-4C82-AA4A-FE78234FAA59}" type="slidenum">
               <a:rPr lang="de-DE" smtClean="0"/>
-              <a:t>7</a:t>
+              <a:t>9</a:t>
             </a:fld>
-            <a:endParaRPr lang="de-DE" dirty="0"/>
+            <a:endParaRPr lang="de-DE"/>
           </a:p>
         </p:txBody>
       </p:sp>
@@ -1280,131 +2222,6 @@
     <p:extLst>
       <p:ext uri="{BB962C8B-B14F-4D97-AF65-F5344CB8AC3E}">
         <p14:creationId xmlns:p14="http://schemas.microsoft.com/office/powerpoint/2010/main" val="1948962417"/>
-      </p:ext>
-    </p:extLst>
-  </p:cSld>
-  <p:clrMapOvr>
-    <a:masterClrMapping/>
-  </p:clrMapOvr>
-</p:notes>
-</file>
-
-<file path=ppt/notesSlides/notesSlide6.xml><?xml version="1.0" encoding="utf-8"?>
-<p:notes xmlns:a="http://schemas.openxmlformats.org/drawingml/2006/main" xmlns:r="http://schemas.openxmlformats.org/officeDocument/2006/relationships" xmlns:p="http://schemas.openxmlformats.org/presentationml/2006/main">
-  <p:cSld>
-    <p:spTree>
-      <p:nvGrpSpPr>
-        <p:cNvPr id="1" name="">
-          <a:extLst>
-            <a:ext uri="{FF2B5EF4-FFF2-40B4-BE49-F238E27FC236}">
-              <a16:creationId xmlns:a16="http://schemas.microsoft.com/office/drawing/2014/main" id="{6C313530-5326-F851-10A9-5E258C04E0F7}"/>
-            </a:ext>
-          </a:extLst>
-        </p:cNvPr>
-        <p:cNvGrpSpPr/>
-        <p:nvPr/>
-      </p:nvGrpSpPr>
-      <p:grpSpPr>
-        <a:xfrm>
-          <a:off x="0" y="0"/>
-          <a:ext cx="0" cy="0"/>
-          <a:chOff x="0" y="0"/>
-          <a:chExt cx="0" cy="0"/>
-        </a:xfrm>
-      </p:grpSpPr>
-      <p:sp>
-        <p:nvSpPr>
-          <p:cNvPr id="2" name="Folienbildplatzhalter 1">
-            <a:extLst>
-              <a:ext uri="{FF2B5EF4-FFF2-40B4-BE49-F238E27FC236}">
-                <a16:creationId xmlns:a16="http://schemas.microsoft.com/office/drawing/2014/main" id="{F76B4369-B215-ABD4-3A57-57BBB9CA832D}"/>
-              </a:ext>
-            </a:extLst>
-          </p:cNvPr>
-          <p:cNvSpPr>
-            <a:spLocks noGrp="1" noRot="1" noChangeAspect="1"/>
-          </p:cNvSpPr>
-          <p:nvPr>
-            <p:ph type="sldImg"/>
-          </p:nvPr>
-        </p:nvSpPr>
-        <p:spPr/>
-        <p:txBody>
-          <a:bodyPr/>
-          <a:lstStyle/>
-          <a:p>
-            <a:endParaRPr lang="de-AT"/>
-          </a:p>
-        </p:txBody>
-      </p:sp>
-      <p:sp>
-        <p:nvSpPr>
-          <p:cNvPr id="3" name="Notizenplatzhalter 2">
-            <a:extLst>
-              <a:ext uri="{FF2B5EF4-FFF2-40B4-BE49-F238E27FC236}">
-                <a16:creationId xmlns:a16="http://schemas.microsoft.com/office/drawing/2014/main" id="{2C7AA4A9-F34B-6E93-2ADE-5D4D1438505E}"/>
-              </a:ext>
-            </a:extLst>
-          </p:cNvPr>
-          <p:cNvSpPr>
-            <a:spLocks noGrp="1"/>
-          </p:cNvSpPr>
-          <p:nvPr>
-            <p:ph type="body" idx="1"/>
-          </p:nvPr>
-        </p:nvSpPr>
-        <p:spPr/>
-        <p:txBody>
-          <a:bodyPr rtlCol="0"/>
-          <a:lstStyle>
-            <a:defPPr>
-              <a:defRPr lang="de-DE"/>
-            </a:defPPr>
-          </a:lstStyle>
-          <a:p>
-            <a:pPr rtl="0"/>
-            <a:endParaRPr lang="de-DE" dirty="0"/>
-          </a:p>
-        </p:txBody>
-      </p:sp>
-      <p:sp>
-        <p:nvSpPr>
-          <p:cNvPr id="4" name="Foliennummernplatzhalter 3">
-            <a:extLst>
-              <a:ext uri="{FF2B5EF4-FFF2-40B4-BE49-F238E27FC236}">
-                <a16:creationId xmlns:a16="http://schemas.microsoft.com/office/drawing/2014/main" id="{56883446-97D1-9020-BB10-4B022D9DB76D}"/>
-              </a:ext>
-            </a:extLst>
-          </p:cNvPr>
-          <p:cNvSpPr>
-            <a:spLocks noGrp="1"/>
-          </p:cNvSpPr>
-          <p:nvPr>
-            <p:ph type="sldNum" sz="quarter" idx="5"/>
-          </p:nvPr>
-        </p:nvSpPr>
-        <p:spPr/>
-        <p:txBody>
-          <a:bodyPr rtlCol="0"/>
-          <a:lstStyle>
-            <a:defPPr>
-              <a:defRPr lang="de-DE"/>
-            </a:defPPr>
-          </a:lstStyle>
-          <a:p>
-            <a:pPr rtl="0"/>
-            <a:fld id="{D5939589-3E79-4C82-AA4A-FE78234FAA59}" type="slidenum">
-              <a:rPr lang="de-DE" smtClean="0"/>
-              <a:t>9</a:t>
-            </a:fld>
-            <a:endParaRPr lang="de-DE" dirty="0"/>
-          </a:p>
-        </p:txBody>
-      </p:sp>
-    </p:spTree>
-    <p:extLst>
-      <p:ext uri="{BB962C8B-B14F-4D97-AF65-F5344CB8AC3E}">
-        <p14:creationId xmlns:p14="http://schemas.microsoft.com/office/powerpoint/2010/main" val="426174680"/>
       </p:ext>
     </p:extLst>
   </p:cSld>
@@ -1488,7 +2305,7 @@
           </a:lstStyle>
           <a:p>
             <a:pPr rtl="0"/>
-            <a:endParaRPr lang="de-DE" dirty="0"/>
+            <a:endParaRPr lang="de-DE"/>
           </a:p>
         </p:txBody>
       </p:sp>
@@ -1520,9 +2337,9 @@
             <a:pPr rtl="0"/>
             <a:fld id="{D5939589-3E79-4C82-AA4A-FE78234FAA59}" type="slidenum">
               <a:rPr lang="de-DE" smtClean="0"/>
-              <a:t>11</a:t>
+              <a:t>13</a:t>
             </a:fld>
-            <a:endParaRPr lang="de-DE" dirty="0"/>
+            <a:endParaRPr lang="de-DE"/>
           </a:p>
         </p:txBody>
       </p:sp>
@@ -1595,7 +2412,7 @@
           </a:lstStyle>
           <a:p>
             <a:pPr rtl="0"/>
-            <a:endParaRPr lang="de-DE" dirty="0"/>
+            <a:endParaRPr lang="de-DE"/>
           </a:p>
         </p:txBody>
       </p:sp>
@@ -1621,9 +2438,9 @@
             <a:pPr rtl="0"/>
             <a:fld id="{D5939589-3E79-4C82-AA4A-FE78234FAA59}" type="slidenum">
               <a:rPr lang="de-DE" smtClean="0"/>
-              <a:t>14</a:t>
+              <a:t>16</a:t>
             </a:fld>
-            <a:endParaRPr lang="de-DE" dirty="0"/>
+            <a:endParaRPr lang="de-DE"/>
           </a:p>
         </p:txBody>
       </p:sp>
@@ -1645,7 +2462,13 @@
   <p:cSld>
     <p:spTree>
       <p:nvGrpSpPr>
-        <p:cNvPr id="1" name=""/>
+        <p:cNvPr id="1" name="">
+          <a:extLst>
+            <a:ext uri="{FF2B5EF4-FFF2-40B4-BE49-F238E27FC236}">
+              <a16:creationId xmlns:a16="http://schemas.microsoft.com/office/drawing/2014/main" id="{6C313530-5326-F851-10A9-5E258C04E0F7}"/>
+            </a:ext>
+          </a:extLst>
+        </p:cNvPr>
         <p:cNvGrpSpPr/>
         <p:nvPr/>
       </p:nvGrpSpPr>
@@ -1659,7 +2482,13 @@
       </p:grpSpPr>
       <p:sp>
         <p:nvSpPr>
-          <p:cNvPr id="2" name="Folienbildplatzhalter 1"/>
+          <p:cNvPr id="2" name="Folienbildplatzhalter 1">
+            <a:extLst>
+              <a:ext uri="{FF2B5EF4-FFF2-40B4-BE49-F238E27FC236}">
+                <a16:creationId xmlns:a16="http://schemas.microsoft.com/office/drawing/2014/main" id="{F76B4369-B215-ABD4-3A57-57BBB9CA832D}"/>
+              </a:ext>
+            </a:extLst>
+          </p:cNvPr>
           <p:cNvSpPr>
             <a:spLocks noGrp="1" noRot="1" noChangeAspect="1"/>
           </p:cNvSpPr>
@@ -1678,7 +2507,13 @@
       </p:sp>
       <p:sp>
         <p:nvSpPr>
-          <p:cNvPr id="3" name="Notizenplatzhalter 2"/>
+          <p:cNvPr id="3" name="Notizenplatzhalter 2">
+            <a:extLst>
+              <a:ext uri="{FF2B5EF4-FFF2-40B4-BE49-F238E27FC236}">
+                <a16:creationId xmlns:a16="http://schemas.microsoft.com/office/drawing/2014/main" id="{2C7AA4A9-F34B-6E93-2ADE-5D4D1438505E}"/>
+              </a:ext>
+            </a:extLst>
+          </p:cNvPr>
           <p:cNvSpPr>
             <a:spLocks noGrp="1"/>
           </p:cNvSpPr>
@@ -1696,13 +2531,19 @@
           </a:lstStyle>
           <a:p>
             <a:pPr rtl="0"/>
-            <a:endParaRPr lang="de-DE" dirty="0"/>
+            <a:endParaRPr lang="de-DE"/>
           </a:p>
         </p:txBody>
       </p:sp>
       <p:sp>
         <p:nvSpPr>
-          <p:cNvPr id="4" name="Foliennummernplatzhalter 3"/>
+          <p:cNvPr id="4" name="Foliennummernplatzhalter 3">
+            <a:extLst>
+              <a:ext uri="{FF2B5EF4-FFF2-40B4-BE49-F238E27FC236}">
+                <a16:creationId xmlns:a16="http://schemas.microsoft.com/office/drawing/2014/main" id="{56883446-97D1-9020-BB10-4B022D9DB76D}"/>
+              </a:ext>
+            </a:extLst>
+          </p:cNvPr>
           <p:cNvSpPr>
             <a:spLocks noGrp="1"/>
           </p:cNvSpPr>
@@ -1722,16 +2563,16 @@
             <a:pPr rtl="0"/>
             <a:fld id="{D5939589-3E79-4C82-AA4A-FE78234FAA59}" type="slidenum">
               <a:rPr lang="de-DE" smtClean="0"/>
-              <a:t>15</a:t>
+              <a:t>17</a:t>
             </a:fld>
-            <a:endParaRPr lang="de-DE" dirty="0"/>
+            <a:endParaRPr lang="de-DE"/>
           </a:p>
         </p:txBody>
       </p:sp>
     </p:spTree>
     <p:extLst>
       <p:ext uri="{BB962C8B-B14F-4D97-AF65-F5344CB8AC3E}">
-        <p14:creationId xmlns:p14="http://schemas.microsoft.com/office/powerpoint/2010/main" val="3613364130"/>
+        <p14:creationId xmlns:p14="http://schemas.microsoft.com/office/powerpoint/2010/main" val="426174680"/>
       </p:ext>
     </p:extLst>
   </p:cSld>
@@ -1816,7 +2657,6 @@
               <a:rPr lang="de-DE"/>
               <a:t>Mastertitelformat bearbeiten</a:t>
             </a:r>
-            <a:endParaRPr lang="de-DE" dirty="0"/>
           </a:p>
         </p:txBody>
       </p:sp>
@@ -1987,7 +2827,7 @@
             </a:lstStyle>
             <a:p>
               <a:pPr rtl="0"/>
-              <a:endParaRPr lang="de-DE" dirty="0"/>
+              <a:endParaRPr lang="de-DE"/>
             </a:p>
           </p:txBody>
         </p:sp>
@@ -2192,7 +3032,7 @@
             </a:lstStyle>
             <a:p>
               <a:pPr rtl="0"/>
-              <a:endParaRPr lang="de-DE" dirty="0"/>
+              <a:endParaRPr lang="de-DE"/>
             </a:p>
           </p:txBody>
         </p:sp>
@@ -2341,7 +3181,7 @@
             </a:lstStyle>
             <a:p>
               <a:pPr rtl="0"/>
-              <a:endParaRPr lang="de-DE" dirty="0"/>
+              <a:endParaRPr lang="de-DE"/>
             </a:p>
           </p:txBody>
         </p:sp>
@@ -2450,10 +3290,10 @@
             <a:pPr rtl="0"/>
             <a:fld id="{D8DA9DAA-006C-4F4B-980E-E3DF019B24E2}" type="slidenum">
               <a:rPr lang="de-DE" smtClean="0"/>
-              <a:pPr/>
-              <a:t>‹Nr.›</a:t>
+              <a:pPr rtl="0"/>
+              <a:t>‹#›</a:t>
             </a:fld>
-            <a:endParaRPr lang="de-DE" dirty="0"/>
+            <a:endParaRPr lang="de-DE"/>
           </a:p>
         </p:txBody>
       </p:sp>
@@ -2712,7 +3552,7 @@
           </a:lstStyle>
           <a:p>
             <a:pPr rtl="0"/>
-            <a:endParaRPr lang="de-DE" dirty="0"/>
+            <a:endParaRPr lang="de-DE"/>
           </a:p>
         </p:txBody>
       </p:sp>
@@ -2816,10 +3656,10 @@
             <a:pPr rtl="0"/>
             <a:fld id="{D8DA9DAA-006C-4F4B-980E-E3DF019B24E2}" type="slidenum">
               <a:rPr lang="de-DE" smtClean="0"/>
-              <a:pPr/>
-              <a:t>‹Nr.›</a:t>
+              <a:pPr rtl="0"/>
+              <a:t>‹#›</a:t>
             </a:fld>
-            <a:endParaRPr lang="de-DE" dirty="0"/>
+            <a:endParaRPr lang="de-DE"/>
           </a:p>
         </p:txBody>
       </p:sp>
@@ -3134,7 +3974,7 @@
             </a:lstStyle>
             <a:p>
               <a:pPr rtl="0"/>
-              <a:endParaRPr lang="de-DE" dirty="0"/>
+              <a:endParaRPr lang="de-DE"/>
             </a:p>
           </p:txBody>
         </p:sp>
@@ -3339,7 +4179,7 @@
             </a:lstStyle>
             <a:p>
               <a:pPr rtl="0"/>
-              <a:endParaRPr lang="de-DE" dirty="0"/>
+              <a:endParaRPr lang="de-DE"/>
             </a:p>
           </p:txBody>
         </p:sp>
@@ -3488,7 +4328,7 @@
             </a:lstStyle>
             <a:p>
               <a:pPr rtl="0"/>
-              <a:endParaRPr lang="de-DE" dirty="0"/>
+              <a:endParaRPr lang="de-DE"/>
             </a:p>
           </p:txBody>
         </p:sp>
@@ -3524,7 +4364,7 @@
           </a:lstStyle>
           <a:p>
             <a:pPr rtl="0"/>
-            <a:endParaRPr lang="de-DE" dirty="0"/>
+            <a:endParaRPr lang="de-DE"/>
           </a:p>
         </p:txBody>
       </p:sp>
@@ -3811,7 +4651,7 @@
             </a:lstStyle>
             <a:p>
               <a:pPr rtl="0"/>
-              <a:endParaRPr lang="de-DE" dirty="0"/>
+              <a:endParaRPr lang="de-DE"/>
             </a:p>
           </p:txBody>
         </p:sp>
@@ -3963,7 +4803,7 @@
             </a:lstStyle>
             <a:p>
               <a:pPr rtl="0"/>
-              <a:endParaRPr lang="de-DE" dirty="0"/>
+              <a:endParaRPr lang="de-DE"/>
             </a:p>
           </p:txBody>
         </p:sp>
@@ -4067,7 +4907,7 @@
             </a:lstStyle>
             <a:p>
               <a:pPr rtl="0"/>
-              <a:endParaRPr lang="de-DE" dirty="0"/>
+              <a:endParaRPr lang="de-DE"/>
             </a:p>
           </p:txBody>
         </p:sp>
@@ -4168,10 +5008,10 @@
             <a:pPr rtl="0"/>
             <a:fld id="{D8DA9DAA-006C-4F4B-980E-E3DF019B24E2}" type="slidenum">
               <a:rPr lang="de-DE" smtClean="0"/>
-              <a:pPr/>
-              <a:t>‹Nr.›</a:t>
+              <a:pPr rtl="0"/>
+              <a:t>‹#›</a:t>
             </a:fld>
-            <a:endParaRPr lang="de-DE" dirty="0"/>
+            <a:endParaRPr lang="de-DE"/>
           </a:p>
         </p:txBody>
       </p:sp>
@@ -4328,7 +5168,7 @@
           </a:lstStyle>
           <a:p>
             <a:pPr rtl="0"/>
-            <a:endParaRPr lang="de-DE" dirty="0"/>
+            <a:endParaRPr lang="de-DE"/>
           </a:p>
         </p:txBody>
       </p:sp>
@@ -4420,7 +5260,6 @@
               <a:rPr lang="de-DE"/>
               <a:t>Mastertitelformat bearbeiten</a:t>
             </a:r>
-            <a:endParaRPr lang="de-DE" dirty="0"/>
           </a:p>
         </p:txBody>
       </p:sp>
@@ -4747,7 +5586,7 @@
             </a:lstStyle>
             <a:p>
               <a:pPr rtl="0"/>
-              <a:endParaRPr lang="de-DE" dirty="0"/>
+              <a:endParaRPr lang="de-DE"/>
             </a:p>
           </p:txBody>
         </p:sp>
@@ -4952,7 +5791,7 @@
             </a:lstStyle>
             <a:p>
               <a:pPr rtl="0"/>
-              <a:endParaRPr lang="de-DE" dirty="0"/>
+              <a:endParaRPr lang="de-DE"/>
             </a:p>
           </p:txBody>
         </p:sp>
@@ -5101,7 +5940,7 @@
             </a:lstStyle>
             <a:p>
               <a:pPr rtl="0"/>
-              <a:endParaRPr lang="de-DE" dirty="0"/>
+              <a:endParaRPr lang="de-DE"/>
             </a:p>
           </p:txBody>
         </p:sp>
@@ -5255,7 +6094,7 @@
           </a:lstStyle>
           <a:p>
             <a:pPr rtl="0"/>
-            <a:endParaRPr lang="de-DE" dirty="0"/>
+            <a:endParaRPr lang="de-DE"/>
           </a:p>
         </p:txBody>
       </p:sp>
@@ -5292,9 +6131,9 @@
             <a:pPr rtl="0"/>
             <a:fld id="{D8DA9DAA-006C-4F4B-980E-E3DF019B24E2}" type="slidenum">
               <a:rPr lang="de-DE" smtClean="0"/>
-              <a:t>‹Nr.›</a:t>
+              <a:t>‹#›</a:t>
             </a:fld>
-            <a:endParaRPr lang="de-DE" dirty="0"/>
+            <a:endParaRPr lang="de-DE"/>
           </a:p>
         </p:txBody>
       </p:sp>
@@ -5466,7 +6305,7 @@
           </a:lstStyle>
           <a:p>
             <a:pPr rtl="0"/>
-            <a:endParaRPr lang="de-DE" dirty="0"/>
+            <a:endParaRPr lang="de-DE"/>
           </a:p>
         </p:txBody>
       </p:sp>
@@ -5498,10 +6337,10 @@
             <a:pPr rtl="0"/>
             <a:fld id="{D8DA9DAA-006C-4F4B-980E-E3DF019B24E2}" type="slidenum">
               <a:rPr lang="de-DE" smtClean="0"/>
-              <a:pPr/>
-              <a:t>‹Nr.›</a:t>
+              <a:pPr rtl="0"/>
+              <a:t>‹#›</a:t>
             </a:fld>
-            <a:endParaRPr lang="de-DE" dirty="0"/>
+            <a:endParaRPr lang="de-DE"/>
           </a:p>
         </p:txBody>
       </p:sp>
@@ -5590,7 +6429,7 @@
           <a:p>
             <a:pPr rtl="0"/>
             <a:r>
-              <a:rPr lang="de-DE" dirty="0"/>
+              <a:rPr lang="de-DE"/>
               <a:t>Titel durch Klicken hinzufügen</a:t>
             </a:r>
           </a:p>
@@ -5628,10 +6467,10 @@
             <a:pPr rtl="0"/>
             <a:fld id="{D8DA9DAA-006C-4F4B-980E-E3DF019B24E2}" type="slidenum">
               <a:rPr lang="de-DE" smtClean="0"/>
-              <a:pPr/>
-              <a:t>‹Nr.›</a:t>
+              <a:pPr rtl="0"/>
+              <a:t>‹#›</a:t>
             </a:fld>
-            <a:endParaRPr lang="de-DE" dirty="0"/>
+            <a:endParaRPr lang="de-DE"/>
           </a:p>
         </p:txBody>
       </p:sp>
@@ -6023,7 +6862,7 @@
           </a:lstStyle>
           <a:p>
             <a:pPr rtl="0"/>
-            <a:endParaRPr lang="de-DE" dirty="0"/>
+            <a:endParaRPr lang="de-DE"/>
           </a:p>
         </p:txBody>
       </p:sp>
@@ -6231,7 +7070,7 @@
           </a:lstStyle>
           <a:p>
             <a:pPr rtl="0"/>
-            <a:endParaRPr lang="de-DE" dirty="0"/>
+            <a:endParaRPr lang="de-DE"/>
           </a:p>
         </p:txBody>
       </p:sp>
@@ -6383,7 +7222,7 @@
           </a:lstStyle>
           <a:p>
             <a:pPr rtl="0"/>
-            <a:endParaRPr lang="de-DE" dirty="0"/>
+            <a:endParaRPr lang="de-DE"/>
           </a:p>
         </p:txBody>
       </p:sp>
@@ -6422,7 +7261,7 @@
           </a:lstStyle>
           <a:p>
             <a:pPr rtl="0"/>
-            <a:endParaRPr lang="de-DE" dirty="0"/>
+            <a:endParaRPr lang="de-DE"/>
           </a:p>
         </p:txBody>
       </p:sp>
@@ -6514,7 +7353,6 @@
               <a:rPr lang="de-DE"/>
               <a:t>Mastertitelformat bearbeiten</a:t>
             </a:r>
-            <a:endParaRPr lang="de-DE" dirty="0"/>
           </a:p>
         </p:txBody>
       </p:sp>
@@ -6685,7 +7523,7 @@
             </a:lstStyle>
             <a:p>
               <a:pPr rtl="0"/>
-              <a:endParaRPr lang="de-DE" dirty="0"/>
+              <a:endParaRPr lang="de-DE"/>
             </a:p>
           </p:txBody>
         </p:sp>
@@ -6890,7 +7728,7 @@
             </a:lstStyle>
             <a:p>
               <a:pPr rtl="0"/>
-              <a:endParaRPr lang="de-DE" dirty="0"/>
+              <a:endParaRPr lang="de-DE"/>
             </a:p>
           </p:txBody>
         </p:sp>
@@ -7039,7 +7877,7 @@
             </a:lstStyle>
             <a:p>
               <a:pPr rtl="0"/>
-              <a:endParaRPr lang="de-DE" dirty="0"/>
+              <a:endParaRPr lang="de-DE"/>
             </a:p>
           </p:txBody>
         </p:sp>
@@ -7534,7 +8372,7 @@
             </a:lstStyle>
             <a:p>
               <a:pPr rtl="0"/>
-              <a:endParaRPr lang="de-DE" dirty="0"/>
+              <a:endParaRPr lang="de-DE"/>
             </a:p>
           </p:txBody>
         </p:sp>
@@ -7739,7 +8577,7 @@
             </a:lstStyle>
             <a:p>
               <a:pPr rtl="0"/>
-              <a:endParaRPr lang="de-DE" dirty="0"/>
+              <a:endParaRPr lang="de-DE"/>
             </a:p>
           </p:txBody>
         </p:sp>
@@ -7888,7 +8726,7 @@
             </a:lstStyle>
             <a:p>
               <a:pPr rtl="0"/>
-              <a:endParaRPr lang="de-DE" dirty="0"/>
+              <a:endParaRPr lang="de-DE"/>
             </a:p>
           </p:txBody>
         </p:sp>
@@ -8153,10 +8991,10 @@
             <a:pPr rtl="0"/>
             <a:fld id="{D8DA9DAA-006C-4F4B-980E-E3DF019B24E2}" type="slidenum">
               <a:rPr lang="de-DE" smtClean="0"/>
-              <a:pPr/>
-              <a:t>‹Nr.›</a:t>
+              <a:pPr rtl="0"/>
+              <a:t>‹#›</a:t>
             </a:fld>
-            <a:endParaRPr lang="de-DE" dirty="0"/>
+            <a:endParaRPr lang="de-DE"/>
           </a:p>
         </p:txBody>
       </p:sp>
@@ -8511,7 +9349,7 @@
             </a:lstStyle>
             <a:p>
               <a:pPr rtl="0"/>
-              <a:endParaRPr lang="de-DE" dirty="0"/>
+              <a:endParaRPr lang="de-DE"/>
             </a:p>
           </p:txBody>
         </p:sp>
@@ -8719,7 +9557,7 @@
             </a:lstStyle>
             <a:p>
               <a:pPr rtl="0"/>
-              <a:endParaRPr lang="de-DE" dirty="0"/>
+              <a:endParaRPr lang="de-DE"/>
             </a:p>
           </p:txBody>
         </p:sp>
@@ -8755,7 +9593,7 @@
           </a:lstStyle>
           <a:p>
             <a:pPr rtl="0"/>
-            <a:endParaRPr lang="de-DE" dirty="0"/>
+            <a:endParaRPr lang="de-DE"/>
           </a:p>
         </p:txBody>
       </p:sp>
@@ -9103,7 +9941,7 @@
             </a:lstStyle>
             <a:p>
               <a:pPr rtl="0"/>
-              <a:endParaRPr lang="de-DE" dirty="0"/>
+              <a:endParaRPr lang="de-DE"/>
             </a:p>
           </p:txBody>
         </p:sp>
@@ -9308,7 +10146,7 @@
             </a:lstStyle>
             <a:p>
               <a:pPr rtl="0"/>
-              <a:endParaRPr lang="de-DE" dirty="0"/>
+              <a:endParaRPr lang="de-DE"/>
             </a:p>
           </p:txBody>
         </p:sp>
@@ -9457,7 +10295,7 @@
             </a:lstStyle>
             <a:p>
               <a:pPr rtl="0"/>
-              <a:endParaRPr lang="de-DE" dirty="0"/>
+              <a:endParaRPr lang="de-DE"/>
             </a:p>
           </p:txBody>
         </p:sp>
@@ -9605,10 +10443,10 @@
             <a:pPr rtl="0"/>
             <a:fld id="{D8DA9DAA-006C-4F4B-980E-E3DF019B24E2}" type="slidenum">
               <a:rPr lang="de-DE" smtClean="0"/>
-              <a:pPr/>
-              <a:t>‹Nr.›</a:t>
+              <a:pPr rtl="0"/>
+              <a:t>‹#›</a:t>
             </a:fld>
-            <a:endParaRPr lang="de-DE" dirty="0"/>
+            <a:endParaRPr lang="de-DE"/>
           </a:p>
         </p:txBody>
       </p:sp>
@@ -10064,7 +10902,7 @@
           </a:lstStyle>
           <a:p>
             <a:pPr rtl="0"/>
-            <a:endParaRPr lang="de-DE" dirty="0"/>
+            <a:endParaRPr lang="de-DE"/>
           </a:p>
         </p:txBody>
       </p:sp>
@@ -10216,7 +11054,7 @@
           </a:lstStyle>
           <a:p>
             <a:pPr rtl="0"/>
-            <a:endParaRPr lang="de-DE" dirty="0"/>
+            <a:endParaRPr lang="de-DE"/>
           </a:p>
         </p:txBody>
       </p:sp>
@@ -10320,7 +11158,7 @@
           </a:lstStyle>
           <a:p>
             <a:pPr rtl="0"/>
-            <a:endParaRPr lang="de-DE" dirty="0"/>
+            <a:endParaRPr lang="de-DE"/>
           </a:p>
         </p:txBody>
       </p:sp>
@@ -10355,7 +11193,7 @@
           </a:lstStyle>
           <a:p>
             <a:pPr rtl="0"/>
-            <a:endParaRPr lang="de-DE" dirty="0"/>
+            <a:endParaRPr lang="de-DE"/>
           </a:p>
         </p:txBody>
       </p:sp>
@@ -10453,7 +11291,7 @@
           </a:lstStyle>
           <a:p>
             <a:pPr algn="ctr" rtl="0"/>
-            <a:endParaRPr lang="de-DE" dirty="0"/>
+            <a:endParaRPr lang="de-DE"/>
           </a:p>
         </p:txBody>
       </p:sp>
@@ -10493,7 +11331,7 @@
           <a:p>
             <a:pPr rtl="0"/>
             <a:r>
-              <a:rPr lang="de-DE" dirty="0"/>
+              <a:rPr lang="de-DE"/>
               <a:t>Titelmasterformat durch Klicken bearbeiten</a:t>
             </a:r>
           </a:p>
@@ -10527,10 +11365,10 @@
             <a:pPr rtl="0"/>
             <a:fld id="{D8DA9DAA-006C-4F4B-980E-E3DF019B24E2}" type="slidenum">
               <a:rPr lang="de-DE" smtClean="0"/>
-              <a:pPr/>
-              <a:t>‹Nr.›</a:t>
+              <a:pPr rtl="0"/>
+              <a:t>‹#›</a:t>
             </a:fld>
-            <a:endParaRPr lang="de-DE" dirty="0"/>
+            <a:endParaRPr lang="de-DE"/>
           </a:p>
         </p:txBody>
       </p:sp>
@@ -10837,7 +11675,7 @@
           </a:lstStyle>
           <a:p>
             <a:pPr rtl="0"/>
-            <a:endParaRPr lang="de-DE" dirty="0"/>
+            <a:endParaRPr lang="de-DE"/>
           </a:p>
         </p:txBody>
       </p:sp>
@@ -10968,7 +11806,6 @@
               <a:rPr lang="de-DE"/>
               <a:t>Mastertitelformat bearbeiten</a:t>
             </a:r>
-            <a:endParaRPr lang="de-DE" dirty="0"/>
           </a:p>
         </p:txBody>
       </p:sp>
@@ -11009,10 +11846,10 @@
             <a:pPr rtl="0"/>
             <a:fld id="{D8DA9DAA-006C-4F4B-980E-E3DF019B24E2}" type="slidenum">
               <a:rPr lang="de-DE" smtClean="0"/>
-              <a:pPr/>
-              <a:t>‹Nr.›</a:t>
+              <a:pPr rtl="0"/>
+              <a:t>‹#›</a:t>
             </a:fld>
-            <a:endParaRPr lang="de-DE" dirty="0"/>
+            <a:endParaRPr lang="de-DE"/>
           </a:p>
         </p:txBody>
       </p:sp>
@@ -11176,7 +12013,7 @@
           </a:lstStyle>
           <a:p>
             <a:pPr algn="ctr" rtl="0"/>
-            <a:endParaRPr lang="de-DE" dirty="0"/>
+            <a:endParaRPr lang="de-DE"/>
           </a:p>
         </p:txBody>
       </p:sp>
@@ -11254,7 +12091,7 @@
           </a:lstStyle>
           <a:p>
             <a:pPr rtl="0"/>
-            <a:endParaRPr lang="de-DE" dirty="0"/>
+            <a:endParaRPr lang="de-DE"/>
           </a:p>
         </p:txBody>
       </p:sp>
@@ -11460,7 +12297,6 @@
               <a:rPr lang="de-DE"/>
               <a:t>Fünfte Ebene</a:t>
             </a:r>
-            <a:endParaRPr lang="de-DE" dirty="0"/>
           </a:p>
         </p:txBody>
       </p:sp>
@@ -11504,10 +12340,10 @@
             <a:pPr rtl="0"/>
             <a:fld id="{D8DA9DAA-006C-4F4B-980E-E3DF019B24E2}" type="slidenum">
               <a:rPr lang="de-DE" smtClean="0"/>
-              <a:pPr/>
-              <a:t>‹Nr.›</a:t>
+              <a:pPr rtl="0"/>
+              <a:t>‹#›</a:t>
             </a:fld>
-            <a:endParaRPr lang="de-DE" dirty="0"/>
+            <a:endParaRPr lang="de-DE"/>
           </a:p>
         </p:txBody>
       </p:sp>
@@ -11555,7 +12391,6 @@
               <a:rPr lang="de-DE"/>
               <a:t>20XX</a:t>
             </a:r>
-            <a:endParaRPr lang="de-DE" dirty="0"/>
           </a:p>
         </p:txBody>
       </p:sp>
@@ -11599,7 +12434,7 @@
           </a:lstStyle>
           <a:p>
             <a:pPr rtl="0"/>
-            <a:endParaRPr lang="de-DE" dirty="0"/>
+            <a:endParaRPr lang="de-DE"/>
           </a:p>
         </p:txBody>
       </p:sp>
@@ -11961,34 +12796,34 @@
           <a:p>
             <a:pPr rtl="0"/>
             <a:r>
-              <a:rPr lang="de-DE" dirty="0" err="1"/>
+              <a:rPr lang="de-DE" err="1"/>
               <a:t>Melodia</a:t>
             </a:r>
             <a:br>
-              <a:rPr lang="de-DE" dirty="0"/>
+              <a:rPr lang="de-DE"/>
             </a:br>
             <a:r>
-              <a:rPr lang="de-DE" dirty="0" err="1"/>
+              <a:rPr lang="de-DE" err="1"/>
               <a:t>Feel</a:t>
             </a:r>
             <a:r>
-              <a:rPr lang="de-DE" dirty="0"/>
+              <a:rPr lang="de-DE"/>
               <a:t> </a:t>
             </a:r>
             <a:r>
-              <a:rPr lang="de-DE" dirty="0" err="1"/>
+              <a:rPr lang="de-DE" err="1"/>
               <a:t>the</a:t>
             </a:r>
             <a:r>
-              <a:rPr lang="de-DE" dirty="0"/>
+              <a:rPr lang="de-DE"/>
               <a:t> </a:t>
             </a:r>
             <a:r>
-              <a:rPr lang="de-DE" dirty="0" err="1"/>
+              <a:rPr lang="de-DE" err="1"/>
               <a:t>Rythm</a:t>
             </a:r>
             <a:r>
-              <a:rPr lang="de-DE" dirty="0"/>
+              <a:rPr lang="de-DE"/>
               <a:t>. </a:t>
             </a:r>
           </a:p>
@@ -12015,7 +12850,7 @@
         <p:cNvPr id="1" name="">
           <a:extLst>
             <a:ext uri="{FF2B5EF4-FFF2-40B4-BE49-F238E27FC236}">
-              <a16:creationId xmlns:a16="http://schemas.microsoft.com/office/drawing/2014/main" id="{FBD9B6CD-3CB1-CAEF-4CEC-F6742FF669CE}"/>
+              <a16:creationId xmlns:a16="http://schemas.microsoft.com/office/drawing/2014/main" id="{D5B8D003-9EFA-678E-5D87-EC25AB01555C}"/>
             </a:ext>
           </a:extLst>
         </p:cNvPr>
@@ -12032,10 +12867,928 @@
       </p:grpSpPr>
       <p:sp>
         <p:nvSpPr>
+          <p:cNvPr id="18" name="Freihandform: Form 17">
+            <a:extLst>
+              <a:ext uri="{FF2B5EF4-FFF2-40B4-BE49-F238E27FC236}">
+                <a16:creationId xmlns:a16="http://schemas.microsoft.com/office/drawing/2014/main" id="{542FFD8A-25DA-F17A-3A5C-63B26A6C83BE}"/>
+              </a:ext>
+            </a:extLst>
+          </p:cNvPr>
+          <p:cNvSpPr/>
+          <p:nvPr/>
+        </p:nvSpPr>
+        <p:spPr>
+          <a:xfrm>
+            <a:off x="5426868" y="4821253"/>
+            <a:ext cx="1911528" cy="2943238"/>
+          </a:xfrm>
+          <a:custGeom>
+            <a:avLst/>
+            <a:gdLst>
+              <a:gd name="connsiteX0" fmla="*/ 2694047 w 2696269"/>
+              <a:gd name="connsiteY0" fmla="*/ 707400 h 2937300"/>
+              <a:gd name="connsiteX1" fmla="*/ 2506386 w 2696269"/>
+              <a:gd name="connsiteY1" fmla="*/ 573182 h 2937300"/>
+              <a:gd name="connsiteX2" fmla="*/ 2149422 w 2696269"/>
+              <a:gd name="connsiteY2" fmla="*/ 632743 h 2937300"/>
+              <a:gd name="connsiteX3" fmla="*/ 2000518 w 2696269"/>
+              <a:gd name="connsiteY3" fmla="*/ 233760 h 2937300"/>
+              <a:gd name="connsiteX4" fmla="*/ 1347784 w 2696269"/>
+              <a:gd name="connsiteY4" fmla="*/ 0 h 2937300"/>
+              <a:gd name="connsiteX5" fmla="*/ 698722 w 2696269"/>
+              <a:gd name="connsiteY5" fmla="*/ 233760 h 2937300"/>
+              <a:gd name="connsiteX6" fmla="*/ 548593 w 2696269"/>
+              <a:gd name="connsiteY6" fmla="*/ 632743 h 2937300"/>
+              <a:gd name="connsiteX7" fmla="*/ 191630 w 2696269"/>
+              <a:gd name="connsiteY7" fmla="*/ 573182 h 2937300"/>
+              <a:gd name="connsiteX8" fmla="*/ 2521 w 2696269"/>
+              <a:gd name="connsiteY8" fmla="*/ 705454 h 2937300"/>
+              <a:gd name="connsiteX9" fmla="*/ 134797 w 2696269"/>
+              <a:gd name="connsiteY9" fmla="*/ 894563 h 2937300"/>
+              <a:gd name="connsiteX10" fmla="*/ 137779 w 2696269"/>
+              <a:gd name="connsiteY10" fmla="*/ 895061 h 2937300"/>
+              <a:gd name="connsiteX11" fmla="*/ 627329 w 2696269"/>
+              <a:gd name="connsiteY11" fmla="*/ 976652 h 2937300"/>
+              <a:gd name="connsiteX12" fmla="*/ 654255 w 2696269"/>
+              <a:gd name="connsiteY12" fmla="*/ 979100 h 2937300"/>
+              <a:gd name="connsiteX13" fmla="*/ 807239 w 2696269"/>
+              <a:gd name="connsiteY13" fmla="*/ 873031 h 2937300"/>
+              <a:gd name="connsiteX14" fmla="*/ 907597 w 2696269"/>
+              <a:gd name="connsiteY14" fmla="*/ 604187 h 2937300"/>
+              <a:gd name="connsiteX15" fmla="*/ 939826 w 2696269"/>
+              <a:gd name="connsiteY15" fmla="*/ 618465 h 2937300"/>
+              <a:gd name="connsiteX16" fmla="*/ 939826 w 2696269"/>
+              <a:gd name="connsiteY16" fmla="*/ 2937301 h 2937300"/>
+              <a:gd name="connsiteX17" fmla="*/ 1266192 w 2696269"/>
+              <a:gd name="connsiteY17" fmla="*/ 2937301 h 2937300"/>
+              <a:gd name="connsiteX18" fmla="*/ 1266192 w 2696269"/>
+              <a:gd name="connsiteY18" fmla="*/ 1468650 h 2937300"/>
+              <a:gd name="connsiteX19" fmla="*/ 1429376 w 2696269"/>
+              <a:gd name="connsiteY19" fmla="*/ 1468650 h 2937300"/>
+              <a:gd name="connsiteX20" fmla="*/ 1429376 w 2696269"/>
+              <a:gd name="connsiteY20" fmla="*/ 2937301 h 2937300"/>
+              <a:gd name="connsiteX21" fmla="*/ 1755742 w 2696269"/>
+              <a:gd name="connsiteY21" fmla="*/ 2937301 h 2937300"/>
+              <a:gd name="connsiteX22" fmla="*/ 1755742 w 2696269"/>
+              <a:gd name="connsiteY22" fmla="*/ 618873 h 2937300"/>
+              <a:gd name="connsiteX23" fmla="*/ 1790011 w 2696269"/>
+              <a:gd name="connsiteY23" fmla="*/ 603778 h 2937300"/>
+              <a:gd name="connsiteX24" fmla="*/ 1890777 w 2696269"/>
+              <a:gd name="connsiteY24" fmla="*/ 873031 h 2937300"/>
+              <a:gd name="connsiteX25" fmla="*/ 2043353 w 2696269"/>
+              <a:gd name="connsiteY25" fmla="*/ 979100 h 2937300"/>
+              <a:gd name="connsiteX26" fmla="*/ 2070278 w 2696269"/>
+              <a:gd name="connsiteY26" fmla="*/ 976652 h 2937300"/>
+              <a:gd name="connsiteX27" fmla="*/ 2559829 w 2696269"/>
+              <a:gd name="connsiteY27" fmla="*/ 895061 h 2937300"/>
+              <a:gd name="connsiteX28" fmla="*/ 2694047 w 2696269"/>
+              <a:gd name="connsiteY28" fmla="*/ 707400 h 2937300"/>
+              <a:gd name="connsiteX0" fmla="*/ 2694047 w 2696269"/>
+              <a:gd name="connsiteY0" fmla="*/ 713337 h 2943238"/>
+              <a:gd name="connsiteX1" fmla="*/ 2506386 w 2696269"/>
+              <a:gd name="connsiteY1" fmla="*/ 579119 h 2943238"/>
+              <a:gd name="connsiteX2" fmla="*/ 2149422 w 2696269"/>
+              <a:gd name="connsiteY2" fmla="*/ 638680 h 2943238"/>
+              <a:gd name="connsiteX3" fmla="*/ 1657618 w 2696269"/>
+              <a:gd name="connsiteY3" fmla="*/ 360347 h 2943238"/>
+              <a:gd name="connsiteX4" fmla="*/ 1347784 w 2696269"/>
+              <a:gd name="connsiteY4" fmla="*/ 5937 h 2943238"/>
+              <a:gd name="connsiteX5" fmla="*/ 698722 w 2696269"/>
+              <a:gd name="connsiteY5" fmla="*/ 239697 h 2943238"/>
+              <a:gd name="connsiteX6" fmla="*/ 548593 w 2696269"/>
+              <a:gd name="connsiteY6" fmla="*/ 638680 h 2943238"/>
+              <a:gd name="connsiteX7" fmla="*/ 191630 w 2696269"/>
+              <a:gd name="connsiteY7" fmla="*/ 579119 h 2943238"/>
+              <a:gd name="connsiteX8" fmla="*/ 2521 w 2696269"/>
+              <a:gd name="connsiteY8" fmla="*/ 711391 h 2943238"/>
+              <a:gd name="connsiteX9" fmla="*/ 134797 w 2696269"/>
+              <a:gd name="connsiteY9" fmla="*/ 900500 h 2943238"/>
+              <a:gd name="connsiteX10" fmla="*/ 137779 w 2696269"/>
+              <a:gd name="connsiteY10" fmla="*/ 900998 h 2943238"/>
+              <a:gd name="connsiteX11" fmla="*/ 627329 w 2696269"/>
+              <a:gd name="connsiteY11" fmla="*/ 982589 h 2943238"/>
+              <a:gd name="connsiteX12" fmla="*/ 654255 w 2696269"/>
+              <a:gd name="connsiteY12" fmla="*/ 985037 h 2943238"/>
+              <a:gd name="connsiteX13" fmla="*/ 807239 w 2696269"/>
+              <a:gd name="connsiteY13" fmla="*/ 878968 h 2943238"/>
+              <a:gd name="connsiteX14" fmla="*/ 907597 w 2696269"/>
+              <a:gd name="connsiteY14" fmla="*/ 610124 h 2943238"/>
+              <a:gd name="connsiteX15" fmla="*/ 939826 w 2696269"/>
+              <a:gd name="connsiteY15" fmla="*/ 624402 h 2943238"/>
+              <a:gd name="connsiteX16" fmla="*/ 939826 w 2696269"/>
+              <a:gd name="connsiteY16" fmla="*/ 2943238 h 2943238"/>
+              <a:gd name="connsiteX17" fmla="*/ 1266192 w 2696269"/>
+              <a:gd name="connsiteY17" fmla="*/ 2943238 h 2943238"/>
+              <a:gd name="connsiteX18" fmla="*/ 1266192 w 2696269"/>
+              <a:gd name="connsiteY18" fmla="*/ 1474587 h 2943238"/>
+              <a:gd name="connsiteX19" fmla="*/ 1429376 w 2696269"/>
+              <a:gd name="connsiteY19" fmla="*/ 1474587 h 2943238"/>
+              <a:gd name="connsiteX20" fmla="*/ 1429376 w 2696269"/>
+              <a:gd name="connsiteY20" fmla="*/ 2943238 h 2943238"/>
+              <a:gd name="connsiteX21" fmla="*/ 1755742 w 2696269"/>
+              <a:gd name="connsiteY21" fmla="*/ 2943238 h 2943238"/>
+              <a:gd name="connsiteX22" fmla="*/ 1755742 w 2696269"/>
+              <a:gd name="connsiteY22" fmla="*/ 624810 h 2943238"/>
+              <a:gd name="connsiteX23" fmla="*/ 1790011 w 2696269"/>
+              <a:gd name="connsiteY23" fmla="*/ 609715 h 2943238"/>
+              <a:gd name="connsiteX24" fmla="*/ 1890777 w 2696269"/>
+              <a:gd name="connsiteY24" fmla="*/ 878968 h 2943238"/>
+              <a:gd name="connsiteX25" fmla="*/ 2043353 w 2696269"/>
+              <a:gd name="connsiteY25" fmla="*/ 985037 h 2943238"/>
+              <a:gd name="connsiteX26" fmla="*/ 2070278 w 2696269"/>
+              <a:gd name="connsiteY26" fmla="*/ 982589 h 2943238"/>
+              <a:gd name="connsiteX27" fmla="*/ 2559829 w 2696269"/>
+              <a:gd name="connsiteY27" fmla="*/ 900998 h 2943238"/>
+              <a:gd name="connsiteX28" fmla="*/ 2694047 w 2696269"/>
+              <a:gd name="connsiteY28" fmla="*/ 713337 h 2943238"/>
+              <a:gd name="connsiteX0" fmla="*/ 2694047 w 2748812"/>
+              <a:gd name="connsiteY0" fmla="*/ 713337 h 2943238"/>
+              <a:gd name="connsiteX1" fmla="*/ 1661836 w 2748812"/>
+              <a:gd name="connsiteY1" fmla="*/ 344169 h 2943238"/>
+              <a:gd name="connsiteX2" fmla="*/ 2149422 w 2748812"/>
+              <a:gd name="connsiteY2" fmla="*/ 638680 h 2943238"/>
+              <a:gd name="connsiteX3" fmla="*/ 1657618 w 2748812"/>
+              <a:gd name="connsiteY3" fmla="*/ 360347 h 2943238"/>
+              <a:gd name="connsiteX4" fmla="*/ 1347784 w 2748812"/>
+              <a:gd name="connsiteY4" fmla="*/ 5937 h 2943238"/>
+              <a:gd name="connsiteX5" fmla="*/ 698722 w 2748812"/>
+              <a:gd name="connsiteY5" fmla="*/ 239697 h 2943238"/>
+              <a:gd name="connsiteX6" fmla="*/ 548593 w 2748812"/>
+              <a:gd name="connsiteY6" fmla="*/ 638680 h 2943238"/>
+              <a:gd name="connsiteX7" fmla="*/ 191630 w 2748812"/>
+              <a:gd name="connsiteY7" fmla="*/ 579119 h 2943238"/>
+              <a:gd name="connsiteX8" fmla="*/ 2521 w 2748812"/>
+              <a:gd name="connsiteY8" fmla="*/ 711391 h 2943238"/>
+              <a:gd name="connsiteX9" fmla="*/ 134797 w 2748812"/>
+              <a:gd name="connsiteY9" fmla="*/ 900500 h 2943238"/>
+              <a:gd name="connsiteX10" fmla="*/ 137779 w 2748812"/>
+              <a:gd name="connsiteY10" fmla="*/ 900998 h 2943238"/>
+              <a:gd name="connsiteX11" fmla="*/ 627329 w 2748812"/>
+              <a:gd name="connsiteY11" fmla="*/ 982589 h 2943238"/>
+              <a:gd name="connsiteX12" fmla="*/ 654255 w 2748812"/>
+              <a:gd name="connsiteY12" fmla="*/ 985037 h 2943238"/>
+              <a:gd name="connsiteX13" fmla="*/ 807239 w 2748812"/>
+              <a:gd name="connsiteY13" fmla="*/ 878968 h 2943238"/>
+              <a:gd name="connsiteX14" fmla="*/ 907597 w 2748812"/>
+              <a:gd name="connsiteY14" fmla="*/ 610124 h 2943238"/>
+              <a:gd name="connsiteX15" fmla="*/ 939826 w 2748812"/>
+              <a:gd name="connsiteY15" fmla="*/ 624402 h 2943238"/>
+              <a:gd name="connsiteX16" fmla="*/ 939826 w 2748812"/>
+              <a:gd name="connsiteY16" fmla="*/ 2943238 h 2943238"/>
+              <a:gd name="connsiteX17" fmla="*/ 1266192 w 2748812"/>
+              <a:gd name="connsiteY17" fmla="*/ 2943238 h 2943238"/>
+              <a:gd name="connsiteX18" fmla="*/ 1266192 w 2748812"/>
+              <a:gd name="connsiteY18" fmla="*/ 1474587 h 2943238"/>
+              <a:gd name="connsiteX19" fmla="*/ 1429376 w 2748812"/>
+              <a:gd name="connsiteY19" fmla="*/ 1474587 h 2943238"/>
+              <a:gd name="connsiteX20" fmla="*/ 1429376 w 2748812"/>
+              <a:gd name="connsiteY20" fmla="*/ 2943238 h 2943238"/>
+              <a:gd name="connsiteX21" fmla="*/ 1755742 w 2748812"/>
+              <a:gd name="connsiteY21" fmla="*/ 2943238 h 2943238"/>
+              <a:gd name="connsiteX22" fmla="*/ 1755742 w 2748812"/>
+              <a:gd name="connsiteY22" fmla="*/ 624810 h 2943238"/>
+              <a:gd name="connsiteX23" fmla="*/ 1790011 w 2748812"/>
+              <a:gd name="connsiteY23" fmla="*/ 609715 h 2943238"/>
+              <a:gd name="connsiteX24" fmla="*/ 1890777 w 2748812"/>
+              <a:gd name="connsiteY24" fmla="*/ 878968 h 2943238"/>
+              <a:gd name="connsiteX25" fmla="*/ 2043353 w 2748812"/>
+              <a:gd name="connsiteY25" fmla="*/ 985037 h 2943238"/>
+              <a:gd name="connsiteX26" fmla="*/ 2070278 w 2748812"/>
+              <a:gd name="connsiteY26" fmla="*/ 982589 h 2943238"/>
+              <a:gd name="connsiteX27" fmla="*/ 2559829 w 2748812"/>
+              <a:gd name="connsiteY27" fmla="*/ 900998 h 2943238"/>
+              <a:gd name="connsiteX28" fmla="*/ 2694047 w 2748812"/>
+              <a:gd name="connsiteY28" fmla="*/ 713337 h 2943238"/>
+              <a:gd name="connsiteX0" fmla="*/ 1722497 w 2566890"/>
+              <a:gd name="connsiteY0" fmla="*/ 376787 h 2943238"/>
+              <a:gd name="connsiteX1" fmla="*/ 1661836 w 2566890"/>
+              <a:gd name="connsiteY1" fmla="*/ 344169 h 2943238"/>
+              <a:gd name="connsiteX2" fmla="*/ 2149422 w 2566890"/>
+              <a:gd name="connsiteY2" fmla="*/ 638680 h 2943238"/>
+              <a:gd name="connsiteX3" fmla="*/ 1657618 w 2566890"/>
+              <a:gd name="connsiteY3" fmla="*/ 360347 h 2943238"/>
+              <a:gd name="connsiteX4" fmla="*/ 1347784 w 2566890"/>
+              <a:gd name="connsiteY4" fmla="*/ 5937 h 2943238"/>
+              <a:gd name="connsiteX5" fmla="*/ 698722 w 2566890"/>
+              <a:gd name="connsiteY5" fmla="*/ 239697 h 2943238"/>
+              <a:gd name="connsiteX6" fmla="*/ 548593 w 2566890"/>
+              <a:gd name="connsiteY6" fmla="*/ 638680 h 2943238"/>
+              <a:gd name="connsiteX7" fmla="*/ 191630 w 2566890"/>
+              <a:gd name="connsiteY7" fmla="*/ 579119 h 2943238"/>
+              <a:gd name="connsiteX8" fmla="*/ 2521 w 2566890"/>
+              <a:gd name="connsiteY8" fmla="*/ 711391 h 2943238"/>
+              <a:gd name="connsiteX9" fmla="*/ 134797 w 2566890"/>
+              <a:gd name="connsiteY9" fmla="*/ 900500 h 2943238"/>
+              <a:gd name="connsiteX10" fmla="*/ 137779 w 2566890"/>
+              <a:gd name="connsiteY10" fmla="*/ 900998 h 2943238"/>
+              <a:gd name="connsiteX11" fmla="*/ 627329 w 2566890"/>
+              <a:gd name="connsiteY11" fmla="*/ 982589 h 2943238"/>
+              <a:gd name="connsiteX12" fmla="*/ 654255 w 2566890"/>
+              <a:gd name="connsiteY12" fmla="*/ 985037 h 2943238"/>
+              <a:gd name="connsiteX13" fmla="*/ 807239 w 2566890"/>
+              <a:gd name="connsiteY13" fmla="*/ 878968 h 2943238"/>
+              <a:gd name="connsiteX14" fmla="*/ 907597 w 2566890"/>
+              <a:gd name="connsiteY14" fmla="*/ 610124 h 2943238"/>
+              <a:gd name="connsiteX15" fmla="*/ 939826 w 2566890"/>
+              <a:gd name="connsiteY15" fmla="*/ 624402 h 2943238"/>
+              <a:gd name="connsiteX16" fmla="*/ 939826 w 2566890"/>
+              <a:gd name="connsiteY16" fmla="*/ 2943238 h 2943238"/>
+              <a:gd name="connsiteX17" fmla="*/ 1266192 w 2566890"/>
+              <a:gd name="connsiteY17" fmla="*/ 2943238 h 2943238"/>
+              <a:gd name="connsiteX18" fmla="*/ 1266192 w 2566890"/>
+              <a:gd name="connsiteY18" fmla="*/ 1474587 h 2943238"/>
+              <a:gd name="connsiteX19" fmla="*/ 1429376 w 2566890"/>
+              <a:gd name="connsiteY19" fmla="*/ 1474587 h 2943238"/>
+              <a:gd name="connsiteX20" fmla="*/ 1429376 w 2566890"/>
+              <a:gd name="connsiteY20" fmla="*/ 2943238 h 2943238"/>
+              <a:gd name="connsiteX21" fmla="*/ 1755742 w 2566890"/>
+              <a:gd name="connsiteY21" fmla="*/ 2943238 h 2943238"/>
+              <a:gd name="connsiteX22" fmla="*/ 1755742 w 2566890"/>
+              <a:gd name="connsiteY22" fmla="*/ 624810 h 2943238"/>
+              <a:gd name="connsiteX23" fmla="*/ 1790011 w 2566890"/>
+              <a:gd name="connsiteY23" fmla="*/ 609715 h 2943238"/>
+              <a:gd name="connsiteX24" fmla="*/ 1890777 w 2566890"/>
+              <a:gd name="connsiteY24" fmla="*/ 878968 h 2943238"/>
+              <a:gd name="connsiteX25" fmla="*/ 2043353 w 2566890"/>
+              <a:gd name="connsiteY25" fmla="*/ 985037 h 2943238"/>
+              <a:gd name="connsiteX26" fmla="*/ 2070278 w 2566890"/>
+              <a:gd name="connsiteY26" fmla="*/ 982589 h 2943238"/>
+              <a:gd name="connsiteX27" fmla="*/ 2559829 w 2566890"/>
+              <a:gd name="connsiteY27" fmla="*/ 900998 h 2943238"/>
+              <a:gd name="connsiteX28" fmla="*/ 1722497 w 2566890"/>
+              <a:gd name="connsiteY28" fmla="*/ 376787 h 2943238"/>
+              <a:gd name="connsiteX0" fmla="*/ 1722497 w 2149422"/>
+              <a:gd name="connsiteY0" fmla="*/ 376787 h 2943238"/>
+              <a:gd name="connsiteX1" fmla="*/ 1661836 w 2149422"/>
+              <a:gd name="connsiteY1" fmla="*/ 344169 h 2943238"/>
+              <a:gd name="connsiteX2" fmla="*/ 2149422 w 2149422"/>
+              <a:gd name="connsiteY2" fmla="*/ 638680 h 2943238"/>
+              <a:gd name="connsiteX3" fmla="*/ 1657618 w 2149422"/>
+              <a:gd name="connsiteY3" fmla="*/ 360347 h 2943238"/>
+              <a:gd name="connsiteX4" fmla="*/ 1347784 w 2149422"/>
+              <a:gd name="connsiteY4" fmla="*/ 5937 h 2943238"/>
+              <a:gd name="connsiteX5" fmla="*/ 698722 w 2149422"/>
+              <a:gd name="connsiteY5" fmla="*/ 239697 h 2943238"/>
+              <a:gd name="connsiteX6" fmla="*/ 548593 w 2149422"/>
+              <a:gd name="connsiteY6" fmla="*/ 638680 h 2943238"/>
+              <a:gd name="connsiteX7" fmla="*/ 191630 w 2149422"/>
+              <a:gd name="connsiteY7" fmla="*/ 579119 h 2943238"/>
+              <a:gd name="connsiteX8" fmla="*/ 2521 w 2149422"/>
+              <a:gd name="connsiteY8" fmla="*/ 711391 h 2943238"/>
+              <a:gd name="connsiteX9" fmla="*/ 134797 w 2149422"/>
+              <a:gd name="connsiteY9" fmla="*/ 900500 h 2943238"/>
+              <a:gd name="connsiteX10" fmla="*/ 137779 w 2149422"/>
+              <a:gd name="connsiteY10" fmla="*/ 900998 h 2943238"/>
+              <a:gd name="connsiteX11" fmla="*/ 627329 w 2149422"/>
+              <a:gd name="connsiteY11" fmla="*/ 982589 h 2943238"/>
+              <a:gd name="connsiteX12" fmla="*/ 654255 w 2149422"/>
+              <a:gd name="connsiteY12" fmla="*/ 985037 h 2943238"/>
+              <a:gd name="connsiteX13" fmla="*/ 807239 w 2149422"/>
+              <a:gd name="connsiteY13" fmla="*/ 878968 h 2943238"/>
+              <a:gd name="connsiteX14" fmla="*/ 907597 w 2149422"/>
+              <a:gd name="connsiteY14" fmla="*/ 610124 h 2943238"/>
+              <a:gd name="connsiteX15" fmla="*/ 939826 w 2149422"/>
+              <a:gd name="connsiteY15" fmla="*/ 624402 h 2943238"/>
+              <a:gd name="connsiteX16" fmla="*/ 939826 w 2149422"/>
+              <a:gd name="connsiteY16" fmla="*/ 2943238 h 2943238"/>
+              <a:gd name="connsiteX17" fmla="*/ 1266192 w 2149422"/>
+              <a:gd name="connsiteY17" fmla="*/ 2943238 h 2943238"/>
+              <a:gd name="connsiteX18" fmla="*/ 1266192 w 2149422"/>
+              <a:gd name="connsiteY18" fmla="*/ 1474587 h 2943238"/>
+              <a:gd name="connsiteX19" fmla="*/ 1429376 w 2149422"/>
+              <a:gd name="connsiteY19" fmla="*/ 1474587 h 2943238"/>
+              <a:gd name="connsiteX20" fmla="*/ 1429376 w 2149422"/>
+              <a:gd name="connsiteY20" fmla="*/ 2943238 h 2943238"/>
+              <a:gd name="connsiteX21" fmla="*/ 1755742 w 2149422"/>
+              <a:gd name="connsiteY21" fmla="*/ 2943238 h 2943238"/>
+              <a:gd name="connsiteX22" fmla="*/ 1755742 w 2149422"/>
+              <a:gd name="connsiteY22" fmla="*/ 624810 h 2943238"/>
+              <a:gd name="connsiteX23" fmla="*/ 1790011 w 2149422"/>
+              <a:gd name="connsiteY23" fmla="*/ 609715 h 2943238"/>
+              <a:gd name="connsiteX24" fmla="*/ 1890777 w 2149422"/>
+              <a:gd name="connsiteY24" fmla="*/ 878968 h 2943238"/>
+              <a:gd name="connsiteX25" fmla="*/ 2043353 w 2149422"/>
+              <a:gd name="connsiteY25" fmla="*/ 985037 h 2943238"/>
+              <a:gd name="connsiteX26" fmla="*/ 2070278 w 2149422"/>
+              <a:gd name="connsiteY26" fmla="*/ 982589 h 2943238"/>
+              <a:gd name="connsiteX27" fmla="*/ 1778779 w 2149422"/>
+              <a:gd name="connsiteY27" fmla="*/ 272348 h 2943238"/>
+              <a:gd name="connsiteX28" fmla="*/ 1722497 w 2149422"/>
+              <a:gd name="connsiteY28" fmla="*/ 376787 h 2943238"/>
+              <a:gd name="connsiteX0" fmla="*/ 1722497 w 2070278"/>
+              <a:gd name="connsiteY0" fmla="*/ 376787 h 2943238"/>
+              <a:gd name="connsiteX1" fmla="*/ 1661836 w 2070278"/>
+              <a:gd name="connsiteY1" fmla="*/ 344169 h 2943238"/>
+              <a:gd name="connsiteX2" fmla="*/ 1558872 w 2070278"/>
+              <a:gd name="connsiteY2" fmla="*/ 359280 h 2943238"/>
+              <a:gd name="connsiteX3" fmla="*/ 1657618 w 2070278"/>
+              <a:gd name="connsiteY3" fmla="*/ 360347 h 2943238"/>
+              <a:gd name="connsiteX4" fmla="*/ 1347784 w 2070278"/>
+              <a:gd name="connsiteY4" fmla="*/ 5937 h 2943238"/>
+              <a:gd name="connsiteX5" fmla="*/ 698722 w 2070278"/>
+              <a:gd name="connsiteY5" fmla="*/ 239697 h 2943238"/>
+              <a:gd name="connsiteX6" fmla="*/ 548593 w 2070278"/>
+              <a:gd name="connsiteY6" fmla="*/ 638680 h 2943238"/>
+              <a:gd name="connsiteX7" fmla="*/ 191630 w 2070278"/>
+              <a:gd name="connsiteY7" fmla="*/ 579119 h 2943238"/>
+              <a:gd name="connsiteX8" fmla="*/ 2521 w 2070278"/>
+              <a:gd name="connsiteY8" fmla="*/ 711391 h 2943238"/>
+              <a:gd name="connsiteX9" fmla="*/ 134797 w 2070278"/>
+              <a:gd name="connsiteY9" fmla="*/ 900500 h 2943238"/>
+              <a:gd name="connsiteX10" fmla="*/ 137779 w 2070278"/>
+              <a:gd name="connsiteY10" fmla="*/ 900998 h 2943238"/>
+              <a:gd name="connsiteX11" fmla="*/ 627329 w 2070278"/>
+              <a:gd name="connsiteY11" fmla="*/ 982589 h 2943238"/>
+              <a:gd name="connsiteX12" fmla="*/ 654255 w 2070278"/>
+              <a:gd name="connsiteY12" fmla="*/ 985037 h 2943238"/>
+              <a:gd name="connsiteX13" fmla="*/ 807239 w 2070278"/>
+              <a:gd name="connsiteY13" fmla="*/ 878968 h 2943238"/>
+              <a:gd name="connsiteX14" fmla="*/ 907597 w 2070278"/>
+              <a:gd name="connsiteY14" fmla="*/ 610124 h 2943238"/>
+              <a:gd name="connsiteX15" fmla="*/ 939826 w 2070278"/>
+              <a:gd name="connsiteY15" fmla="*/ 624402 h 2943238"/>
+              <a:gd name="connsiteX16" fmla="*/ 939826 w 2070278"/>
+              <a:gd name="connsiteY16" fmla="*/ 2943238 h 2943238"/>
+              <a:gd name="connsiteX17" fmla="*/ 1266192 w 2070278"/>
+              <a:gd name="connsiteY17" fmla="*/ 2943238 h 2943238"/>
+              <a:gd name="connsiteX18" fmla="*/ 1266192 w 2070278"/>
+              <a:gd name="connsiteY18" fmla="*/ 1474587 h 2943238"/>
+              <a:gd name="connsiteX19" fmla="*/ 1429376 w 2070278"/>
+              <a:gd name="connsiteY19" fmla="*/ 1474587 h 2943238"/>
+              <a:gd name="connsiteX20" fmla="*/ 1429376 w 2070278"/>
+              <a:gd name="connsiteY20" fmla="*/ 2943238 h 2943238"/>
+              <a:gd name="connsiteX21" fmla="*/ 1755742 w 2070278"/>
+              <a:gd name="connsiteY21" fmla="*/ 2943238 h 2943238"/>
+              <a:gd name="connsiteX22" fmla="*/ 1755742 w 2070278"/>
+              <a:gd name="connsiteY22" fmla="*/ 624810 h 2943238"/>
+              <a:gd name="connsiteX23" fmla="*/ 1790011 w 2070278"/>
+              <a:gd name="connsiteY23" fmla="*/ 609715 h 2943238"/>
+              <a:gd name="connsiteX24" fmla="*/ 1890777 w 2070278"/>
+              <a:gd name="connsiteY24" fmla="*/ 878968 h 2943238"/>
+              <a:gd name="connsiteX25" fmla="*/ 2043353 w 2070278"/>
+              <a:gd name="connsiteY25" fmla="*/ 985037 h 2943238"/>
+              <a:gd name="connsiteX26" fmla="*/ 2070278 w 2070278"/>
+              <a:gd name="connsiteY26" fmla="*/ 982589 h 2943238"/>
+              <a:gd name="connsiteX27" fmla="*/ 1778779 w 2070278"/>
+              <a:gd name="connsiteY27" fmla="*/ 272348 h 2943238"/>
+              <a:gd name="connsiteX28" fmla="*/ 1722497 w 2070278"/>
+              <a:gd name="connsiteY28" fmla="*/ 376787 h 2943238"/>
+              <a:gd name="connsiteX0" fmla="*/ 1722497 w 2043414"/>
+              <a:gd name="connsiteY0" fmla="*/ 376787 h 2943238"/>
+              <a:gd name="connsiteX1" fmla="*/ 1661836 w 2043414"/>
+              <a:gd name="connsiteY1" fmla="*/ 344169 h 2943238"/>
+              <a:gd name="connsiteX2" fmla="*/ 1558872 w 2043414"/>
+              <a:gd name="connsiteY2" fmla="*/ 359280 h 2943238"/>
+              <a:gd name="connsiteX3" fmla="*/ 1657618 w 2043414"/>
+              <a:gd name="connsiteY3" fmla="*/ 360347 h 2943238"/>
+              <a:gd name="connsiteX4" fmla="*/ 1347784 w 2043414"/>
+              <a:gd name="connsiteY4" fmla="*/ 5937 h 2943238"/>
+              <a:gd name="connsiteX5" fmla="*/ 698722 w 2043414"/>
+              <a:gd name="connsiteY5" fmla="*/ 239697 h 2943238"/>
+              <a:gd name="connsiteX6" fmla="*/ 548593 w 2043414"/>
+              <a:gd name="connsiteY6" fmla="*/ 638680 h 2943238"/>
+              <a:gd name="connsiteX7" fmla="*/ 191630 w 2043414"/>
+              <a:gd name="connsiteY7" fmla="*/ 579119 h 2943238"/>
+              <a:gd name="connsiteX8" fmla="*/ 2521 w 2043414"/>
+              <a:gd name="connsiteY8" fmla="*/ 711391 h 2943238"/>
+              <a:gd name="connsiteX9" fmla="*/ 134797 w 2043414"/>
+              <a:gd name="connsiteY9" fmla="*/ 900500 h 2943238"/>
+              <a:gd name="connsiteX10" fmla="*/ 137779 w 2043414"/>
+              <a:gd name="connsiteY10" fmla="*/ 900998 h 2943238"/>
+              <a:gd name="connsiteX11" fmla="*/ 627329 w 2043414"/>
+              <a:gd name="connsiteY11" fmla="*/ 982589 h 2943238"/>
+              <a:gd name="connsiteX12" fmla="*/ 654255 w 2043414"/>
+              <a:gd name="connsiteY12" fmla="*/ 985037 h 2943238"/>
+              <a:gd name="connsiteX13" fmla="*/ 807239 w 2043414"/>
+              <a:gd name="connsiteY13" fmla="*/ 878968 h 2943238"/>
+              <a:gd name="connsiteX14" fmla="*/ 907597 w 2043414"/>
+              <a:gd name="connsiteY14" fmla="*/ 610124 h 2943238"/>
+              <a:gd name="connsiteX15" fmla="*/ 939826 w 2043414"/>
+              <a:gd name="connsiteY15" fmla="*/ 624402 h 2943238"/>
+              <a:gd name="connsiteX16" fmla="*/ 939826 w 2043414"/>
+              <a:gd name="connsiteY16" fmla="*/ 2943238 h 2943238"/>
+              <a:gd name="connsiteX17" fmla="*/ 1266192 w 2043414"/>
+              <a:gd name="connsiteY17" fmla="*/ 2943238 h 2943238"/>
+              <a:gd name="connsiteX18" fmla="*/ 1266192 w 2043414"/>
+              <a:gd name="connsiteY18" fmla="*/ 1474587 h 2943238"/>
+              <a:gd name="connsiteX19" fmla="*/ 1429376 w 2043414"/>
+              <a:gd name="connsiteY19" fmla="*/ 1474587 h 2943238"/>
+              <a:gd name="connsiteX20" fmla="*/ 1429376 w 2043414"/>
+              <a:gd name="connsiteY20" fmla="*/ 2943238 h 2943238"/>
+              <a:gd name="connsiteX21" fmla="*/ 1755742 w 2043414"/>
+              <a:gd name="connsiteY21" fmla="*/ 2943238 h 2943238"/>
+              <a:gd name="connsiteX22" fmla="*/ 1755742 w 2043414"/>
+              <a:gd name="connsiteY22" fmla="*/ 624810 h 2943238"/>
+              <a:gd name="connsiteX23" fmla="*/ 1790011 w 2043414"/>
+              <a:gd name="connsiteY23" fmla="*/ 609715 h 2943238"/>
+              <a:gd name="connsiteX24" fmla="*/ 1890777 w 2043414"/>
+              <a:gd name="connsiteY24" fmla="*/ 878968 h 2943238"/>
+              <a:gd name="connsiteX25" fmla="*/ 2043353 w 2043414"/>
+              <a:gd name="connsiteY25" fmla="*/ 985037 h 2943238"/>
+              <a:gd name="connsiteX26" fmla="*/ 1911528 w 2043414"/>
+              <a:gd name="connsiteY26" fmla="*/ 315839 h 2943238"/>
+              <a:gd name="connsiteX27" fmla="*/ 1778779 w 2043414"/>
+              <a:gd name="connsiteY27" fmla="*/ 272348 h 2943238"/>
+              <a:gd name="connsiteX28" fmla="*/ 1722497 w 2043414"/>
+              <a:gd name="connsiteY28" fmla="*/ 376787 h 2943238"/>
+              <a:gd name="connsiteX0" fmla="*/ 1722497 w 1911528"/>
+              <a:gd name="connsiteY0" fmla="*/ 376787 h 2943238"/>
+              <a:gd name="connsiteX1" fmla="*/ 1661836 w 1911528"/>
+              <a:gd name="connsiteY1" fmla="*/ 344169 h 2943238"/>
+              <a:gd name="connsiteX2" fmla="*/ 1558872 w 1911528"/>
+              <a:gd name="connsiteY2" fmla="*/ 359280 h 2943238"/>
+              <a:gd name="connsiteX3" fmla="*/ 1657618 w 1911528"/>
+              <a:gd name="connsiteY3" fmla="*/ 360347 h 2943238"/>
+              <a:gd name="connsiteX4" fmla="*/ 1347784 w 1911528"/>
+              <a:gd name="connsiteY4" fmla="*/ 5937 h 2943238"/>
+              <a:gd name="connsiteX5" fmla="*/ 698722 w 1911528"/>
+              <a:gd name="connsiteY5" fmla="*/ 239697 h 2943238"/>
+              <a:gd name="connsiteX6" fmla="*/ 548593 w 1911528"/>
+              <a:gd name="connsiteY6" fmla="*/ 638680 h 2943238"/>
+              <a:gd name="connsiteX7" fmla="*/ 191630 w 1911528"/>
+              <a:gd name="connsiteY7" fmla="*/ 579119 h 2943238"/>
+              <a:gd name="connsiteX8" fmla="*/ 2521 w 1911528"/>
+              <a:gd name="connsiteY8" fmla="*/ 711391 h 2943238"/>
+              <a:gd name="connsiteX9" fmla="*/ 134797 w 1911528"/>
+              <a:gd name="connsiteY9" fmla="*/ 900500 h 2943238"/>
+              <a:gd name="connsiteX10" fmla="*/ 137779 w 1911528"/>
+              <a:gd name="connsiteY10" fmla="*/ 900998 h 2943238"/>
+              <a:gd name="connsiteX11" fmla="*/ 627329 w 1911528"/>
+              <a:gd name="connsiteY11" fmla="*/ 982589 h 2943238"/>
+              <a:gd name="connsiteX12" fmla="*/ 654255 w 1911528"/>
+              <a:gd name="connsiteY12" fmla="*/ 985037 h 2943238"/>
+              <a:gd name="connsiteX13" fmla="*/ 807239 w 1911528"/>
+              <a:gd name="connsiteY13" fmla="*/ 878968 h 2943238"/>
+              <a:gd name="connsiteX14" fmla="*/ 907597 w 1911528"/>
+              <a:gd name="connsiteY14" fmla="*/ 610124 h 2943238"/>
+              <a:gd name="connsiteX15" fmla="*/ 939826 w 1911528"/>
+              <a:gd name="connsiteY15" fmla="*/ 624402 h 2943238"/>
+              <a:gd name="connsiteX16" fmla="*/ 939826 w 1911528"/>
+              <a:gd name="connsiteY16" fmla="*/ 2943238 h 2943238"/>
+              <a:gd name="connsiteX17" fmla="*/ 1266192 w 1911528"/>
+              <a:gd name="connsiteY17" fmla="*/ 2943238 h 2943238"/>
+              <a:gd name="connsiteX18" fmla="*/ 1266192 w 1911528"/>
+              <a:gd name="connsiteY18" fmla="*/ 1474587 h 2943238"/>
+              <a:gd name="connsiteX19" fmla="*/ 1429376 w 1911528"/>
+              <a:gd name="connsiteY19" fmla="*/ 1474587 h 2943238"/>
+              <a:gd name="connsiteX20" fmla="*/ 1429376 w 1911528"/>
+              <a:gd name="connsiteY20" fmla="*/ 2943238 h 2943238"/>
+              <a:gd name="connsiteX21" fmla="*/ 1755742 w 1911528"/>
+              <a:gd name="connsiteY21" fmla="*/ 2943238 h 2943238"/>
+              <a:gd name="connsiteX22" fmla="*/ 1755742 w 1911528"/>
+              <a:gd name="connsiteY22" fmla="*/ 624810 h 2943238"/>
+              <a:gd name="connsiteX23" fmla="*/ 1790011 w 1911528"/>
+              <a:gd name="connsiteY23" fmla="*/ 609715 h 2943238"/>
+              <a:gd name="connsiteX24" fmla="*/ 1890777 w 1911528"/>
+              <a:gd name="connsiteY24" fmla="*/ 878968 h 2943238"/>
+              <a:gd name="connsiteX25" fmla="*/ 1852853 w 1911528"/>
+              <a:gd name="connsiteY25" fmla="*/ 356387 h 2943238"/>
+              <a:gd name="connsiteX26" fmla="*/ 1911528 w 1911528"/>
+              <a:gd name="connsiteY26" fmla="*/ 315839 h 2943238"/>
+              <a:gd name="connsiteX27" fmla="*/ 1778779 w 1911528"/>
+              <a:gd name="connsiteY27" fmla="*/ 272348 h 2943238"/>
+              <a:gd name="connsiteX28" fmla="*/ 1722497 w 1911528"/>
+              <a:gd name="connsiteY28" fmla="*/ 376787 h 2943238"/>
+              <a:gd name="connsiteX0" fmla="*/ 1722497 w 1911528"/>
+              <a:gd name="connsiteY0" fmla="*/ 376787 h 2943238"/>
+              <a:gd name="connsiteX1" fmla="*/ 1661836 w 1911528"/>
+              <a:gd name="connsiteY1" fmla="*/ 344169 h 2943238"/>
+              <a:gd name="connsiteX2" fmla="*/ 1558872 w 1911528"/>
+              <a:gd name="connsiteY2" fmla="*/ 359280 h 2943238"/>
+              <a:gd name="connsiteX3" fmla="*/ 1657618 w 1911528"/>
+              <a:gd name="connsiteY3" fmla="*/ 360347 h 2943238"/>
+              <a:gd name="connsiteX4" fmla="*/ 1347784 w 1911528"/>
+              <a:gd name="connsiteY4" fmla="*/ 5937 h 2943238"/>
+              <a:gd name="connsiteX5" fmla="*/ 698722 w 1911528"/>
+              <a:gd name="connsiteY5" fmla="*/ 239697 h 2943238"/>
+              <a:gd name="connsiteX6" fmla="*/ 548593 w 1911528"/>
+              <a:gd name="connsiteY6" fmla="*/ 638680 h 2943238"/>
+              <a:gd name="connsiteX7" fmla="*/ 191630 w 1911528"/>
+              <a:gd name="connsiteY7" fmla="*/ 579119 h 2943238"/>
+              <a:gd name="connsiteX8" fmla="*/ 2521 w 1911528"/>
+              <a:gd name="connsiteY8" fmla="*/ 711391 h 2943238"/>
+              <a:gd name="connsiteX9" fmla="*/ 134797 w 1911528"/>
+              <a:gd name="connsiteY9" fmla="*/ 900500 h 2943238"/>
+              <a:gd name="connsiteX10" fmla="*/ 137779 w 1911528"/>
+              <a:gd name="connsiteY10" fmla="*/ 900998 h 2943238"/>
+              <a:gd name="connsiteX11" fmla="*/ 627329 w 1911528"/>
+              <a:gd name="connsiteY11" fmla="*/ 982589 h 2943238"/>
+              <a:gd name="connsiteX12" fmla="*/ 654255 w 1911528"/>
+              <a:gd name="connsiteY12" fmla="*/ 985037 h 2943238"/>
+              <a:gd name="connsiteX13" fmla="*/ 807239 w 1911528"/>
+              <a:gd name="connsiteY13" fmla="*/ 878968 h 2943238"/>
+              <a:gd name="connsiteX14" fmla="*/ 907597 w 1911528"/>
+              <a:gd name="connsiteY14" fmla="*/ 610124 h 2943238"/>
+              <a:gd name="connsiteX15" fmla="*/ 939826 w 1911528"/>
+              <a:gd name="connsiteY15" fmla="*/ 624402 h 2943238"/>
+              <a:gd name="connsiteX16" fmla="*/ 939826 w 1911528"/>
+              <a:gd name="connsiteY16" fmla="*/ 2943238 h 2943238"/>
+              <a:gd name="connsiteX17" fmla="*/ 1266192 w 1911528"/>
+              <a:gd name="connsiteY17" fmla="*/ 2943238 h 2943238"/>
+              <a:gd name="connsiteX18" fmla="*/ 1266192 w 1911528"/>
+              <a:gd name="connsiteY18" fmla="*/ 1474587 h 2943238"/>
+              <a:gd name="connsiteX19" fmla="*/ 1429376 w 1911528"/>
+              <a:gd name="connsiteY19" fmla="*/ 1474587 h 2943238"/>
+              <a:gd name="connsiteX20" fmla="*/ 1429376 w 1911528"/>
+              <a:gd name="connsiteY20" fmla="*/ 2943238 h 2943238"/>
+              <a:gd name="connsiteX21" fmla="*/ 1755742 w 1911528"/>
+              <a:gd name="connsiteY21" fmla="*/ 2943238 h 2943238"/>
+              <a:gd name="connsiteX22" fmla="*/ 1755742 w 1911528"/>
+              <a:gd name="connsiteY22" fmla="*/ 624810 h 2943238"/>
+              <a:gd name="connsiteX23" fmla="*/ 1790011 w 1911528"/>
+              <a:gd name="connsiteY23" fmla="*/ 609715 h 2943238"/>
+              <a:gd name="connsiteX24" fmla="*/ 1719327 w 1911528"/>
+              <a:gd name="connsiteY24" fmla="*/ 345568 h 2943238"/>
+              <a:gd name="connsiteX25" fmla="*/ 1852853 w 1911528"/>
+              <a:gd name="connsiteY25" fmla="*/ 356387 h 2943238"/>
+              <a:gd name="connsiteX26" fmla="*/ 1911528 w 1911528"/>
+              <a:gd name="connsiteY26" fmla="*/ 315839 h 2943238"/>
+              <a:gd name="connsiteX27" fmla="*/ 1778779 w 1911528"/>
+              <a:gd name="connsiteY27" fmla="*/ 272348 h 2943238"/>
+              <a:gd name="connsiteX28" fmla="*/ 1722497 w 1911528"/>
+              <a:gd name="connsiteY28" fmla="*/ 376787 h 2943238"/>
+            </a:gdLst>
+            <a:ahLst/>
+            <a:cxnLst>
+              <a:cxn ang="0">
+                <a:pos x="connsiteX0" y="connsiteY0"/>
+              </a:cxn>
+              <a:cxn ang="0">
+                <a:pos x="connsiteX1" y="connsiteY1"/>
+              </a:cxn>
+              <a:cxn ang="0">
+                <a:pos x="connsiteX2" y="connsiteY2"/>
+              </a:cxn>
+              <a:cxn ang="0">
+                <a:pos x="connsiteX3" y="connsiteY3"/>
+              </a:cxn>
+              <a:cxn ang="0">
+                <a:pos x="connsiteX4" y="connsiteY4"/>
+              </a:cxn>
+              <a:cxn ang="0">
+                <a:pos x="connsiteX5" y="connsiteY5"/>
+              </a:cxn>
+              <a:cxn ang="0">
+                <a:pos x="connsiteX6" y="connsiteY6"/>
+              </a:cxn>
+              <a:cxn ang="0">
+                <a:pos x="connsiteX7" y="connsiteY7"/>
+              </a:cxn>
+              <a:cxn ang="0">
+                <a:pos x="connsiteX8" y="connsiteY8"/>
+              </a:cxn>
+              <a:cxn ang="0">
+                <a:pos x="connsiteX9" y="connsiteY9"/>
+              </a:cxn>
+              <a:cxn ang="0">
+                <a:pos x="connsiteX10" y="connsiteY10"/>
+              </a:cxn>
+              <a:cxn ang="0">
+                <a:pos x="connsiteX11" y="connsiteY11"/>
+              </a:cxn>
+              <a:cxn ang="0">
+                <a:pos x="connsiteX12" y="connsiteY12"/>
+              </a:cxn>
+              <a:cxn ang="0">
+                <a:pos x="connsiteX13" y="connsiteY13"/>
+              </a:cxn>
+              <a:cxn ang="0">
+                <a:pos x="connsiteX14" y="connsiteY14"/>
+              </a:cxn>
+              <a:cxn ang="0">
+                <a:pos x="connsiteX15" y="connsiteY15"/>
+              </a:cxn>
+              <a:cxn ang="0">
+                <a:pos x="connsiteX16" y="connsiteY16"/>
+              </a:cxn>
+              <a:cxn ang="0">
+                <a:pos x="connsiteX17" y="connsiteY17"/>
+              </a:cxn>
+              <a:cxn ang="0">
+                <a:pos x="connsiteX18" y="connsiteY18"/>
+              </a:cxn>
+              <a:cxn ang="0">
+                <a:pos x="connsiteX19" y="connsiteY19"/>
+              </a:cxn>
+              <a:cxn ang="0">
+                <a:pos x="connsiteX20" y="connsiteY20"/>
+              </a:cxn>
+              <a:cxn ang="0">
+                <a:pos x="connsiteX21" y="connsiteY21"/>
+              </a:cxn>
+              <a:cxn ang="0">
+                <a:pos x="connsiteX22" y="connsiteY22"/>
+              </a:cxn>
+              <a:cxn ang="0">
+                <a:pos x="connsiteX23" y="connsiteY23"/>
+              </a:cxn>
+              <a:cxn ang="0">
+                <a:pos x="connsiteX24" y="connsiteY24"/>
+              </a:cxn>
+              <a:cxn ang="0">
+                <a:pos x="connsiteX25" y="connsiteY25"/>
+              </a:cxn>
+              <a:cxn ang="0">
+                <a:pos x="connsiteX26" y="connsiteY26"/>
+              </a:cxn>
+              <a:cxn ang="0">
+                <a:pos x="connsiteX27" y="connsiteY27"/>
+              </a:cxn>
+              <a:cxn ang="0">
+                <a:pos x="connsiteX28" y="connsiteY28"/>
+              </a:cxn>
+            </a:cxnLst>
+            <a:rect l="l" t="t" r="r" b="b"/>
+            <a:pathLst>
+              <a:path w="1911528" h="2943238">
+                <a:moveTo>
+                  <a:pt x="1722497" y="376787"/>
+                </a:moveTo>
+                <a:cubicBezTo>
+                  <a:pt x="1703007" y="388757"/>
+                  <a:pt x="1750714" y="329433"/>
+                  <a:pt x="1661836" y="344169"/>
+                </a:cubicBezTo>
+                <a:lnTo>
+                  <a:pt x="1558872" y="359280"/>
+                </a:lnTo>
+                <a:lnTo>
+                  <a:pt x="1657618" y="360347"/>
+                </a:lnTo>
+                <a:cubicBezTo>
+                  <a:pt x="1581737" y="126587"/>
+                  <a:pt x="1507600" y="26045"/>
+                  <a:pt x="1347784" y="5937"/>
+                </a:cubicBezTo>
+                <a:cubicBezTo>
+                  <a:pt x="1187968" y="-14171"/>
+                  <a:pt x="772971" y="5937"/>
+                  <a:pt x="698722" y="239697"/>
+                </a:cubicBezTo>
+                <a:cubicBezTo>
+                  <a:pt x="698722" y="243369"/>
+                  <a:pt x="548593" y="638680"/>
+                  <a:pt x="548593" y="638680"/>
+                </a:cubicBezTo>
+                <a:lnTo>
+                  <a:pt x="191630" y="579119"/>
+                </a:lnTo>
+                <a:cubicBezTo>
+                  <a:pt x="102882" y="563424"/>
+                  <a:pt x="18219" y="622644"/>
+                  <a:pt x="2521" y="711391"/>
+                </a:cubicBezTo>
+                <a:cubicBezTo>
+                  <a:pt x="-13174" y="800138"/>
+                  <a:pt x="46050" y="884806"/>
+                  <a:pt x="134797" y="900500"/>
+                </a:cubicBezTo>
+                <a:lnTo>
+                  <a:pt x="137779" y="900998"/>
+                </a:lnTo>
+                <a:lnTo>
+                  <a:pt x="627329" y="982589"/>
+                </a:lnTo>
+                <a:cubicBezTo>
+                  <a:pt x="636211" y="984213"/>
+                  <a:pt x="645222" y="985033"/>
+                  <a:pt x="654255" y="985037"/>
+                </a:cubicBezTo>
+                <a:cubicBezTo>
+                  <a:pt x="722392" y="985090"/>
+                  <a:pt x="783390" y="942797"/>
+                  <a:pt x="807239" y="878968"/>
+                </a:cubicBezTo>
+                <a:lnTo>
+                  <a:pt x="907597" y="610124"/>
+                </a:lnTo>
+                <a:lnTo>
+                  <a:pt x="939826" y="624402"/>
+                </a:lnTo>
+                <a:lnTo>
+                  <a:pt x="939826" y="2943238"/>
+                </a:lnTo>
+                <a:lnTo>
+                  <a:pt x="1266192" y="2943238"/>
+                </a:lnTo>
+                <a:lnTo>
+                  <a:pt x="1266192" y="1474587"/>
+                </a:lnTo>
+                <a:lnTo>
+                  <a:pt x="1429376" y="1474587"/>
+                </a:lnTo>
+                <a:lnTo>
+                  <a:pt x="1429376" y="2943238"/>
+                </a:lnTo>
+                <a:lnTo>
+                  <a:pt x="1755742" y="2943238"/>
+                </a:lnTo>
+                <a:lnTo>
+                  <a:pt x="1755742" y="624810"/>
+                </a:lnTo>
+                <a:cubicBezTo>
+                  <a:pt x="1767573" y="619914"/>
+                  <a:pt x="1778996" y="615019"/>
+                  <a:pt x="1790011" y="609715"/>
+                </a:cubicBezTo>
+                <a:lnTo>
+                  <a:pt x="1719327" y="345568"/>
+                </a:lnTo>
+                <a:cubicBezTo>
+                  <a:pt x="1743123" y="409259"/>
+                  <a:pt x="1820820" y="361342"/>
+                  <a:pt x="1852853" y="356387"/>
+                </a:cubicBezTo>
+                <a:cubicBezTo>
+                  <a:pt x="1884886" y="351432"/>
+                  <a:pt x="1902647" y="317463"/>
+                  <a:pt x="1911528" y="315839"/>
+                </a:cubicBezTo>
+                <a:lnTo>
+                  <a:pt x="1778779" y="272348"/>
+                </a:lnTo>
+                <a:cubicBezTo>
+                  <a:pt x="1867652" y="257568"/>
+                  <a:pt x="1741987" y="364817"/>
+                  <a:pt x="1722497" y="376787"/>
+                </a:cubicBezTo>
+                <a:close/>
+              </a:path>
+            </a:pathLst>
+          </a:custGeom>
+          <a:solidFill>
+            <a:srgbClr val="5723FB"/>
+          </a:solidFill>
+          <a:ln w="40779" cap="flat">
+            <a:noFill/>
+            <a:prstDash val="solid"/>
+            <a:miter/>
+          </a:ln>
+        </p:spPr>
+        <p:txBody>
+          <a:bodyPr rtlCol="0" anchor="ctr"/>
+          <a:lstStyle/>
+          <a:p>
+            <a:endParaRPr lang="de-AT"/>
+          </a:p>
+        </p:txBody>
+      </p:sp>
+      <p:sp>
+        <p:nvSpPr>
+          <p:cNvPr id="19" name="Freihandform: Form 18">
+            <a:extLst>
+              <a:ext uri="{FF2B5EF4-FFF2-40B4-BE49-F238E27FC236}">
+                <a16:creationId xmlns:a16="http://schemas.microsoft.com/office/drawing/2014/main" id="{06619332-DCC0-DFB1-DE10-4062AFB98E6E}"/>
+              </a:ext>
+            </a:extLst>
+          </p:cNvPr>
+          <p:cNvSpPr/>
+          <p:nvPr/>
+        </p:nvSpPr>
+        <p:spPr>
+          <a:xfrm>
+            <a:off x="6448284" y="4092865"/>
+            <a:ext cx="652733" cy="652733"/>
+          </a:xfrm>
+          <a:custGeom>
+            <a:avLst/>
+            <a:gdLst>
+              <a:gd name="connsiteX0" fmla="*/ 652734 w 652733"/>
+              <a:gd name="connsiteY0" fmla="*/ 326367 h 652733"/>
+              <a:gd name="connsiteX1" fmla="*/ 326367 w 652733"/>
+              <a:gd name="connsiteY1" fmla="*/ 652734 h 652733"/>
+              <a:gd name="connsiteX2" fmla="*/ 0 w 652733"/>
+              <a:gd name="connsiteY2" fmla="*/ 326367 h 652733"/>
+              <a:gd name="connsiteX3" fmla="*/ 326367 w 652733"/>
+              <a:gd name="connsiteY3" fmla="*/ 0 h 652733"/>
+              <a:gd name="connsiteX4" fmla="*/ 652734 w 652733"/>
+              <a:gd name="connsiteY4" fmla="*/ 326367 h 652733"/>
+            </a:gdLst>
+            <a:ahLst/>
+            <a:cxnLst>
+              <a:cxn ang="0">
+                <a:pos x="connsiteX0" y="connsiteY0"/>
+              </a:cxn>
+              <a:cxn ang="0">
+                <a:pos x="connsiteX1" y="connsiteY1"/>
+              </a:cxn>
+              <a:cxn ang="0">
+                <a:pos x="connsiteX2" y="connsiteY2"/>
+              </a:cxn>
+              <a:cxn ang="0">
+                <a:pos x="connsiteX3" y="connsiteY3"/>
+              </a:cxn>
+              <a:cxn ang="0">
+                <a:pos x="connsiteX4" y="connsiteY4"/>
+              </a:cxn>
+            </a:cxnLst>
+            <a:rect l="l" t="t" r="r" b="b"/>
+            <a:pathLst>
+              <a:path w="652733" h="652733">
+                <a:moveTo>
+                  <a:pt x="652734" y="326367"/>
+                </a:moveTo>
+                <a:cubicBezTo>
+                  <a:pt x="652734" y="506614"/>
+                  <a:pt x="506614" y="652734"/>
+                  <a:pt x="326367" y="652734"/>
+                </a:cubicBezTo>
+                <a:cubicBezTo>
+                  <a:pt x="146119" y="652734"/>
+                  <a:pt x="0" y="506614"/>
+                  <a:pt x="0" y="326367"/>
+                </a:cubicBezTo>
+                <a:cubicBezTo>
+                  <a:pt x="0" y="146119"/>
+                  <a:pt x="146119" y="0"/>
+                  <a:pt x="326367" y="0"/>
+                </a:cubicBezTo>
+                <a:cubicBezTo>
+                  <a:pt x="506614" y="0"/>
+                  <a:pt x="652734" y="146119"/>
+                  <a:pt x="652734" y="326367"/>
+                </a:cubicBezTo>
+                <a:close/>
+              </a:path>
+            </a:pathLst>
+          </a:custGeom>
+          <a:solidFill>
+            <a:srgbClr val="5723FB"/>
+          </a:solidFill>
+          <a:ln w="40779" cap="flat">
+            <a:noFill/>
+            <a:prstDash val="solid"/>
+            <a:miter/>
+          </a:ln>
+        </p:spPr>
+        <p:txBody>
+          <a:bodyPr rtlCol="0" anchor="ctr"/>
+          <a:lstStyle/>
+          <a:p>
+            <a:endParaRPr lang="de-AT"/>
+          </a:p>
+        </p:txBody>
+      </p:sp>
+      <p:sp>
+        <p:nvSpPr>
+          <p:cNvPr id="13" name="Rechteck 12">
+            <a:extLst>
+              <a:ext uri="{FF2B5EF4-FFF2-40B4-BE49-F238E27FC236}">
+                <a16:creationId xmlns:a16="http://schemas.microsoft.com/office/drawing/2014/main" id="{B3FEA0CE-E27F-2B52-B225-961751B54094}"/>
+              </a:ext>
+            </a:extLst>
+          </p:cNvPr>
+          <p:cNvSpPr/>
+          <p:nvPr/>
+        </p:nvSpPr>
+        <p:spPr>
+          <a:xfrm>
+            <a:off x="4483169" y="5054036"/>
+            <a:ext cx="1238250" cy="793750"/>
+          </a:xfrm>
+          <a:prstGeom prst="rect">
+            <a:avLst/>
+          </a:prstGeom>
+          <a:solidFill>
+            <a:schemeClr val="bg1"/>
+          </a:solidFill>
+          <a:ln>
+            <a:solidFill>
+              <a:schemeClr val="bg1"/>
+            </a:solidFill>
+          </a:ln>
+        </p:spPr>
+        <p:style>
+          <a:lnRef idx="2">
+            <a:schemeClr val="accent1">
+              <a:shade val="15000"/>
+            </a:schemeClr>
+          </a:lnRef>
+          <a:fillRef idx="1">
+            <a:schemeClr val="accent1"/>
+          </a:fillRef>
+          <a:effectRef idx="0">
+            <a:schemeClr val="accent1"/>
+          </a:effectRef>
+          <a:fontRef idx="minor">
+            <a:schemeClr val="lt1"/>
+          </a:fontRef>
+        </p:style>
+        <p:txBody>
+          <a:bodyPr rtlCol="0" anchor="ctr"/>
+          <a:lstStyle/>
+          <a:p>
+            <a:pPr algn="ctr"/>
+            <a:endParaRPr lang="de-AT"/>
+          </a:p>
+        </p:txBody>
+      </p:sp>
+      <p:sp>
+        <p:nvSpPr>
           <p:cNvPr id="2" name="Titel 1">
             <a:extLst>
               <a:ext uri="{FF2B5EF4-FFF2-40B4-BE49-F238E27FC236}">
-                <a16:creationId xmlns:a16="http://schemas.microsoft.com/office/drawing/2014/main" id="{95064549-A466-776D-6867-2E6D9EE26E07}"/>
+                <a16:creationId xmlns:a16="http://schemas.microsoft.com/office/drawing/2014/main" id="{8930062B-D174-E22D-A157-548B1CCC0FBA}"/>
               </a:ext>
             </a:extLst>
           </p:cNvPr>
@@ -12052,10 +13805,10 @@
           <a:lstStyle/>
           <a:p>
             <a:r>
-              <a:rPr lang="de-DE" dirty="0"/>
-              <a:t>Blick in die Zukunft</a:t>
+              <a:rPr lang="de-DE"/>
+              <a:t>Aktueller Stand</a:t>
             </a:r>
-            <a:endParaRPr lang="de-AT" dirty="0"/>
+            <a:endParaRPr lang="de-AT"/>
           </a:p>
         </p:txBody>
       </p:sp>
@@ -12064,7 +13817,7 @@
           <p:cNvPr id="4" name="Inhaltsplatzhalter 3">
             <a:extLst>
               <a:ext uri="{FF2B5EF4-FFF2-40B4-BE49-F238E27FC236}">
-                <a16:creationId xmlns:a16="http://schemas.microsoft.com/office/drawing/2014/main" id="{206757E1-778C-3F94-C186-19485C3EB4FC}"/>
+                <a16:creationId xmlns:a16="http://schemas.microsoft.com/office/drawing/2014/main" id="{C8E03C5E-35CA-A4F0-1BA6-7FC68B09B3F8}"/>
               </a:ext>
             </a:extLst>
           </p:cNvPr>
@@ -12085,8 +13838,8 @@
               <a:buChar char="-"/>
             </a:pPr>
             <a:r>
-              <a:rPr lang="de-DE" dirty="0"/>
-              <a:t>Alternative API für Musik einbinden</a:t>
+              <a:rPr lang="de-DE"/>
+              <a:t>Grundidee teilweise umgesetzt</a:t>
             </a:r>
           </a:p>
           <a:p>
@@ -12095,8 +13848,8 @@
               <a:buChar char="-"/>
             </a:pPr>
             <a:r>
-              <a:rPr lang="de-DE" dirty="0"/>
-              <a:t>Falls keine Musik-API möglich ist: mehr lokale Songs einbinden</a:t>
+              <a:rPr lang="de-DE"/>
+              <a:t>Spiel mittels lokalen Dateien funktioniert</a:t>
             </a:r>
           </a:p>
           <a:p>
@@ -12105,12 +13858,8 @@
               <a:buChar char="-"/>
             </a:pPr>
             <a:r>
-              <a:rPr lang="de-DE" dirty="0" err="1"/>
-              <a:t>Leaderboard</a:t>
-            </a:r>
-            <a:r>
-              <a:rPr lang="de-DE" dirty="0"/>
-              <a:t> System</a:t>
+              <a:rPr lang="de-DE"/>
+              <a:t>UI-Design zu 90% fertig</a:t>
             </a:r>
           </a:p>
           <a:p>
@@ -12119,28 +13868,8 @@
               <a:buChar char="-"/>
             </a:pPr>
             <a:r>
-              <a:rPr lang="de-DE" dirty="0"/>
-              <a:t>Songs nach Kategorien, Jahrzehnt, etc. gefiltert</a:t>
-            </a:r>
-          </a:p>
-          <a:p>
-            <a:pPr marL="285750" indent="-285750">
-              <a:buFontTx/>
-              <a:buChar char="-"/>
-            </a:pPr>
-            <a:r>
-              <a:rPr lang="de-DE" dirty="0"/>
-              <a:t>Optional: User können selbst Songs hinzufügen</a:t>
-            </a:r>
-          </a:p>
-          <a:p>
-            <a:pPr marL="285750" indent="-285750">
-              <a:buFontTx/>
-              <a:buChar char="-"/>
-            </a:pPr>
-            <a:r>
-              <a:rPr lang="de-DE" dirty="0"/>
-              <a:t>Optional: Multiplayer (mit Freunden spielen)</a:t>
+              <a:rPr lang="de-DE"/>
+              <a:t>Authentifizierung mit Sicherheitsfeatures</a:t>
             </a:r>
           </a:p>
         </p:txBody>
@@ -12150,7 +13879,7 @@
           <p:cNvPr id="10" name="Grafik 9">
             <a:extLst>
               <a:ext uri="{FF2B5EF4-FFF2-40B4-BE49-F238E27FC236}">
-                <a16:creationId xmlns:a16="http://schemas.microsoft.com/office/drawing/2014/main" id="{FF34C802-8672-BEA6-925C-39ACAFD02955}"/>
+                <a16:creationId xmlns:a16="http://schemas.microsoft.com/office/drawing/2014/main" id="{91BB1931-188E-5CBA-69D0-0175784E652F}"/>
               </a:ext>
             </a:extLst>
           </p:cNvPr>
@@ -12181,10 +13910,790 @@
           </a:prstGeom>
         </p:spPr>
       </p:pic>
+      <p:pic>
+        <p:nvPicPr>
+          <p:cNvPr id="5" name="Grafik 4" descr="Klemmbrett teilweise angekreuzt mit einfarbiger Füllung">
+            <a:extLst>
+              <a:ext uri="{FF2B5EF4-FFF2-40B4-BE49-F238E27FC236}">
+                <a16:creationId xmlns:a16="http://schemas.microsoft.com/office/drawing/2014/main" id="{1ECF954B-8C10-B5A1-8C5B-82525E27347F}"/>
+              </a:ext>
+            </a:extLst>
+          </p:cNvPr>
+          <p:cNvPicPr>
+            <a:picLocks noChangeAspect="1"/>
+          </p:cNvPicPr>
+          <p:nvPr/>
+        </p:nvPicPr>
+        <p:blipFill>
+          <a:blip r:embed="rId4">
+            <a:extLst>
+              <a:ext uri="{96DAC541-7B7A-43D3-8B79-37D633B846F1}">
+                <asvg:svgBlip xmlns:asvg="http://schemas.microsoft.com/office/drawing/2016/SVG/main" r:embed="rId5"/>
+              </a:ext>
+            </a:extLst>
+          </a:blip>
+          <a:stretch>
+            <a:fillRect/>
+          </a:stretch>
+        </p:blipFill>
+        <p:spPr>
+          <a:xfrm>
+            <a:off x="3902642" y="4095682"/>
+            <a:ext cx="2396558" cy="2396558"/>
+          </a:xfrm>
+          <a:prstGeom prst="rect">
+            <a:avLst/>
+          </a:prstGeom>
+        </p:spPr>
+      </p:pic>
+      <p:sp>
+        <p:nvSpPr>
+          <p:cNvPr id="16" name="Freihandform: Form 15">
+            <a:extLst>
+              <a:ext uri="{FF2B5EF4-FFF2-40B4-BE49-F238E27FC236}">
+                <a16:creationId xmlns:a16="http://schemas.microsoft.com/office/drawing/2014/main" id="{643BEE4A-DE5E-1656-CB33-5A4396B5707D}"/>
+              </a:ext>
+            </a:extLst>
+          </p:cNvPr>
+          <p:cNvSpPr/>
+          <p:nvPr/>
+        </p:nvSpPr>
+        <p:spPr>
+          <a:xfrm>
+            <a:off x="6362926" y="4821253"/>
+            <a:ext cx="1341121" cy="3017521"/>
+          </a:xfrm>
+          <a:custGeom>
+            <a:avLst/>
+            <a:gdLst>
+              <a:gd name="connsiteX0" fmla="*/ 1835659 w 1844040"/>
+              <a:gd name="connsiteY0" fmla="*/ 1307592 h 3017520"/>
+              <a:gd name="connsiteX1" fmla="*/ 1600962 w 1844040"/>
+              <a:gd name="connsiteY1" fmla="*/ 310134 h 3017520"/>
+              <a:gd name="connsiteX2" fmla="*/ 1550670 w 1844040"/>
+              <a:gd name="connsiteY2" fmla="*/ 217932 h 3017520"/>
+              <a:gd name="connsiteX3" fmla="*/ 1198626 w 1844040"/>
+              <a:gd name="connsiteY3" fmla="*/ 33528 h 3017520"/>
+              <a:gd name="connsiteX4" fmla="*/ 922020 w 1844040"/>
+              <a:gd name="connsiteY4" fmla="*/ 0 h 3017520"/>
+              <a:gd name="connsiteX5" fmla="*/ 645414 w 1844040"/>
+              <a:gd name="connsiteY5" fmla="*/ 41910 h 3017520"/>
+              <a:gd name="connsiteX6" fmla="*/ 293370 w 1844040"/>
+              <a:gd name="connsiteY6" fmla="*/ 226314 h 3017520"/>
+              <a:gd name="connsiteX7" fmla="*/ 243078 w 1844040"/>
+              <a:gd name="connsiteY7" fmla="*/ 318516 h 3017520"/>
+              <a:gd name="connsiteX8" fmla="*/ 8382 w 1844040"/>
+              <a:gd name="connsiteY8" fmla="*/ 1315974 h 3017520"/>
+              <a:gd name="connsiteX9" fmla="*/ 0 w 1844040"/>
+              <a:gd name="connsiteY9" fmla="*/ 1357884 h 3017520"/>
+              <a:gd name="connsiteX10" fmla="*/ 167640 w 1844040"/>
+              <a:gd name="connsiteY10" fmla="*/ 1525525 h 3017520"/>
+              <a:gd name="connsiteX11" fmla="*/ 326898 w 1844040"/>
+              <a:gd name="connsiteY11" fmla="*/ 1399794 h 3017520"/>
+              <a:gd name="connsiteX12" fmla="*/ 502920 w 1844040"/>
+              <a:gd name="connsiteY12" fmla="*/ 670560 h 3017520"/>
+              <a:gd name="connsiteX13" fmla="*/ 502920 w 1844040"/>
+              <a:gd name="connsiteY13" fmla="*/ 3017521 h 3017520"/>
+              <a:gd name="connsiteX14" fmla="*/ 838200 w 1844040"/>
+              <a:gd name="connsiteY14" fmla="*/ 3017521 h 3017520"/>
+              <a:gd name="connsiteX15" fmla="*/ 838200 w 1844040"/>
+              <a:gd name="connsiteY15" fmla="*/ 1508760 h 3017520"/>
+              <a:gd name="connsiteX16" fmla="*/ 1005840 w 1844040"/>
+              <a:gd name="connsiteY16" fmla="*/ 1508760 h 3017520"/>
+              <a:gd name="connsiteX17" fmla="*/ 1005840 w 1844040"/>
+              <a:gd name="connsiteY17" fmla="*/ 3017521 h 3017520"/>
+              <a:gd name="connsiteX18" fmla="*/ 1341120 w 1844040"/>
+              <a:gd name="connsiteY18" fmla="*/ 3017521 h 3017520"/>
+              <a:gd name="connsiteX19" fmla="*/ 1341120 w 1844040"/>
+              <a:gd name="connsiteY19" fmla="*/ 662178 h 3017520"/>
+              <a:gd name="connsiteX20" fmla="*/ 1517142 w 1844040"/>
+              <a:gd name="connsiteY20" fmla="*/ 1391412 h 3017520"/>
+              <a:gd name="connsiteX21" fmla="*/ 1676400 w 1844040"/>
+              <a:gd name="connsiteY21" fmla="*/ 1517142 h 3017520"/>
+              <a:gd name="connsiteX22" fmla="*/ 1844041 w 1844040"/>
+              <a:gd name="connsiteY22" fmla="*/ 1349502 h 3017520"/>
+              <a:gd name="connsiteX23" fmla="*/ 1835659 w 1844040"/>
+              <a:gd name="connsiteY23" fmla="*/ 1307592 h 3017520"/>
+              <a:gd name="connsiteX0" fmla="*/ 1835659 w 1844041"/>
+              <a:gd name="connsiteY0" fmla="*/ 1307592 h 3017521"/>
+              <a:gd name="connsiteX1" fmla="*/ 1600962 w 1844041"/>
+              <a:gd name="connsiteY1" fmla="*/ 310134 h 3017521"/>
+              <a:gd name="connsiteX2" fmla="*/ 1550670 w 1844041"/>
+              <a:gd name="connsiteY2" fmla="*/ 217932 h 3017521"/>
+              <a:gd name="connsiteX3" fmla="*/ 1198626 w 1844041"/>
+              <a:gd name="connsiteY3" fmla="*/ 33528 h 3017521"/>
+              <a:gd name="connsiteX4" fmla="*/ 922020 w 1844041"/>
+              <a:gd name="connsiteY4" fmla="*/ 0 h 3017521"/>
+              <a:gd name="connsiteX5" fmla="*/ 645414 w 1844041"/>
+              <a:gd name="connsiteY5" fmla="*/ 41910 h 3017521"/>
+              <a:gd name="connsiteX6" fmla="*/ 293370 w 1844041"/>
+              <a:gd name="connsiteY6" fmla="*/ 226314 h 3017521"/>
+              <a:gd name="connsiteX7" fmla="*/ 243078 w 1844041"/>
+              <a:gd name="connsiteY7" fmla="*/ 318516 h 3017521"/>
+              <a:gd name="connsiteX8" fmla="*/ 8382 w 1844041"/>
+              <a:gd name="connsiteY8" fmla="*/ 1315974 h 3017521"/>
+              <a:gd name="connsiteX9" fmla="*/ 0 w 1844041"/>
+              <a:gd name="connsiteY9" fmla="*/ 1357884 h 3017521"/>
+              <a:gd name="connsiteX10" fmla="*/ 167640 w 1844041"/>
+              <a:gd name="connsiteY10" fmla="*/ 1525525 h 3017521"/>
+              <a:gd name="connsiteX11" fmla="*/ 326898 w 1844041"/>
+              <a:gd name="connsiteY11" fmla="*/ 1399794 h 3017521"/>
+              <a:gd name="connsiteX12" fmla="*/ 502920 w 1844041"/>
+              <a:gd name="connsiteY12" fmla="*/ 670560 h 3017521"/>
+              <a:gd name="connsiteX13" fmla="*/ 502920 w 1844041"/>
+              <a:gd name="connsiteY13" fmla="*/ 3017521 h 3017521"/>
+              <a:gd name="connsiteX14" fmla="*/ 838200 w 1844041"/>
+              <a:gd name="connsiteY14" fmla="*/ 3017521 h 3017521"/>
+              <a:gd name="connsiteX15" fmla="*/ 1181100 w 1844041"/>
+              <a:gd name="connsiteY15" fmla="*/ 918210 h 3017521"/>
+              <a:gd name="connsiteX16" fmla="*/ 1005840 w 1844041"/>
+              <a:gd name="connsiteY16" fmla="*/ 1508760 h 3017521"/>
+              <a:gd name="connsiteX17" fmla="*/ 1005840 w 1844041"/>
+              <a:gd name="connsiteY17" fmla="*/ 3017521 h 3017521"/>
+              <a:gd name="connsiteX18" fmla="*/ 1341120 w 1844041"/>
+              <a:gd name="connsiteY18" fmla="*/ 3017521 h 3017521"/>
+              <a:gd name="connsiteX19" fmla="*/ 1341120 w 1844041"/>
+              <a:gd name="connsiteY19" fmla="*/ 662178 h 3017521"/>
+              <a:gd name="connsiteX20" fmla="*/ 1517142 w 1844041"/>
+              <a:gd name="connsiteY20" fmla="*/ 1391412 h 3017521"/>
+              <a:gd name="connsiteX21" fmla="*/ 1676400 w 1844041"/>
+              <a:gd name="connsiteY21" fmla="*/ 1517142 h 3017521"/>
+              <a:gd name="connsiteX22" fmla="*/ 1844041 w 1844041"/>
+              <a:gd name="connsiteY22" fmla="*/ 1349502 h 3017521"/>
+              <a:gd name="connsiteX23" fmla="*/ 1835659 w 1844041"/>
+              <a:gd name="connsiteY23" fmla="*/ 1307592 h 3017521"/>
+              <a:gd name="connsiteX0" fmla="*/ 1835659 w 1844041"/>
+              <a:gd name="connsiteY0" fmla="*/ 1307592 h 3017521"/>
+              <a:gd name="connsiteX1" fmla="*/ 1600962 w 1844041"/>
+              <a:gd name="connsiteY1" fmla="*/ 310134 h 3017521"/>
+              <a:gd name="connsiteX2" fmla="*/ 1550670 w 1844041"/>
+              <a:gd name="connsiteY2" fmla="*/ 217932 h 3017521"/>
+              <a:gd name="connsiteX3" fmla="*/ 1198626 w 1844041"/>
+              <a:gd name="connsiteY3" fmla="*/ 33528 h 3017521"/>
+              <a:gd name="connsiteX4" fmla="*/ 922020 w 1844041"/>
+              <a:gd name="connsiteY4" fmla="*/ 0 h 3017521"/>
+              <a:gd name="connsiteX5" fmla="*/ 645414 w 1844041"/>
+              <a:gd name="connsiteY5" fmla="*/ 41910 h 3017521"/>
+              <a:gd name="connsiteX6" fmla="*/ 293370 w 1844041"/>
+              <a:gd name="connsiteY6" fmla="*/ 226314 h 3017521"/>
+              <a:gd name="connsiteX7" fmla="*/ 243078 w 1844041"/>
+              <a:gd name="connsiteY7" fmla="*/ 318516 h 3017521"/>
+              <a:gd name="connsiteX8" fmla="*/ 8382 w 1844041"/>
+              <a:gd name="connsiteY8" fmla="*/ 1315974 h 3017521"/>
+              <a:gd name="connsiteX9" fmla="*/ 0 w 1844041"/>
+              <a:gd name="connsiteY9" fmla="*/ 1357884 h 3017521"/>
+              <a:gd name="connsiteX10" fmla="*/ 167640 w 1844041"/>
+              <a:gd name="connsiteY10" fmla="*/ 1525525 h 3017521"/>
+              <a:gd name="connsiteX11" fmla="*/ 326898 w 1844041"/>
+              <a:gd name="connsiteY11" fmla="*/ 1399794 h 3017521"/>
+              <a:gd name="connsiteX12" fmla="*/ 502920 w 1844041"/>
+              <a:gd name="connsiteY12" fmla="*/ 670560 h 3017521"/>
+              <a:gd name="connsiteX13" fmla="*/ 502920 w 1844041"/>
+              <a:gd name="connsiteY13" fmla="*/ 3017521 h 3017521"/>
+              <a:gd name="connsiteX14" fmla="*/ 1041400 w 1844041"/>
+              <a:gd name="connsiteY14" fmla="*/ 826771 h 3017521"/>
+              <a:gd name="connsiteX15" fmla="*/ 1181100 w 1844041"/>
+              <a:gd name="connsiteY15" fmla="*/ 918210 h 3017521"/>
+              <a:gd name="connsiteX16" fmla="*/ 1005840 w 1844041"/>
+              <a:gd name="connsiteY16" fmla="*/ 1508760 h 3017521"/>
+              <a:gd name="connsiteX17" fmla="*/ 1005840 w 1844041"/>
+              <a:gd name="connsiteY17" fmla="*/ 3017521 h 3017521"/>
+              <a:gd name="connsiteX18" fmla="*/ 1341120 w 1844041"/>
+              <a:gd name="connsiteY18" fmla="*/ 3017521 h 3017521"/>
+              <a:gd name="connsiteX19" fmla="*/ 1341120 w 1844041"/>
+              <a:gd name="connsiteY19" fmla="*/ 662178 h 3017521"/>
+              <a:gd name="connsiteX20" fmla="*/ 1517142 w 1844041"/>
+              <a:gd name="connsiteY20" fmla="*/ 1391412 h 3017521"/>
+              <a:gd name="connsiteX21" fmla="*/ 1676400 w 1844041"/>
+              <a:gd name="connsiteY21" fmla="*/ 1517142 h 3017521"/>
+              <a:gd name="connsiteX22" fmla="*/ 1844041 w 1844041"/>
+              <a:gd name="connsiteY22" fmla="*/ 1349502 h 3017521"/>
+              <a:gd name="connsiteX23" fmla="*/ 1835659 w 1844041"/>
+              <a:gd name="connsiteY23" fmla="*/ 1307592 h 3017521"/>
+              <a:gd name="connsiteX0" fmla="*/ 1835659 w 1844041"/>
+              <a:gd name="connsiteY0" fmla="*/ 1307592 h 3017521"/>
+              <a:gd name="connsiteX1" fmla="*/ 1600962 w 1844041"/>
+              <a:gd name="connsiteY1" fmla="*/ 310134 h 3017521"/>
+              <a:gd name="connsiteX2" fmla="*/ 1550670 w 1844041"/>
+              <a:gd name="connsiteY2" fmla="*/ 217932 h 3017521"/>
+              <a:gd name="connsiteX3" fmla="*/ 1198626 w 1844041"/>
+              <a:gd name="connsiteY3" fmla="*/ 33528 h 3017521"/>
+              <a:gd name="connsiteX4" fmla="*/ 922020 w 1844041"/>
+              <a:gd name="connsiteY4" fmla="*/ 0 h 3017521"/>
+              <a:gd name="connsiteX5" fmla="*/ 645414 w 1844041"/>
+              <a:gd name="connsiteY5" fmla="*/ 41910 h 3017521"/>
+              <a:gd name="connsiteX6" fmla="*/ 293370 w 1844041"/>
+              <a:gd name="connsiteY6" fmla="*/ 226314 h 3017521"/>
+              <a:gd name="connsiteX7" fmla="*/ 243078 w 1844041"/>
+              <a:gd name="connsiteY7" fmla="*/ 318516 h 3017521"/>
+              <a:gd name="connsiteX8" fmla="*/ 8382 w 1844041"/>
+              <a:gd name="connsiteY8" fmla="*/ 1315974 h 3017521"/>
+              <a:gd name="connsiteX9" fmla="*/ 0 w 1844041"/>
+              <a:gd name="connsiteY9" fmla="*/ 1357884 h 3017521"/>
+              <a:gd name="connsiteX10" fmla="*/ 167640 w 1844041"/>
+              <a:gd name="connsiteY10" fmla="*/ 1525525 h 3017521"/>
+              <a:gd name="connsiteX11" fmla="*/ 326898 w 1844041"/>
+              <a:gd name="connsiteY11" fmla="*/ 1399794 h 3017521"/>
+              <a:gd name="connsiteX12" fmla="*/ 502920 w 1844041"/>
+              <a:gd name="connsiteY12" fmla="*/ 670560 h 3017521"/>
+              <a:gd name="connsiteX13" fmla="*/ 1137920 w 1844041"/>
+              <a:gd name="connsiteY13" fmla="*/ 591821 h 3017521"/>
+              <a:gd name="connsiteX14" fmla="*/ 1041400 w 1844041"/>
+              <a:gd name="connsiteY14" fmla="*/ 826771 h 3017521"/>
+              <a:gd name="connsiteX15" fmla="*/ 1181100 w 1844041"/>
+              <a:gd name="connsiteY15" fmla="*/ 918210 h 3017521"/>
+              <a:gd name="connsiteX16" fmla="*/ 1005840 w 1844041"/>
+              <a:gd name="connsiteY16" fmla="*/ 1508760 h 3017521"/>
+              <a:gd name="connsiteX17" fmla="*/ 1005840 w 1844041"/>
+              <a:gd name="connsiteY17" fmla="*/ 3017521 h 3017521"/>
+              <a:gd name="connsiteX18" fmla="*/ 1341120 w 1844041"/>
+              <a:gd name="connsiteY18" fmla="*/ 3017521 h 3017521"/>
+              <a:gd name="connsiteX19" fmla="*/ 1341120 w 1844041"/>
+              <a:gd name="connsiteY19" fmla="*/ 662178 h 3017521"/>
+              <a:gd name="connsiteX20" fmla="*/ 1517142 w 1844041"/>
+              <a:gd name="connsiteY20" fmla="*/ 1391412 h 3017521"/>
+              <a:gd name="connsiteX21" fmla="*/ 1676400 w 1844041"/>
+              <a:gd name="connsiteY21" fmla="*/ 1517142 h 3017521"/>
+              <a:gd name="connsiteX22" fmla="*/ 1844041 w 1844041"/>
+              <a:gd name="connsiteY22" fmla="*/ 1349502 h 3017521"/>
+              <a:gd name="connsiteX23" fmla="*/ 1835659 w 1844041"/>
+              <a:gd name="connsiteY23" fmla="*/ 1307592 h 3017521"/>
+              <a:gd name="connsiteX0" fmla="*/ 1908842 w 1917224"/>
+              <a:gd name="connsiteY0" fmla="*/ 1307592 h 3017521"/>
+              <a:gd name="connsiteX1" fmla="*/ 1674145 w 1917224"/>
+              <a:gd name="connsiteY1" fmla="*/ 310134 h 3017521"/>
+              <a:gd name="connsiteX2" fmla="*/ 1623853 w 1917224"/>
+              <a:gd name="connsiteY2" fmla="*/ 217932 h 3017521"/>
+              <a:gd name="connsiteX3" fmla="*/ 1271809 w 1917224"/>
+              <a:gd name="connsiteY3" fmla="*/ 33528 h 3017521"/>
+              <a:gd name="connsiteX4" fmla="*/ 995203 w 1917224"/>
+              <a:gd name="connsiteY4" fmla="*/ 0 h 3017521"/>
+              <a:gd name="connsiteX5" fmla="*/ 718597 w 1917224"/>
+              <a:gd name="connsiteY5" fmla="*/ 41910 h 3017521"/>
+              <a:gd name="connsiteX6" fmla="*/ 366553 w 1917224"/>
+              <a:gd name="connsiteY6" fmla="*/ 226314 h 3017521"/>
+              <a:gd name="connsiteX7" fmla="*/ 316261 w 1917224"/>
+              <a:gd name="connsiteY7" fmla="*/ 318516 h 3017521"/>
+              <a:gd name="connsiteX8" fmla="*/ 81565 w 1917224"/>
+              <a:gd name="connsiteY8" fmla="*/ 1315974 h 3017521"/>
+              <a:gd name="connsiteX9" fmla="*/ 73183 w 1917224"/>
+              <a:gd name="connsiteY9" fmla="*/ 1357884 h 3017521"/>
+              <a:gd name="connsiteX10" fmla="*/ 1098073 w 1917224"/>
+              <a:gd name="connsiteY10" fmla="*/ 401575 h 3017521"/>
+              <a:gd name="connsiteX11" fmla="*/ 400081 w 1917224"/>
+              <a:gd name="connsiteY11" fmla="*/ 1399794 h 3017521"/>
+              <a:gd name="connsiteX12" fmla="*/ 576103 w 1917224"/>
+              <a:gd name="connsiteY12" fmla="*/ 670560 h 3017521"/>
+              <a:gd name="connsiteX13" fmla="*/ 1211103 w 1917224"/>
+              <a:gd name="connsiteY13" fmla="*/ 591821 h 3017521"/>
+              <a:gd name="connsiteX14" fmla="*/ 1114583 w 1917224"/>
+              <a:gd name="connsiteY14" fmla="*/ 826771 h 3017521"/>
+              <a:gd name="connsiteX15" fmla="*/ 1254283 w 1917224"/>
+              <a:gd name="connsiteY15" fmla="*/ 918210 h 3017521"/>
+              <a:gd name="connsiteX16" fmla="*/ 1079023 w 1917224"/>
+              <a:gd name="connsiteY16" fmla="*/ 1508760 h 3017521"/>
+              <a:gd name="connsiteX17" fmla="*/ 1079023 w 1917224"/>
+              <a:gd name="connsiteY17" fmla="*/ 3017521 h 3017521"/>
+              <a:gd name="connsiteX18" fmla="*/ 1414303 w 1917224"/>
+              <a:gd name="connsiteY18" fmla="*/ 3017521 h 3017521"/>
+              <a:gd name="connsiteX19" fmla="*/ 1414303 w 1917224"/>
+              <a:gd name="connsiteY19" fmla="*/ 662178 h 3017521"/>
+              <a:gd name="connsiteX20" fmla="*/ 1590325 w 1917224"/>
+              <a:gd name="connsiteY20" fmla="*/ 1391412 h 3017521"/>
+              <a:gd name="connsiteX21" fmla="*/ 1749583 w 1917224"/>
+              <a:gd name="connsiteY21" fmla="*/ 1517142 h 3017521"/>
+              <a:gd name="connsiteX22" fmla="*/ 1917224 w 1917224"/>
+              <a:gd name="connsiteY22" fmla="*/ 1349502 h 3017521"/>
+              <a:gd name="connsiteX23" fmla="*/ 1908842 w 1917224"/>
+              <a:gd name="connsiteY23" fmla="*/ 1307592 h 3017521"/>
+              <a:gd name="connsiteX0" fmla="*/ 1827277 w 1835659"/>
+              <a:gd name="connsiteY0" fmla="*/ 1307592 h 3017521"/>
+              <a:gd name="connsiteX1" fmla="*/ 1592580 w 1835659"/>
+              <a:gd name="connsiteY1" fmla="*/ 310134 h 3017521"/>
+              <a:gd name="connsiteX2" fmla="*/ 1542288 w 1835659"/>
+              <a:gd name="connsiteY2" fmla="*/ 217932 h 3017521"/>
+              <a:gd name="connsiteX3" fmla="*/ 1190244 w 1835659"/>
+              <a:gd name="connsiteY3" fmla="*/ 33528 h 3017521"/>
+              <a:gd name="connsiteX4" fmla="*/ 913638 w 1835659"/>
+              <a:gd name="connsiteY4" fmla="*/ 0 h 3017521"/>
+              <a:gd name="connsiteX5" fmla="*/ 637032 w 1835659"/>
+              <a:gd name="connsiteY5" fmla="*/ 41910 h 3017521"/>
+              <a:gd name="connsiteX6" fmla="*/ 284988 w 1835659"/>
+              <a:gd name="connsiteY6" fmla="*/ 226314 h 3017521"/>
+              <a:gd name="connsiteX7" fmla="*/ 234696 w 1835659"/>
+              <a:gd name="connsiteY7" fmla="*/ 318516 h 3017521"/>
+              <a:gd name="connsiteX8" fmla="*/ 0 w 1835659"/>
+              <a:gd name="connsiteY8" fmla="*/ 1315974 h 3017521"/>
+              <a:gd name="connsiteX9" fmla="*/ 804418 w 1835659"/>
+              <a:gd name="connsiteY9" fmla="*/ 392684 h 3017521"/>
+              <a:gd name="connsiteX10" fmla="*/ 1016508 w 1835659"/>
+              <a:gd name="connsiteY10" fmla="*/ 401575 h 3017521"/>
+              <a:gd name="connsiteX11" fmla="*/ 318516 w 1835659"/>
+              <a:gd name="connsiteY11" fmla="*/ 1399794 h 3017521"/>
+              <a:gd name="connsiteX12" fmla="*/ 494538 w 1835659"/>
+              <a:gd name="connsiteY12" fmla="*/ 670560 h 3017521"/>
+              <a:gd name="connsiteX13" fmla="*/ 1129538 w 1835659"/>
+              <a:gd name="connsiteY13" fmla="*/ 591821 h 3017521"/>
+              <a:gd name="connsiteX14" fmla="*/ 1033018 w 1835659"/>
+              <a:gd name="connsiteY14" fmla="*/ 826771 h 3017521"/>
+              <a:gd name="connsiteX15" fmla="*/ 1172718 w 1835659"/>
+              <a:gd name="connsiteY15" fmla="*/ 918210 h 3017521"/>
+              <a:gd name="connsiteX16" fmla="*/ 997458 w 1835659"/>
+              <a:gd name="connsiteY16" fmla="*/ 1508760 h 3017521"/>
+              <a:gd name="connsiteX17" fmla="*/ 997458 w 1835659"/>
+              <a:gd name="connsiteY17" fmla="*/ 3017521 h 3017521"/>
+              <a:gd name="connsiteX18" fmla="*/ 1332738 w 1835659"/>
+              <a:gd name="connsiteY18" fmla="*/ 3017521 h 3017521"/>
+              <a:gd name="connsiteX19" fmla="*/ 1332738 w 1835659"/>
+              <a:gd name="connsiteY19" fmla="*/ 662178 h 3017521"/>
+              <a:gd name="connsiteX20" fmla="*/ 1508760 w 1835659"/>
+              <a:gd name="connsiteY20" fmla="*/ 1391412 h 3017521"/>
+              <a:gd name="connsiteX21" fmla="*/ 1668018 w 1835659"/>
+              <a:gd name="connsiteY21" fmla="*/ 1517142 h 3017521"/>
+              <a:gd name="connsiteX22" fmla="*/ 1835659 w 1835659"/>
+              <a:gd name="connsiteY22" fmla="*/ 1349502 h 3017521"/>
+              <a:gd name="connsiteX23" fmla="*/ 1827277 w 1835659"/>
+              <a:gd name="connsiteY23" fmla="*/ 1307592 h 3017521"/>
+              <a:gd name="connsiteX0" fmla="*/ 1592581 w 1600963"/>
+              <a:gd name="connsiteY0" fmla="*/ 1307592 h 3017521"/>
+              <a:gd name="connsiteX1" fmla="*/ 1357884 w 1600963"/>
+              <a:gd name="connsiteY1" fmla="*/ 310134 h 3017521"/>
+              <a:gd name="connsiteX2" fmla="*/ 1307592 w 1600963"/>
+              <a:gd name="connsiteY2" fmla="*/ 217932 h 3017521"/>
+              <a:gd name="connsiteX3" fmla="*/ 955548 w 1600963"/>
+              <a:gd name="connsiteY3" fmla="*/ 33528 h 3017521"/>
+              <a:gd name="connsiteX4" fmla="*/ 678942 w 1600963"/>
+              <a:gd name="connsiteY4" fmla="*/ 0 h 3017521"/>
+              <a:gd name="connsiteX5" fmla="*/ 402336 w 1600963"/>
+              <a:gd name="connsiteY5" fmla="*/ 41910 h 3017521"/>
+              <a:gd name="connsiteX6" fmla="*/ 50292 w 1600963"/>
+              <a:gd name="connsiteY6" fmla="*/ 226314 h 3017521"/>
+              <a:gd name="connsiteX7" fmla="*/ 0 w 1600963"/>
+              <a:gd name="connsiteY7" fmla="*/ 318516 h 3017521"/>
+              <a:gd name="connsiteX8" fmla="*/ 997204 w 1600963"/>
+              <a:gd name="connsiteY8" fmla="*/ 306324 h 3017521"/>
+              <a:gd name="connsiteX9" fmla="*/ 569722 w 1600963"/>
+              <a:gd name="connsiteY9" fmla="*/ 392684 h 3017521"/>
+              <a:gd name="connsiteX10" fmla="*/ 781812 w 1600963"/>
+              <a:gd name="connsiteY10" fmla="*/ 401575 h 3017521"/>
+              <a:gd name="connsiteX11" fmla="*/ 83820 w 1600963"/>
+              <a:gd name="connsiteY11" fmla="*/ 1399794 h 3017521"/>
+              <a:gd name="connsiteX12" fmla="*/ 259842 w 1600963"/>
+              <a:gd name="connsiteY12" fmla="*/ 670560 h 3017521"/>
+              <a:gd name="connsiteX13" fmla="*/ 894842 w 1600963"/>
+              <a:gd name="connsiteY13" fmla="*/ 591821 h 3017521"/>
+              <a:gd name="connsiteX14" fmla="*/ 798322 w 1600963"/>
+              <a:gd name="connsiteY14" fmla="*/ 826771 h 3017521"/>
+              <a:gd name="connsiteX15" fmla="*/ 938022 w 1600963"/>
+              <a:gd name="connsiteY15" fmla="*/ 918210 h 3017521"/>
+              <a:gd name="connsiteX16" fmla="*/ 762762 w 1600963"/>
+              <a:gd name="connsiteY16" fmla="*/ 1508760 h 3017521"/>
+              <a:gd name="connsiteX17" fmla="*/ 762762 w 1600963"/>
+              <a:gd name="connsiteY17" fmla="*/ 3017521 h 3017521"/>
+              <a:gd name="connsiteX18" fmla="*/ 1098042 w 1600963"/>
+              <a:gd name="connsiteY18" fmla="*/ 3017521 h 3017521"/>
+              <a:gd name="connsiteX19" fmla="*/ 1098042 w 1600963"/>
+              <a:gd name="connsiteY19" fmla="*/ 662178 h 3017521"/>
+              <a:gd name="connsiteX20" fmla="*/ 1274064 w 1600963"/>
+              <a:gd name="connsiteY20" fmla="*/ 1391412 h 3017521"/>
+              <a:gd name="connsiteX21" fmla="*/ 1433322 w 1600963"/>
+              <a:gd name="connsiteY21" fmla="*/ 1517142 h 3017521"/>
+              <a:gd name="connsiteX22" fmla="*/ 1600963 w 1600963"/>
+              <a:gd name="connsiteY22" fmla="*/ 1349502 h 3017521"/>
+              <a:gd name="connsiteX23" fmla="*/ 1592581 w 1600963"/>
+              <a:gd name="connsiteY23" fmla="*/ 1307592 h 3017521"/>
+              <a:gd name="connsiteX0" fmla="*/ 1542975 w 1551357"/>
+              <a:gd name="connsiteY0" fmla="*/ 1307592 h 3017521"/>
+              <a:gd name="connsiteX1" fmla="*/ 1308278 w 1551357"/>
+              <a:gd name="connsiteY1" fmla="*/ 310134 h 3017521"/>
+              <a:gd name="connsiteX2" fmla="*/ 1257986 w 1551357"/>
+              <a:gd name="connsiteY2" fmla="*/ 217932 h 3017521"/>
+              <a:gd name="connsiteX3" fmla="*/ 905942 w 1551357"/>
+              <a:gd name="connsiteY3" fmla="*/ 33528 h 3017521"/>
+              <a:gd name="connsiteX4" fmla="*/ 629336 w 1551357"/>
+              <a:gd name="connsiteY4" fmla="*/ 0 h 3017521"/>
+              <a:gd name="connsiteX5" fmla="*/ 352730 w 1551357"/>
+              <a:gd name="connsiteY5" fmla="*/ 41910 h 3017521"/>
+              <a:gd name="connsiteX6" fmla="*/ 686 w 1551357"/>
+              <a:gd name="connsiteY6" fmla="*/ 226314 h 3017521"/>
+              <a:gd name="connsiteX7" fmla="*/ 642544 w 1551357"/>
+              <a:gd name="connsiteY7" fmla="*/ 235966 h 3017521"/>
+              <a:gd name="connsiteX8" fmla="*/ 947598 w 1551357"/>
+              <a:gd name="connsiteY8" fmla="*/ 306324 h 3017521"/>
+              <a:gd name="connsiteX9" fmla="*/ 520116 w 1551357"/>
+              <a:gd name="connsiteY9" fmla="*/ 392684 h 3017521"/>
+              <a:gd name="connsiteX10" fmla="*/ 732206 w 1551357"/>
+              <a:gd name="connsiteY10" fmla="*/ 401575 h 3017521"/>
+              <a:gd name="connsiteX11" fmla="*/ 34214 w 1551357"/>
+              <a:gd name="connsiteY11" fmla="*/ 1399794 h 3017521"/>
+              <a:gd name="connsiteX12" fmla="*/ 210236 w 1551357"/>
+              <a:gd name="connsiteY12" fmla="*/ 670560 h 3017521"/>
+              <a:gd name="connsiteX13" fmla="*/ 845236 w 1551357"/>
+              <a:gd name="connsiteY13" fmla="*/ 591821 h 3017521"/>
+              <a:gd name="connsiteX14" fmla="*/ 748716 w 1551357"/>
+              <a:gd name="connsiteY14" fmla="*/ 826771 h 3017521"/>
+              <a:gd name="connsiteX15" fmla="*/ 888416 w 1551357"/>
+              <a:gd name="connsiteY15" fmla="*/ 918210 h 3017521"/>
+              <a:gd name="connsiteX16" fmla="*/ 713156 w 1551357"/>
+              <a:gd name="connsiteY16" fmla="*/ 1508760 h 3017521"/>
+              <a:gd name="connsiteX17" fmla="*/ 713156 w 1551357"/>
+              <a:gd name="connsiteY17" fmla="*/ 3017521 h 3017521"/>
+              <a:gd name="connsiteX18" fmla="*/ 1048436 w 1551357"/>
+              <a:gd name="connsiteY18" fmla="*/ 3017521 h 3017521"/>
+              <a:gd name="connsiteX19" fmla="*/ 1048436 w 1551357"/>
+              <a:gd name="connsiteY19" fmla="*/ 662178 h 3017521"/>
+              <a:gd name="connsiteX20" fmla="*/ 1224458 w 1551357"/>
+              <a:gd name="connsiteY20" fmla="*/ 1391412 h 3017521"/>
+              <a:gd name="connsiteX21" fmla="*/ 1383716 w 1551357"/>
+              <a:gd name="connsiteY21" fmla="*/ 1517142 h 3017521"/>
+              <a:gd name="connsiteX22" fmla="*/ 1551357 w 1551357"/>
+              <a:gd name="connsiteY22" fmla="*/ 1349502 h 3017521"/>
+              <a:gd name="connsiteX23" fmla="*/ 1542975 w 1551357"/>
+              <a:gd name="connsiteY23" fmla="*/ 1307592 h 3017521"/>
+              <a:gd name="connsiteX0" fmla="*/ 1509088 w 1517470"/>
+              <a:gd name="connsiteY0" fmla="*/ 1307592 h 3017521"/>
+              <a:gd name="connsiteX1" fmla="*/ 1274391 w 1517470"/>
+              <a:gd name="connsiteY1" fmla="*/ 310134 h 3017521"/>
+              <a:gd name="connsiteX2" fmla="*/ 1224099 w 1517470"/>
+              <a:gd name="connsiteY2" fmla="*/ 217932 h 3017521"/>
+              <a:gd name="connsiteX3" fmla="*/ 872055 w 1517470"/>
+              <a:gd name="connsiteY3" fmla="*/ 33528 h 3017521"/>
+              <a:gd name="connsiteX4" fmla="*/ 595449 w 1517470"/>
+              <a:gd name="connsiteY4" fmla="*/ 0 h 3017521"/>
+              <a:gd name="connsiteX5" fmla="*/ 318843 w 1517470"/>
+              <a:gd name="connsiteY5" fmla="*/ 41910 h 3017521"/>
+              <a:gd name="connsiteX6" fmla="*/ 779599 w 1517470"/>
+              <a:gd name="connsiteY6" fmla="*/ 188214 h 3017521"/>
+              <a:gd name="connsiteX7" fmla="*/ 608657 w 1517470"/>
+              <a:gd name="connsiteY7" fmla="*/ 235966 h 3017521"/>
+              <a:gd name="connsiteX8" fmla="*/ 913711 w 1517470"/>
+              <a:gd name="connsiteY8" fmla="*/ 306324 h 3017521"/>
+              <a:gd name="connsiteX9" fmla="*/ 486229 w 1517470"/>
+              <a:gd name="connsiteY9" fmla="*/ 392684 h 3017521"/>
+              <a:gd name="connsiteX10" fmla="*/ 698319 w 1517470"/>
+              <a:gd name="connsiteY10" fmla="*/ 401575 h 3017521"/>
+              <a:gd name="connsiteX11" fmla="*/ 327 w 1517470"/>
+              <a:gd name="connsiteY11" fmla="*/ 1399794 h 3017521"/>
+              <a:gd name="connsiteX12" fmla="*/ 176349 w 1517470"/>
+              <a:gd name="connsiteY12" fmla="*/ 670560 h 3017521"/>
+              <a:gd name="connsiteX13" fmla="*/ 811349 w 1517470"/>
+              <a:gd name="connsiteY13" fmla="*/ 591821 h 3017521"/>
+              <a:gd name="connsiteX14" fmla="*/ 714829 w 1517470"/>
+              <a:gd name="connsiteY14" fmla="*/ 826771 h 3017521"/>
+              <a:gd name="connsiteX15" fmla="*/ 854529 w 1517470"/>
+              <a:gd name="connsiteY15" fmla="*/ 918210 h 3017521"/>
+              <a:gd name="connsiteX16" fmla="*/ 679269 w 1517470"/>
+              <a:gd name="connsiteY16" fmla="*/ 1508760 h 3017521"/>
+              <a:gd name="connsiteX17" fmla="*/ 679269 w 1517470"/>
+              <a:gd name="connsiteY17" fmla="*/ 3017521 h 3017521"/>
+              <a:gd name="connsiteX18" fmla="*/ 1014549 w 1517470"/>
+              <a:gd name="connsiteY18" fmla="*/ 3017521 h 3017521"/>
+              <a:gd name="connsiteX19" fmla="*/ 1014549 w 1517470"/>
+              <a:gd name="connsiteY19" fmla="*/ 662178 h 3017521"/>
+              <a:gd name="connsiteX20" fmla="*/ 1190571 w 1517470"/>
+              <a:gd name="connsiteY20" fmla="*/ 1391412 h 3017521"/>
+              <a:gd name="connsiteX21" fmla="*/ 1349829 w 1517470"/>
+              <a:gd name="connsiteY21" fmla="*/ 1517142 h 3017521"/>
+              <a:gd name="connsiteX22" fmla="*/ 1517470 w 1517470"/>
+              <a:gd name="connsiteY22" fmla="*/ 1349502 h 3017521"/>
+              <a:gd name="connsiteX23" fmla="*/ 1509088 w 1517470"/>
+              <a:gd name="connsiteY23" fmla="*/ 1307592 h 3017521"/>
+              <a:gd name="connsiteX0" fmla="*/ 1332739 w 1341121"/>
+              <a:gd name="connsiteY0" fmla="*/ 1307592 h 3017521"/>
+              <a:gd name="connsiteX1" fmla="*/ 1098042 w 1341121"/>
+              <a:gd name="connsiteY1" fmla="*/ 310134 h 3017521"/>
+              <a:gd name="connsiteX2" fmla="*/ 1047750 w 1341121"/>
+              <a:gd name="connsiteY2" fmla="*/ 217932 h 3017521"/>
+              <a:gd name="connsiteX3" fmla="*/ 695706 w 1341121"/>
+              <a:gd name="connsiteY3" fmla="*/ 33528 h 3017521"/>
+              <a:gd name="connsiteX4" fmla="*/ 419100 w 1341121"/>
+              <a:gd name="connsiteY4" fmla="*/ 0 h 3017521"/>
+              <a:gd name="connsiteX5" fmla="*/ 142494 w 1341121"/>
+              <a:gd name="connsiteY5" fmla="*/ 41910 h 3017521"/>
+              <a:gd name="connsiteX6" fmla="*/ 603250 w 1341121"/>
+              <a:gd name="connsiteY6" fmla="*/ 188214 h 3017521"/>
+              <a:gd name="connsiteX7" fmla="*/ 432308 w 1341121"/>
+              <a:gd name="connsiteY7" fmla="*/ 235966 h 3017521"/>
+              <a:gd name="connsiteX8" fmla="*/ 737362 w 1341121"/>
+              <a:gd name="connsiteY8" fmla="*/ 306324 h 3017521"/>
+              <a:gd name="connsiteX9" fmla="*/ 309880 w 1341121"/>
+              <a:gd name="connsiteY9" fmla="*/ 392684 h 3017521"/>
+              <a:gd name="connsiteX10" fmla="*/ 521970 w 1341121"/>
+              <a:gd name="connsiteY10" fmla="*/ 401575 h 3017521"/>
+              <a:gd name="connsiteX11" fmla="*/ 712978 w 1341121"/>
+              <a:gd name="connsiteY11" fmla="*/ 561594 h 3017521"/>
+              <a:gd name="connsiteX12" fmla="*/ 0 w 1341121"/>
+              <a:gd name="connsiteY12" fmla="*/ 670560 h 3017521"/>
+              <a:gd name="connsiteX13" fmla="*/ 635000 w 1341121"/>
+              <a:gd name="connsiteY13" fmla="*/ 591821 h 3017521"/>
+              <a:gd name="connsiteX14" fmla="*/ 538480 w 1341121"/>
+              <a:gd name="connsiteY14" fmla="*/ 826771 h 3017521"/>
+              <a:gd name="connsiteX15" fmla="*/ 678180 w 1341121"/>
+              <a:gd name="connsiteY15" fmla="*/ 918210 h 3017521"/>
+              <a:gd name="connsiteX16" fmla="*/ 502920 w 1341121"/>
+              <a:gd name="connsiteY16" fmla="*/ 1508760 h 3017521"/>
+              <a:gd name="connsiteX17" fmla="*/ 502920 w 1341121"/>
+              <a:gd name="connsiteY17" fmla="*/ 3017521 h 3017521"/>
+              <a:gd name="connsiteX18" fmla="*/ 838200 w 1341121"/>
+              <a:gd name="connsiteY18" fmla="*/ 3017521 h 3017521"/>
+              <a:gd name="connsiteX19" fmla="*/ 838200 w 1341121"/>
+              <a:gd name="connsiteY19" fmla="*/ 662178 h 3017521"/>
+              <a:gd name="connsiteX20" fmla="*/ 1014222 w 1341121"/>
+              <a:gd name="connsiteY20" fmla="*/ 1391412 h 3017521"/>
+              <a:gd name="connsiteX21" fmla="*/ 1173480 w 1341121"/>
+              <a:gd name="connsiteY21" fmla="*/ 1517142 h 3017521"/>
+              <a:gd name="connsiteX22" fmla="*/ 1341121 w 1341121"/>
+              <a:gd name="connsiteY22" fmla="*/ 1349502 h 3017521"/>
+              <a:gd name="connsiteX23" fmla="*/ 1332739 w 1341121"/>
+              <a:gd name="connsiteY23" fmla="*/ 1307592 h 3017521"/>
+              <a:gd name="connsiteX0" fmla="*/ 1332739 w 1341121"/>
+              <a:gd name="connsiteY0" fmla="*/ 1307592 h 3017521"/>
+              <a:gd name="connsiteX1" fmla="*/ 1098042 w 1341121"/>
+              <a:gd name="connsiteY1" fmla="*/ 310134 h 3017521"/>
+              <a:gd name="connsiteX2" fmla="*/ 1047750 w 1341121"/>
+              <a:gd name="connsiteY2" fmla="*/ 217932 h 3017521"/>
+              <a:gd name="connsiteX3" fmla="*/ 695706 w 1341121"/>
+              <a:gd name="connsiteY3" fmla="*/ 33528 h 3017521"/>
+              <a:gd name="connsiteX4" fmla="*/ 419100 w 1341121"/>
+              <a:gd name="connsiteY4" fmla="*/ 0 h 3017521"/>
+              <a:gd name="connsiteX5" fmla="*/ 142494 w 1341121"/>
+              <a:gd name="connsiteY5" fmla="*/ 41910 h 3017521"/>
+              <a:gd name="connsiteX6" fmla="*/ 603250 w 1341121"/>
+              <a:gd name="connsiteY6" fmla="*/ 188214 h 3017521"/>
+              <a:gd name="connsiteX7" fmla="*/ 432308 w 1341121"/>
+              <a:gd name="connsiteY7" fmla="*/ 235966 h 3017521"/>
+              <a:gd name="connsiteX8" fmla="*/ 642112 w 1341121"/>
+              <a:gd name="connsiteY8" fmla="*/ 280924 h 3017521"/>
+              <a:gd name="connsiteX9" fmla="*/ 309880 w 1341121"/>
+              <a:gd name="connsiteY9" fmla="*/ 392684 h 3017521"/>
+              <a:gd name="connsiteX10" fmla="*/ 521970 w 1341121"/>
+              <a:gd name="connsiteY10" fmla="*/ 401575 h 3017521"/>
+              <a:gd name="connsiteX11" fmla="*/ 712978 w 1341121"/>
+              <a:gd name="connsiteY11" fmla="*/ 561594 h 3017521"/>
+              <a:gd name="connsiteX12" fmla="*/ 0 w 1341121"/>
+              <a:gd name="connsiteY12" fmla="*/ 670560 h 3017521"/>
+              <a:gd name="connsiteX13" fmla="*/ 635000 w 1341121"/>
+              <a:gd name="connsiteY13" fmla="*/ 591821 h 3017521"/>
+              <a:gd name="connsiteX14" fmla="*/ 538480 w 1341121"/>
+              <a:gd name="connsiteY14" fmla="*/ 826771 h 3017521"/>
+              <a:gd name="connsiteX15" fmla="*/ 678180 w 1341121"/>
+              <a:gd name="connsiteY15" fmla="*/ 918210 h 3017521"/>
+              <a:gd name="connsiteX16" fmla="*/ 502920 w 1341121"/>
+              <a:gd name="connsiteY16" fmla="*/ 1508760 h 3017521"/>
+              <a:gd name="connsiteX17" fmla="*/ 502920 w 1341121"/>
+              <a:gd name="connsiteY17" fmla="*/ 3017521 h 3017521"/>
+              <a:gd name="connsiteX18" fmla="*/ 838200 w 1341121"/>
+              <a:gd name="connsiteY18" fmla="*/ 3017521 h 3017521"/>
+              <a:gd name="connsiteX19" fmla="*/ 838200 w 1341121"/>
+              <a:gd name="connsiteY19" fmla="*/ 662178 h 3017521"/>
+              <a:gd name="connsiteX20" fmla="*/ 1014222 w 1341121"/>
+              <a:gd name="connsiteY20" fmla="*/ 1391412 h 3017521"/>
+              <a:gd name="connsiteX21" fmla="*/ 1173480 w 1341121"/>
+              <a:gd name="connsiteY21" fmla="*/ 1517142 h 3017521"/>
+              <a:gd name="connsiteX22" fmla="*/ 1341121 w 1341121"/>
+              <a:gd name="connsiteY22" fmla="*/ 1349502 h 3017521"/>
+              <a:gd name="connsiteX23" fmla="*/ 1332739 w 1341121"/>
+              <a:gd name="connsiteY23" fmla="*/ 1307592 h 3017521"/>
+            </a:gdLst>
+            <a:ahLst/>
+            <a:cxnLst>
+              <a:cxn ang="0">
+                <a:pos x="connsiteX0" y="connsiteY0"/>
+              </a:cxn>
+              <a:cxn ang="0">
+                <a:pos x="connsiteX1" y="connsiteY1"/>
+              </a:cxn>
+              <a:cxn ang="0">
+                <a:pos x="connsiteX2" y="connsiteY2"/>
+              </a:cxn>
+              <a:cxn ang="0">
+                <a:pos x="connsiteX3" y="connsiteY3"/>
+              </a:cxn>
+              <a:cxn ang="0">
+                <a:pos x="connsiteX4" y="connsiteY4"/>
+              </a:cxn>
+              <a:cxn ang="0">
+                <a:pos x="connsiteX5" y="connsiteY5"/>
+              </a:cxn>
+              <a:cxn ang="0">
+                <a:pos x="connsiteX6" y="connsiteY6"/>
+              </a:cxn>
+              <a:cxn ang="0">
+                <a:pos x="connsiteX7" y="connsiteY7"/>
+              </a:cxn>
+              <a:cxn ang="0">
+                <a:pos x="connsiteX8" y="connsiteY8"/>
+              </a:cxn>
+              <a:cxn ang="0">
+                <a:pos x="connsiteX9" y="connsiteY9"/>
+              </a:cxn>
+              <a:cxn ang="0">
+                <a:pos x="connsiteX10" y="connsiteY10"/>
+              </a:cxn>
+              <a:cxn ang="0">
+                <a:pos x="connsiteX11" y="connsiteY11"/>
+              </a:cxn>
+              <a:cxn ang="0">
+                <a:pos x="connsiteX12" y="connsiteY12"/>
+              </a:cxn>
+              <a:cxn ang="0">
+                <a:pos x="connsiteX13" y="connsiteY13"/>
+              </a:cxn>
+              <a:cxn ang="0">
+                <a:pos x="connsiteX14" y="connsiteY14"/>
+              </a:cxn>
+              <a:cxn ang="0">
+                <a:pos x="connsiteX15" y="connsiteY15"/>
+              </a:cxn>
+              <a:cxn ang="0">
+                <a:pos x="connsiteX16" y="connsiteY16"/>
+              </a:cxn>
+              <a:cxn ang="0">
+                <a:pos x="connsiteX17" y="connsiteY17"/>
+              </a:cxn>
+              <a:cxn ang="0">
+                <a:pos x="connsiteX18" y="connsiteY18"/>
+              </a:cxn>
+              <a:cxn ang="0">
+                <a:pos x="connsiteX19" y="connsiteY19"/>
+              </a:cxn>
+              <a:cxn ang="0">
+                <a:pos x="connsiteX20" y="connsiteY20"/>
+              </a:cxn>
+              <a:cxn ang="0">
+                <a:pos x="connsiteX21" y="connsiteY21"/>
+              </a:cxn>
+              <a:cxn ang="0">
+                <a:pos x="connsiteX22" y="connsiteY22"/>
+              </a:cxn>
+              <a:cxn ang="0">
+                <a:pos x="connsiteX23" y="connsiteY23"/>
+              </a:cxn>
+            </a:cxnLst>
+            <a:rect l="l" t="t" r="r" b="b"/>
+            <a:pathLst>
+              <a:path w="1341121" h="3017521">
+                <a:moveTo>
+                  <a:pt x="1332739" y="1307592"/>
+                </a:moveTo>
+                <a:lnTo>
+                  <a:pt x="1098042" y="310134"/>
+                </a:lnTo>
+                <a:cubicBezTo>
+                  <a:pt x="1089660" y="276606"/>
+                  <a:pt x="1072896" y="243078"/>
+                  <a:pt x="1047750" y="217932"/>
+                </a:cubicBezTo>
+                <a:cubicBezTo>
+                  <a:pt x="947166" y="134112"/>
+                  <a:pt x="829818" y="75438"/>
+                  <a:pt x="695706" y="33528"/>
+                </a:cubicBezTo>
+                <a:cubicBezTo>
+                  <a:pt x="603504" y="16764"/>
+                  <a:pt x="511302" y="0"/>
+                  <a:pt x="419100" y="0"/>
+                </a:cubicBezTo>
+                <a:cubicBezTo>
+                  <a:pt x="326898" y="0"/>
+                  <a:pt x="111802" y="10541"/>
+                  <a:pt x="142494" y="41910"/>
+                </a:cubicBezTo>
+                <a:cubicBezTo>
+                  <a:pt x="173186" y="73279"/>
+                  <a:pt x="703834" y="104394"/>
+                  <a:pt x="603250" y="188214"/>
+                </a:cubicBezTo>
+                <a:cubicBezTo>
+                  <a:pt x="578104" y="213360"/>
+                  <a:pt x="440690" y="202438"/>
+                  <a:pt x="432308" y="235966"/>
+                </a:cubicBezTo>
+                <a:lnTo>
+                  <a:pt x="642112" y="280924"/>
+                </a:lnTo>
+                <a:cubicBezTo>
+                  <a:pt x="642112" y="289306"/>
+                  <a:pt x="329904" y="372576"/>
+                  <a:pt x="309880" y="392684"/>
+                </a:cubicBezTo>
+                <a:cubicBezTo>
+                  <a:pt x="289856" y="412792"/>
+                  <a:pt x="454787" y="373423"/>
+                  <a:pt x="521970" y="401575"/>
+                </a:cubicBezTo>
+                <a:cubicBezTo>
+                  <a:pt x="589153" y="429727"/>
+                  <a:pt x="696214" y="628650"/>
+                  <a:pt x="712978" y="561594"/>
+                </a:cubicBezTo>
+                <a:lnTo>
+                  <a:pt x="0" y="670560"/>
+                </a:lnTo>
+                <a:lnTo>
+                  <a:pt x="635000" y="591821"/>
+                </a:lnTo>
+                <a:lnTo>
+                  <a:pt x="538480" y="826771"/>
+                </a:lnTo>
+                <a:lnTo>
+                  <a:pt x="678180" y="918210"/>
+                </a:lnTo>
+                <a:lnTo>
+                  <a:pt x="502920" y="1508760"/>
+                </a:lnTo>
+                <a:lnTo>
+                  <a:pt x="502920" y="3017521"/>
+                </a:lnTo>
+                <a:lnTo>
+                  <a:pt x="838200" y="3017521"/>
+                </a:lnTo>
+                <a:lnTo>
+                  <a:pt x="838200" y="662178"/>
+                </a:lnTo>
+                <a:lnTo>
+                  <a:pt x="1014222" y="1391412"/>
+                </a:lnTo>
+                <a:cubicBezTo>
+                  <a:pt x="1030986" y="1458468"/>
+                  <a:pt x="1098042" y="1517142"/>
+                  <a:pt x="1173480" y="1517142"/>
+                </a:cubicBezTo>
+                <a:cubicBezTo>
+                  <a:pt x="1265682" y="1517142"/>
+                  <a:pt x="1341121" y="1441704"/>
+                  <a:pt x="1341121" y="1349502"/>
+                </a:cubicBezTo>
+                <a:cubicBezTo>
+                  <a:pt x="1341121" y="1332738"/>
+                  <a:pt x="1332739" y="1315974"/>
+                  <a:pt x="1332739" y="1307592"/>
+                </a:cubicBezTo>
+                <a:close/>
+              </a:path>
+            </a:pathLst>
+          </a:custGeom>
+          <a:solidFill>
+            <a:srgbClr val="5723FB"/>
+          </a:solidFill>
+          <a:ln w="41870" cap="flat">
+            <a:noFill/>
+            <a:prstDash val="solid"/>
+            <a:miter/>
+          </a:ln>
+        </p:spPr>
+        <p:txBody>
+          <a:bodyPr rtlCol="0" anchor="ctr"/>
+          <a:lstStyle/>
+          <a:p>
+            <a:endParaRPr lang="de-AT"/>
+          </a:p>
+        </p:txBody>
+      </p:sp>
     </p:spTree>
     <p:extLst>
       <p:ext uri="{BB962C8B-B14F-4D97-AF65-F5344CB8AC3E}">
-        <p14:creationId xmlns:p14="http://schemas.microsoft.com/office/powerpoint/2010/main" val="2937690081"/>
+        <p14:creationId xmlns:p14="http://schemas.microsoft.com/office/powerpoint/2010/main" val="2375683402"/>
       </p:ext>
     </p:extLst>
   </p:cSld>
@@ -12195,6 +14704,162 @@
 </file>
 
 <file path=ppt/slides/slide11.xml><?xml version="1.0" encoding="utf-8"?>
+<p:sld xmlns:a="http://schemas.openxmlformats.org/drawingml/2006/main" xmlns:r="http://schemas.openxmlformats.org/officeDocument/2006/relationships" xmlns:p="http://schemas.openxmlformats.org/presentationml/2006/main">
+  <p:cSld>
+    <p:spTree>
+      <p:nvGrpSpPr>
+        <p:cNvPr id="1" name=""/>
+        <p:cNvGrpSpPr/>
+        <p:nvPr/>
+      </p:nvGrpSpPr>
+      <p:grpSpPr>
+        <a:xfrm>
+          <a:off x="0" y="0"/>
+          <a:ext cx="0" cy="0"/>
+          <a:chOff x="0" y="0"/>
+          <a:chExt cx="0" cy="0"/>
+        </a:xfrm>
+      </p:grpSpPr>
+      <p:pic>
+        <p:nvPicPr>
+          <p:cNvPr id="3" name="Grafik 2">
+            <a:extLst>
+              <a:ext uri="{FF2B5EF4-FFF2-40B4-BE49-F238E27FC236}">
+                <a16:creationId xmlns:a16="http://schemas.microsoft.com/office/drawing/2014/main" id="{8E56D17E-7738-0695-7337-87EFFE4DC955}"/>
+              </a:ext>
+            </a:extLst>
+          </p:cNvPr>
+          <p:cNvPicPr>
+            <a:picLocks noChangeAspect="1"/>
+          </p:cNvPicPr>
+          <p:nvPr/>
+        </p:nvPicPr>
+        <p:blipFill>
+          <a:blip r:embed="rId2"/>
+          <a:stretch>
+            <a:fillRect/>
+          </a:stretch>
+        </p:blipFill>
+        <p:spPr>
+          <a:xfrm>
+            <a:off x="1006076" y="774964"/>
+            <a:ext cx="10422498" cy="5308071"/>
+          </a:xfrm>
+          <a:prstGeom prst="rect">
+            <a:avLst/>
+          </a:prstGeom>
+        </p:spPr>
+      </p:pic>
+    </p:spTree>
+    <p:extLst>
+      <p:ext uri="{BB962C8B-B14F-4D97-AF65-F5344CB8AC3E}">
+        <p14:creationId xmlns:p14="http://schemas.microsoft.com/office/powerpoint/2010/main" val="1058218960"/>
+      </p:ext>
+    </p:extLst>
+  </p:cSld>
+  <p:clrMapOvr>
+    <a:masterClrMapping/>
+  </p:clrMapOvr>
+</p:sld>
+</file>
+
+<file path=ppt/slides/slide12.xml><?xml version="1.0" encoding="utf-8"?>
+<p:sld xmlns:a="http://schemas.openxmlformats.org/drawingml/2006/main" xmlns:r="http://schemas.openxmlformats.org/officeDocument/2006/relationships" xmlns:p="http://schemas.openxmlformats.org/presentationml/2006/main">
+  <p:cSld>
+    <p:spTree>
+      <p:nvGrpSpPr>
+        <p:cNvPr id="1" name="">
+          <a:extLst>
+            <a:ext uri="{FF2B5EF4-FFF2-40B4-BE49-F238E27FC236}">
+              <a16:creationId xmlns:a16="http://schemas.microsoft.com/office/drawing/2014/main" id="{4B7FA1C9-7065-9BB1-F618-B52F27CAA7E2}"/>
+            </a:ext>
+          </a:extLst>
+        </p:cNvPr>
+        <p:cNvGrpSpPr/>
+        <p:nvPr/>
+      </p:nvGrpSpPr>
+      <p:grpSpPr>
+        <a:xfrm>
+          <a:off x="0" y="0"/>
+          <a:ext cx="0" cy="0"/>
+          <a:chOff x="0" y="0"/>
+          <a:chExt cx="0" cy="0"/>
+        </a:xfrm>
+      </p:grpSpPr>
+      <p:pic>
+        <p:nvPicPr>
+          <p:cNvPr id="4" name="Grafik 3">
+            <a:extLst>
+              <a:ext uri="{FF2B5EF4-FFF2-40B4-BE49-F238E27FC236}">
+                <a16:creationId xmlns:a16="http://schemas.microsoft.com/office/drawing/2014/main" id="{BDCC4383-0DE2-9657-0D57-6DA7574B32A1}"/>
+              </a:ext>
+            </a:extLst>
+          </p:cNvPr>
+          <p:cNvPicPr>
+            <a:picLocks noChangeAspect="1"/>
+          </p:cNvPicPr>
+          <p:nvPr/>
+        </p:nvPicPr>
+        <p:blipFill>
+          <a:blip r:embed="rId2"/>
+          <a:stretch>
+            <a:fillRect/>
+          </a:stretch>
+        </p:blipFill>
+        <p:spPr>
+          <a:xfrm>
+            <a:off x="1224892" y="757319"/>
+            <a:ext cx="3838813" cy="3023870"/>
+          </a:xfrm>
+          <a:prstGeom prst="rect">
+            <a:avLst/>
+          </a:prstGeom>
+        </p:spPr>
+      </p:pic>
+      <p:pic>
+        <p:nvPicPr>
+          <p:cNvPr id="6" name="Grafik 5">
+            <a:extLst>
+              <a:ext uri="{FF2B5EF4-FFF2-40B4-BE49-F238E27FC236}">
+                <a16:creationId xmlns:a16="http://schemas.microsoft.com/office/drawing/2014/main" id="{FF23C9E6-9229-0D27-3602-53D8488FC56F}"/>
+              </a:ext>
+            </a:extLst>
+          </p:cNvPr>
+          <p:cNvPicPr>
+            <a:picLocks noChangeAspect="1"/>
+          </p:cNvPicPr>
+          <p:nvPr/>
+        </p:nvPicPr>
+        <p:blipFill>
+          <a:blip r:embed="rId3"/>
+          <a:stretch>
+            <a:fillRect/>
+          </a:stretch>
+        </p:blipFill>
+        <p:spPr>
+          <a:xfrm>
+            <a:off x="7006700" y="362309"/>
+            <a:ext cx="2662609" cy="6133381"/>
+          </a:xfrm>
+          <a:prstGeom prst="rect">
+            <a:avLst/>
+          </a:prstGeom>
+        </p:spPr>
+      </p:pic>
+    </p:spTree>
+    <p:extLst>
+      <p:ext uri="{BB962C8B-B14F-4D97-AF65-F5344CB8AC3E}">
+        <p14:creationId xmlns:p14="http://schemas.microsoft.com/office/powerpoint/2010/main" val="2214676664"/>
+      </p:ext>
+    </p:extLst>
+  </p:cSld>
+  <p:clrMapOvr>
+    <a:masterClrMapping/>
+  </p:clrMapOvr>
+</p:sld>
+</file>
+
+<file path=ppt/slides/slide13.xml><?xml version="1.0" encoding="utf-8"?>
 <p:sld xmlns:a="http://schemas.openxmlformats.org/drawingml/2006/main" xmlns:r="http://schemas.openxmlformats.org/officeDocument/2006/relationships" xmlns:p="http://schemas.openxmlformats.org/presentationml/2006/main">
   <p:cSld>
     <p:spTree>
@@ -12243,7 +14908,7 @@
           </a:lstStyle>
           <a:p>
             <a:r>
-              <a:rPr lang="de-DE" dirty="0"/>
+              <a:rPr lang="de-DE"/>
               <a:t>Das Design</a:t>
             </a:r>
           </a:p>
@@ -12298,7 +14963,7 @@
 </p:sld>
 </file>
 
-<file path=ppt/slides/slide12.xml><?xml version="1.0" encoding="utf-8"?>
+<file path=ppt/slides/slide14.xml><?xml version="1.0" encoding="utf-8"?>
 <p:sld xmlns:a="http://schemas.openxmlformats.org/drawingml/2006/main" xmlns:r="http://schemas.openxmlformats.org/officeDocument/2006/relationships" xmlns:p="http://schemas.openxmlformats.org/presentationml/2006/main">
   <p:cSld>
     <p:spTree>
@@ -12343,10 +15008,10 @@
           <a:lstStyle/>
           <a:p>
             <a:r>
-              <a:rPr lang="de-DE" dirty="0"/>
+              <a:rPr lang="de-DE"/>
               <a:t>Design</a:t>
             </a:r>
-            <a:endParaRPr lang="de-AT" dirty="0"/>
+            <a:endParaRPr lang="de-AT"/>
           </a:p>
         </p:txBody>
       </p:sp>
@@ -12376,7 +15041,7 @@
               <a:buChar char="-"/>
             </a:pPr>
             <a:r>
-              <a:rPr lang="de-DE" dirty="0"/>
+              <a:rPr lang="de-DE"/>
               <a:t>Benutzerfreundliche Oberfläche – Minimalistisch</a:t>
             </a:r>
           </a:p>
@@ -12386,7 +15051,7 @@
               <a:buChar char="-"/>
             </a:pPr>
             <a:r>
-              <a:rPr lang="de-DE" dirty="0"/>
+              <a:rPr lang="de-DE"/>
               <a:t>Fokus: schnelle Navigation</a:t>
             </a:r>
           </a:p>
@@ -12396,7 +15061,7 @@
               <a:buChar char="-"/>
             </a:pPr>
             <a:r>
-              <a:rPr lang="de-DE" dirty="0"/>
+              <a:rPr lang="de-DE"/>
               <a:t>Modernes, futuristisches Design</a:t>
             </a:r>
           </a:p>
@@ -12406,15 +15071,15 @@
               <a:buChar char="-"/>
             </a:pPr>
             <a:r>
-              <a:rPr lang="de-DE" dirty="0"/>
+              <a:rPr lang="de-DE"/>
               <a:t>Christian hat </a:t>
             </a:r>
             <a:r>
-              <a:rPr lang="de-DE" b="1" dirty="0"/>
+              <a:rPr lang="de-DE" b="1"/>
               <a:t>kein</a:t>
             </a:r>
             <a:r>
-              <a:rPr lang="de-DE" dirty="0"/>
+              <a:rPr lang="de-DE"/>
               <a:t> Geschmack</a:t>
             </a:r>
           </a:p>
@@ -12450,6 +15115,78 @@
           <a:xfrm>
             <a:off x="971818" y="890246"/>
             <a:ext cx="2089749" cy="2111746"/>
+          </a:xfrm>
+          <a:prstGeom prst="rect">
+            <a:avLst/>
+          </a:prstGeom>
+        </p:spPr>
+      </p:pic>
+      <p:pic>
+        <p:nvPicPr>
+          <p:cNvPr id="7" name="Grafik 6" descr="Papier mit einfarbiger Füllung">
+            <a:extLst>
+              <a:ext uri="{FF2B5EF4-FFF2-40B4-BE49-F238E27FC236}">
+                <a16:creationId xmlns:a16="http://schemas.microsoft.com/office/drawing/2014/main" id="{DEB13663-5C4E-DF3E-6592-C2D97A3BDF63}"/>
+              </a:ext>
+            </a:extLst>
+          </p:cNvPr>
+          <p:cNvPicPr>
+            <a:picLocks noChangeAspect="1"/>
+          </p:cNvPicPr>
+          <p:nvPr/>
+        </p:nvPicPr>
+        <p:blipFill>
+          <a:blip r:embed="rId4">
+            <a:extLst>
+              <a:ext uri="{96DAC541-7B7A-43D3-8B79-37D633B846F1}">
+                <asvg:svgBlip xmlns:asvg="http://schemas.microsoft.com/office/drawing/2016/SVG/main" r:embed="rId5"/>
+              </a:ext>
+            </a:extLst>
+          </a:blip>
+          <a:stretch>
+            <a:fillRect/>
+          </a:stretch>
+        </p:blipFill>
+        <p:spPr>
+          <a:xfrm rot="19990777">
+            <a:off x="8239084" y="2936834"/>
+            <a:ext cx="2944213" cy="2944213"/>
+          </a:xfrm>
+          <a:prstGeom prst="rect">
+            <a:avLst/>
+          </a:prstGeom>
+        </p:spPr>
+      </p:pic>
+      <p:pic>
+        <p:nvPicPr>
+          <p:cNvPr id="5" name="Grafik 4" descr="Stift mit einfarbiger Füllung">
+            <a:extLst>
+              <a:ext uri="{FF2B5EF4-FFF2-40B4-BE49-F238E27FC236}">
+                <a16:creationId xmlns:a16="http://schemas.microsoft.com/office/drawing/2014/main" id="{B35DA394-8A65-95D0-D052-5BC34ED3567F}"/>
+              </a:ext>
+            </a:extLst>
+          </p:cNvPr>
+          <p:cNvPicPr>
+            <a:picLocks noChangeAspect="1"/>
+          </p:cNvPicPr>
+          <p:nvPr/>
+        </p:nvPicPr>
+        <p:blipFill>
+          <a:blip r:embed="rId6">
+            <a:extLst>
+              <a:ext uri="{96DAC541-7B7A-43D3-8B79-37D633B846F1}">
+                <asvg:svgBlip xmlns:asvg="http://schemas.microsoft.com/office/drawing/2016/SVG/main" r:embed="rId7"/>
+              </a:ext>
+            </a:extLst>
+          </a:blip>
+          <a:stretch>
+            <a:fillRect/>
+          </a:stretch>
+        </p:blipFill>
+        <p:spPr>
+          <a:xfrm>
+            <a:off x="10081513" y="3296745"/>
+            <a:ext cx="1781250" cy="1781250"/>
           </a:xfrm>
           <a:prstGeom prst="rect">
             <a:avLst/>
@@ -12469,7 +15206,7 @@
 </p:sld>
 </file>
 
-<file path=ppt/slides/slide13.xml><?xml version="1.0" encoding="utf-8"?>
+<file path=ppt/slides/slide15.xml><?xml version="1.0" encoding="utf-8"?>
 <p:sld xmlns:a="http://schemas.openxmlformats.org/drawingml/2006/main" xmlns:r="http://schemas.openxmlformats.org/officeDocument/2006/relationships" xmlns:p="http://schemas.openxmlformats.org/presentationml/2006/main">
   <p:cSld>
     <p:spTree>
@@ -12486,6 +15223,58 @@
           <a:chExt cx="0" cy="0"/>
         </a:xfrm>
       </p:grpSpPr>
+      <p:sp>
+        <p:nvSpPr>
+          <p:cNvPr id="4" name="Rechteck 3">
+            <a:extLst>
+              <a:ext uri="{FF2B5EF4-FFF2-40B4-BE49-F238E27FC236}">
+                <a16:creationId xmlns:a16="http://schemas.microsoft.com/office/drawing/2014/main" id="{6E83C557-7134-D779-D0EF-5BA3FC792DF4}"/>
+              </a:ext>
+            </a:extLst>
+          </p:cNvPr>
+          <p:cNvSpPr/>
+          <p:nvPr/>
+        </p:nvSpPr>
+        <p:spPr>
+          <a:xfrm>
+            <a:off x="983520" y="201873"/>
+            <a:ext cx="6670876" cy="3848582"/>
+          </a:xfrm>
+          <a:prstGeom prst="rect">
+            <a:avLst/>
+          </a:prstGeom>
+          <a:solidFill>
+            <a:schemeClr val="bg1"/>
+          </a:solidFill>
+          <a:ln>
+            <a:noFill/>
+          </a:ln>
+        </p:spPr>
+        <p:style>
+          <a:lnRef idx="2">
+            <a:schemeClr val="accent1">
+              <a:shade val="15000"/>
+            </a:schemeClr>
+          </a:lnRef>
+          <a:fillRef idx="1">
+            <a:schemeClr val="accent1"/>
+          </a:fillRef>
+          <a:effectRef idx="0">
+            <a:schemeClr val="accent1"/>
+          </a:effectRef>
+          <a:fontRef idx="minor">
+            <a:schemeClr val="lt1"/>
+          </a:fontRef>
+        </p:style>
+        <p:txBody>
+          <a:bodyPr rtlCol="0" anchor="ctr"/>
+          <a:lstStyle/>
+          <a:p>
+            <a:pPr algn="ctr"/>
+            <a:endParaRPr lang="de-AT"/>
+          </a:p>
+        </p:txBody>
+      </p:sp>
       <p:pic>
         <p:nvPicPr>
           <p:cNvPr id="8" name="Grafik 7">
@@ -12516,6 +15305,58 @@
           </a:prstGeom>
         </p:spPr>
       </p:pic>
+      <p:sp>
+        <p:nvSpPr>
+          <p:cNvPr id="2" name="Rechteck 1">
+            <a:extLst>
+              <a:ext uri="{FF2B5EF4-FFF2-40B4-BE49-F238E27FC236}">
+                <a16:creationId xmlns:a16="http://schemas.microsoft.com/office/drawing/2014/main" id="{E4702C1C-C233-16BF-09AE-43007843B7C5}"/>
+              </a:ext>
+            </a:extLst>
+          </p:cNvPr>
+          <p:cNvSpPr/>
+          <p:nvPr/>
+        </p:nvSpPr>
+        <p:spPr>
+          <a:xfrm>
+            <a:off x="5521124" y="2320725"/>
+            <a:ext cx="6670876" cy="3848582"/>
+          </a:xfrm>
+          <a:prstGeom prst="rect">
+            <a:avLst/>
+          </a:prstGeom>
+          <a:solidFill>
+            <a:schemeClr val="bg1"/>
+          </a:solidFill>
+          <a:ln>
+            <a:noFill/>
+          </a:ln>
+        </p:spPr>
+        <p:style>
+          <a:lnRef idx="2">
+            <a:schemeClr val="accent1">
+              <a:shade val="15000"/>
+            </a:schemeClr>
+          </a:lnRef>
+          <a:fillRef idx="1">
+            <a:schemeClr val="accent1"/>
+          </a:fillRef>
+          <a:effectRef idx="0">
+            <a:schemeClr val="accent1"/>
+          </a:effectRef>
+          <a:fontRef idx="minor">
+            <a:schemeClr val="lt1"/>
+          </a:fontRef>
+        </p:style>
+        <p:txBody>
+          <a:bodyPr rtlCol="0" anchor="ctr"/>
+          <a:lstStyle/>
+          <a:p>
+            <a:pPr algn="ctr"/>
+            <a:endParaRPr lang="de-AT"/>
+          </a:p>
+        </p:txBody>
+      </p:sp>
       <p:pic>
         <p:nvPicPr>
           <p:cNvPr id="10" name="Grafik 9">
@@ -12546,6 +15387,58 @@
           </a:prstGeom>
         </p:spPr>
       </p:pic>
+      <p:sp>
+        <p:nvSpPr>
+          <p:cNvPr id="3" name="Rechteck 2">
+            <a:extLst>
+              <a:ext uri="{FF2B5EF4-FFF2-40B4-BE49-F238E27FC236}">
+                <a16:creationId xmlns:a16="http://schemas.microsoft.com/office/drawing/2014/main" id="{126C66BF-F670-5817-7233-D11BF26A50D6}"/>
+              </a:ext>
+            </a:extLst>
+          </p:cNvPr>
+          <p:cNvSpPr/>
+          <p:nvPr/>
+        </p:nvSpPr>
+        <p:spPr>
+          <a:xfrm>
+            <a:off x="1498365" y="3429000"/>
+            <a:ext cx="4737253" cy="3154680"/>
+          </a:xfrm>
+          <a:prstGeom prst="rect">
+            <a:avLst/>
+          </a:prstGeom>
+          <a:solidFill>
+            <a:schemeClr val="bg1"/>
+          </a:solidFill>
+          <a:ln>
+            <a:noFill/>
+          </a:ln>
+        </p:spPr>
+        <p:style>
+          <a:lnRef idx="2">
+            <a:schemeClr val="accent1">
+              <a:shade val="15000"/>
+            </a:schemeClr>
+          </a:lnRef>
+          <a:fillRef idx="1">
+            <a:schemeClr val="accent1"/>
+          </a:fillRef>
+          <a:effectRef idx="0">
+            <a:schemeClr val="accent1"/>
+          </a:effectRef>
+          <a:fontRef idx="minor">
+            <a:schemeClr val="lt1"/>
+          </a:fontRef>
+        </p:style>
+        <p:txBody>
+          <a:bodyPr rtlCol="0" anchor="ctr"/>
+          <a:lstStyle/>
+          <a:p>
+            <a:pPr algn="ctr"/>
+            <a:endParaRPr lang="de-AT"/>
+          </a:p>
+        </p:txBody>
+      </p:sp>
       <p:pic>
         <p:nvPicPr>
           <p:cNvPr id="12" name="Grafik 11">
@@ -12589,7 +15482,7 @@
 </p:sld>
 </file>
 
-<file path=ppt/slides/slide14.xml><?xml version="1.0" encoding="utf-8"?>
+<file path=ppt/slides/slide16.xml><?xml version="1.0" encoding="utf-8"?>
 <p:sld xmlns:a="http://schemas.openxmlformats.org/drawingml/2006/main" xmlns:r="http://schemas.openxmlformats.org/officeDocument/2006/relationships" xmlns:p="http://schemas.openxmlformats.org/presentationml/2006/main">
   <p:cSld>
     <p:spTree>
@@ -12633,7 +15526,7 @@
           <a:p>
             <a:pPr rtl="0"/>
             <a:r>
-              <a:rPr lang="de-DE" dirty="0"/>
+              <a:rPr lang="de-DE"/>
               <a:t>Live Demo</a:t>
             </a:r>
           </a:p>
@@ -12652,7 +15545,805 @@
 </p:sld>
 </file>
 
-<file path=ppt/slides/slide15.xml><?xml version="1.0" encoding="utf-8"?>
+<file path=ppt/slides/slide17.xml><?xml version="1.0" encoding="utf-8"?>
+<p:sld xmlns:a="http://schemas.openxmlformats.org/drawingml/2006/main" xmlns:r="http://schemas.openxmlformats.org/officeDocument/2006/relationships" xmlns:p="http://schemas.openxmlformats.org/presentationml/2006/main">
+  <p:cSld>
+    <p:spTree>
+      <p:nvGrpSpPr>
+        <p:cNvPr id="1" name="">
+          <a:extLst>
+            <a:ext uri="{FF2B5EF4-FFF2-40B4-BE49-F238E27FC236}">
+              <a16:creationId xmlns:a16="http://schemas.microsoft.com/office/drawing/2014/main" id="{A29C9AA5-09D7-F70A-8582-84F541D24D22}"/>
+            </a:ext>
+          </a:extLst>
+        </p:cNvPr>
+        <p:cNvGrpSpPr/>
+        <p:nvPr/>
+      </p:nvGrpSpPr>
+      <p:grpSpPr>
+        <a:xfrm>
+          <a:off x="0" y="0"/>
+          <a:ext cx="0" cy="0"/>
+          <a:chOff x="0" y="0"/>
+          <a:chExt cx="0" cy="0"/>
+        </a:xfrm>
+      </p:grpSpPr>
+      <p:sp>
+        <p:nvSpPr>
+          <p:cNvPr id="2" name="Titel 1">
+            <a:extLst>
+              <a:ext uri="{FF2B5EF4-FFF2-40B4-BE49-F238E27FC236}">
+                <a16:creationId xmlns:a16="http://schemas.microsoft.com/office/drawing/2014/main" id="{B5832BC3-FF1A-8B17-BA53-09A27AE4AFF8}"/>
+              </a:ext>
+            </a:extLst>
+          </p:cNvPr>
+          <p:cNvSpPr>
+            <a:spLocks noGrp="1"/>
+          </p:cNvSpPr>
+          <p:nvPr>
+            <p:ph type="ctrTitle"/>
+          </p:nvPr>
+        </p:nvSpPr>
+        <p:spPr/>
+        <p:txBody>
+          <a:bodyPr rtlCol="0"/>
+          <a:lstStyle>
+            <a:defPPr>
+              <a:defRPr lang="de-DE"/>
+            </a:defPPr>
+          </a:lstStyle>
+          <a:p>
+            <a:r>
+              <a:rPr lang="de-DE"/>
+              <a:t>Blick in die Zukunft</a:t>
+            </a:r>
+          </a:p>
+        </p:txBody>
+      </p:sp>
+      <p:pic>
+        <p:nvPicPr>
+          <p:cNvPr id="7" name="Grafik 6">
+            <a:extLst>
+              <a:ext uri="{FF2B5EF4-FFF2-40B4-BE49-F238E27FC236}">
+                <a16:creationId xmlns:a16="http://schemas.microsoft.com/office/drawing/2014/main" id="{214956BE-C0B4-8E40-4BA3-067F34CCD3FC}"/>
+              </a:ext>
+            </a:extLst>
+          </p:cNvPr>
+          <p:cNvPicPr>
+            <a:picLocks noChangeAspect="1"/>
+          </p:cNvPicPr>
+          <p:nvPr/>
+        </p:nvPicPr>
+        <p:blipFill>
+          <a:blip r:embed="rId3">
+            <a:extLst>
+              <a:ext uri="{96DAC541-7B7A-43D3-8B79-37D633B846F1}">
+                <asvg:svgBlip xmlns:asvg="http://schemas.microsoft.com/office/drawing/2016/SVG/main" r:embed="rId4"/>
+              </a:ext>
+            </a:extLst>
+          </a:blip>
+          <a:stretch>
+            <a:fillRect/>
+          </a:stretch>
+        </p:blipFill>
+        <p:spPr>
+          <a:xfrm>
+            <a:off x="8053072" y="3152591"/>
+            <a:ext cx="3342422" cy="3377605"/>
+          </a:xfrm>
+          <a:prstGeom prst="rect">
+            <a:avLst/>
+          </a:prstGeom>
+        </p:spPr>
+      </p:pic>
+    </p:spTree>
+    <p:extLst>
+      <p:ext uri="{BB962C8B-B14F-4D97-AF65-F5344CB8AC3E}">
+        <p14:creationId xmlns:p14="http://schemas.microsoft.com/office/powerpoint/2010/main" val="2086183247"/>
+      </p:ext>
+    </p:extLst>
+  </p:cSld>
+  <p:clrMapOvr>
+    <a:masterClrMapping/>
+  </p:clrMapOvr>
+</p:sld>
+</file>
+
+<file path=ppt/slides/slide18.xml><?xml version="1.0" encoding="utf-8"?>
+<p:sld xmlns:a="http://schemas.openxmlformats.org/drawingml/2006/main" xmlns:r="http://schemas.openxmlformats.org/officeDocument/2006/relationships" xmlns:p="http://schemas.openxmlformats.org/presentationml/2006/main">
+  <p:cSld>
+    <p:spTree>
+      <p:nvGrpSpPr>
+        <p:cNvPr id="1" name="">
+          <a:extLst>
+            <a:ext uri="{FF2B5EF4-FFF2-40B4-BE49-F238E27FC236}">
+              <a16:creationId xmlns:a16="http://schemas.microsoft.com/office/drawing/2014/main" id="{FBD9B6CD-3CB1-CAEF-4CEC-F6742FF669CE}"/>
+            </a:ext>
+          </a:extLst>
+        </p:cNvPr>
+        <p:cNvGrpSpPr/>
+        <p:nvPr/>
+      </p:nvGrpSpPr>
+      <p:grpSpPr>
+        <a:xfrm>
+          <a:off x="0" y="0"/>
+          <a:ext cx="0" cy="0"/>
+          <a:chOff x="0" y="0"/>
+          <a:chExt cx="0" cy="0"/>
+        </a:xfrm>
+      </p:grpSpPr>
+      <p:sp>
+        <p:nvSpPr>
+          <p:cNvPr id="2" name="Titel 1">
+            <a:extLst>
+              <a:ext uri="{FF2B5EF4-FFF2-40B4-BE49-F238E27FC236}">
+                <a16:creationId xmlns:a16="http://schemas.microsoft.com/office/drawing/2014/main" id="{95064549-A466-776D-6867-2E6D9EE26E07}"/>
+              </a:ext>
+            </a:extLst>
+          </p:cNvPr>
+          <p:cNvSpPr>
+            <a:spLocks noGrp="1"/>
+          </p:cNvSpPr>
+          <p:nvPr>
+            <p:ph type="title"/>
+          </p:nvPr>
+        </p:nvSpPr>
+        <p:spPr/>
+        <p:txBody>
+          <a:bodyPr/>
+          <a:lstStyle/>
+          <a:p>
+            <a:r>
+              <a:rPr lang="de-DE"/>
+              <a:t>Blick in die Zukunft</a:t>
+            </a:r>
+            <a:endParaRPr lang="de-AT"/>
+          </a:p>
+        </p:txBody>
+      </p:sp>
+      <p:sp>
+        <p:nvSpPr>
+          <p:cNvPr id="4" name="Inhaltsplatzhalter 3">
+            <a:extLst>
+              <a:ext uri="{FF2B5EF4-FFF2-40B4-BE49-F238E27FC236}">
+                <a16:creationId xmlns:a16="http://schemas.microsoft.com/office/drawing/2014/main" id="{206757E1-778C-3F94-C186-19485C3EB4FC}"/>
+              </a:ext>
+            </a:extLst>
+          </p:cNvPr>
+          <p:cNvSpPr>
+            <a:spLocks noGrp="1"/>
+          </p:cNvSpPr>
+          <p:nvPr>
+            <p:ph idx="1"/>
+          </p:nvPr>
+        </p:nvSpPr>
+        <p:spPr>
+          <a:xfrm>
+            <a:off x="4114800" y="2194560"/>
+            <a:ext cx="5911850" cy="4309834"/>
+          </a:xfrm>
+        </p:spPr>
+        <p:txBody>
+          <a:bodyPr/>
+          <a:lstStyle/>
+          <a:p>
+            <a:pPr marL="285750" indent="-285750">
+              <a:buFontTx/>
+              <a:buChar char="-"/>
+            </a:pPr>
+            <a:r>
+              <a:rPr lang="de-DE"/>
+              <a:t>Alternative API für Musik einbinden</a:t>
+            </a:r>
+          </a:p>
+          <a:p>
+            <a:pPr marL="285750" indent="-285750">
+              <a:buFontTx/>
+              <a:buChar char="-"/>
+            </a:pPr>
+            <a:r>
+              <a:rPr lang="de-DE"/>
+              <a:t>Falls keine Musik-API möglich ist: mehr lokale Songs einbinden</a:t>
+            </a:r>
+          </a:p>
+          <a:p>
+            <a:pPr marL="285750" indent="-285750">
+              <a:buFontTx/>
+              <a:buChar char="-"/>
+            </a:pPr>
+            <a:r>
+              <a:rPr lang="de-DE" err="1"/>
+              <a:t>Leaderboard</a:t>
+            </a:r>
+            <a:r>
+              <a:rPr lang="de-DE"/>
+              <a:t> System</a:t>
+            </a:r>
+          </a:p>
+          <a:p>
+            <a:pPr marL="285750" indent="-285750">
+              <a:buFontTx/>
+              <a:buChar char="-"/>
+            </a:pPr>
+            <a:r>
+              <a:rPr lang="de-DE"/>
+              <a:t>Songs nach Kategorien, Jahrzehnt, etc. gefiltert</a:t>
+            </a:r>
+          </a:p>
+          <a:p>
+            <a:pPr marL="285750" indent="-285750">
+              <a:buFontTx/>
+              <a:buChar char="-"/>
+            </a:pPr>
+            <a:r>
+              <a:rPr lang="de-DE"/>
+              <a:t>Optional: User können selbst Songs hinzufügen</a:t>
+            </a:r>
+          </a:p>
+          <a:p>
+            <a:pPr marL="285750" indent="-285750">
+              <a:buFontTx/>
+              <a:buChar char="-"/>
+            </a:pPr>
+            <a:r>
+              <a:rPr lang="de-DE"/>
+              <a:t>Optional: Multiplayer (mit Freunden spielen)</a:t>
+            </a:r>
+          </a:p>
+        </p:txBody>
+      </p:sp>
+      <p:pic>
+        <p:nvPicPr>
+          <p:cNvPr id="10" name="Grafik 9">
+            <a:extLst>
+              <a:ext uri="{FF2B5EF4-FFF2-40B4-BE49-F238E27FC236}">
+                <a16:creationId xmlns:a16="http://schemas.microsoft.com/office/drawing/2014/main" id="{FF34C802-8672-BEA6-925C-39ACAFD02955}"/>
+              </a:ext>
+            </a:extLst>
+          </p:cNvPr>
+          <p:cNvPicPr>
+            <a:picLocks noChangeAspect="1"/>
+          </p:cNvPicPr>
+          <p:nvPr/>
+        </p:nvPicPr>
+        <p:blipFill>
+          <a:blip r:embed="rId2">
+            <a:extLst>
+              <a:ext uri="{96DAC541-7B7A-43D3-8B79-37D633B846F1}">
+                <asvg:svgBlip xmlns:asvg="http://schemas.microsoft.com/office/drawing/2016/SVG/main" r:embed="rId3"/>
+              </a:ext>
+            </a:extLst>
+          </a:blip>
+          <a:stretch>
+            <a:fillRect/>
+          </a:stretch>
+        </p:blipFill>
+        <p:spPr>
+          <a:xfrm>
+            <a:off x="971818" y="890246"/>
+            <a:ext cx="2089749" cy="2111746"/>
+          </a:xfrm>
+          <a:prstGeom prst="rect">
+            <a:avLst/>
+          </a:prstGeom>
+        </p:spPr>
+      </p:pic>
+      <p:pic>
+        <p:nvPicPr>
+          <p:cNvPr id="5" name="Grafik 4" descr="Zukunft mit einfarbiger Füllung">
+            <a:extLst>
+              <a:ext uri="{FF2B5EF4-FFF2-40B4-BE49-F238E27FC236}">
+                <a16:creationId xmlns:a16="http://schemas.microsoft.com/office/drawing/2014/main" id="{2BF3490C-8BAC-F7DC-709F-16BAF9334FD9}"/>
+              </a:ext>
+            </a:extLst>
+          </p:cNvPr>
+          <p:cNvPicPr>
+            <a:picLocks noChangeAspect="1"/>
+          </p:cNvPicPr>
+          <p:nvPr/>
+        </p:nvPicPr>
+        <p:blipFill>
+          <a:blip r:embed="rId4">
+            <a:extLst>
+              <a:ext uri="{96DAC541-7B7A-43D3-8B79-37D633B846F1}">
+                <asvg:svgBlip xmlns:asvg="http://schemas.microsoft.com/office/drawing/2016/SVG/main" r:embed="rId5"/>
+              </a:ext>
+            </a:extLst>
+          </a:blip>
+          <a:stretch>
+            <a:fillRect/>
+          </a:stretch>
+        </p:blipFill>
+        <p:spPr>
+          <a:xfrm>
+            <a:off x="9860777" y="1537182"/>
+            <a:ext cx="1747345" cy="1747345"/>
+          </a:xfrm>
+          <a:prstGeom prst="rect">
+            <a:avLst/>
+          </a:prstGeom>
+        </p:spPr>
+      </p:pic>
+      <p:sp>
+        <p:nvSpPr>
+          <p:cNvPr id="20" name="Freihandform: Form 19">
+            <a:extLst>
+              <a:ext uri="{FF2B5EF4-FFF2-40B4-BE49-F238E27FC236}">
+                <a16:creationId xmlns:a16="http://schemas.microsoft.com/office/drawing/2014/main" id="{C1D26090-99E7-16C8-1A29-1C0587285274}"/>
+              </a:ext>
+            </a:extLst>
+          </p:cNvPr>
+          <p:cNvSpPr/>
+          <p:nvPr/>
+        </p:nvSpPr>
+        <p:spPr>
+          <a:xfrm>
+            <a:off x="1665017" y="5095613"/>
+            <a:ext cx="1138409" cy="1408781"/>
+          </a:xfrm>
+          <a:custGeom>
+            <a:avLst/>
+            <a:gdLst>
+              <a:gd name="connsiteX0" fmla="*/ 676947 w 1138409"/>
+              <a:gd name="connsiteY0" fmla="*/ 380147 h 1408781"/>
+              <a:gd name="connsiteX1" fmla="*/ 1138410 w 1138409"/>
+              <a:gd name="connsiteY1" fmla="*/ 187024 h 1408781"/>
+              <a:gd name="connsiteX2" fmla="*/ 1061160 w 1138409"/>
+              <a:gd name="connsiteY2" fmla="*/ 0 h 1408781"/>
+              <a:gd name="connsiteX3" fmla="*/ 0 w 1138409"/>
+              <a:gd name="connsiteY3" fmla="*/ 439101 h 1408781"/>
+              <a:gd name="connsiteX4" fmla="*/ 77249 w 1138409"/>
+              <a:gd name="connsiteY4" fmla="*/ 626125 h 1408781"/>
+              <a:gd name="connsiteX5" fmla="*/ 557007 w 1138409"/>
+              <a:gd name="connsiteY5" fmla="*/ 426904 h 1408781"/>
+              <a:gd name="connsiteX6" fmla="*/ 207353 w 1138409"/>
+              <a:gd name="connsiteY6" fmla="*/ 1270546 h 1408781"/>
+              <a:gd name="connsiteX7" fmla="*/ 229715 w 1138409"/>
+              <a:gd name="connsiteY7" fmla="*/ 1323401 h 1408781"/>
+              <a:gd name="connsiteX8" fmla="*/ 245978 w 1138409"/>
+              <a:gd name="connsiteY8" fmla="*/ 1327467 h 1408781"/>
+              <a:gd name="connsiteX9" fmla="*/ 282569 w 1138409"/>
+              <a:gd name="connsiteY9" fmla="*/ 1303072 h 1408781"/>
+              <a:gd name="connsiteX10" fmla="*/ 457397 w 1138409"/>
+              <a:gd name="connsiteY10" fmla="*/ 880234 h 1408781"/>
+              <a:gd name="connsiteX11" fmla="*/ 585468 w 1138409"/>
+              <a:gd name="connsiteY11" fmla="*/ 880234 h 1408781"/>
+              <a:gd name="connsiteX12" fmla="*/ 585468 w 1138409"/>
+              <a:gd name="connsiteY12" fmla="*/ 1368124 h 1408781"/>
+              <a:gd name="connsiteX13" fmla="*/ 626125 w 1138409"/>
+              <a:gd name="connsiteY13" fmla="*/ 1408782 h 1408781"/>
+              <a:gd name="connsiteX14" fmla="*/ 666783 w 1138409"/>
+              <a:gd name="connsiteY14" fmla="*/ 1368124 h 1408781"/>
+              <a:gd name="connsiteX15" fmla="*/ 666783 w 1138409"/>
+              <a:gd name="connsiteY15" fmla="*/ 880234 h 1408781"/>
+              <a:gd name="connsiteX16" fmla="*/ 794854 w 1138409"/>
+              <a:gd name="connsiteY16" fmla="*/ 880234 h 1408781"/>
+              <a:gd name="connsiteX17" fmla="*/ 969681 w 1138409"/>
+              <a:gd name="connsiteY17" fmla="*/ 1303072 h 1408781"/>
+              <a:gd name="connsiteX18" fmla="*/ 1006273 w 1138409"/>
+              <a:gd name="connsiteY18" fmla="*/ 1327467 h 1408781"/>
+              <a:gd name="connsiteX19" fmla="*/ 1022536 w 1138409"/>
+              <a:gd name="connsiteY19" fmla="*/ 1323401 h 1408781"/>
+              <a:gd name="connsiteX20" fmla="*/ 1044897 w 1138409"/>
+              <a:gd name="connsiteY20" fmla="*/ 1270546 h 1408781"/>
+              <a:gd name="connsiteX21" fmla="*/ 676947 w 1138409"/>
+              <a:gd name="connsiteY21" fmla="*/ 380147 h 1408781"/>
+              <a:gd name="connsiteX22" fmla="*/ 491955 w 1138409"/>
+              <a:gd name="connsiteY22" fmla="*/ 798919 h 1408781"/>
+              <a:gd name="connsiteX23" fmla="*/ 585468 w 1138409"/>
+              <a:gd name="connsiteY23" fmla="*/ 571238 h 1408781"/>
+              <a:gd name="connsiteX24" fmla="*/ 585468 w 1138409"/>
+              <a:gd name="connsiteY24" fmla="*/ 798919 h 1408781"/>
+              <a:gd name="connsiteX25" fmla="*/ 491955 w 1138409"/>
+              <a:gd name="connsiteY25" fmla="*/ 798919 h 1408781"/>
+              <a:gd name="connsiteX26" fmla="*/ 666783 w 1138409"/>
+              <a:gd name="connsiteY26" fmla="*/ 798919 h 1408781"/>
+              <a:gd name="connsiteX27" fmla="*/ 666783 w 1138409"/>
+              <a:gd name="connsiteY27" fmla="*/ 571238 h 1408781"/>
+              <a:gd name="connsiteX28" fmla="*/ 762328 w 1138409"/>
+              <a:gd name="connsiteY28" fmla="*/ 798919 h 1408781"/>
+              <a:gd name="connsiteX29" fmla="*/ 666783 w 1138409"/>
+              <a:gd name="connsiteY29" fmla="*/ 798919 h 1408781"/>
+            </a:gdLst>
+            <a:ahLst/>
+            <a:cxnLst>
+              <a:cxn ang="0">
+                <a:pos x="connsiteX0" y="connsiteY0"/>
+              </a:cxn>
+              <a:cxn ang="0">
+                <a:pos x="connsiteX1" y="connsiteY1"/>
+              </a:cxn>
+              <a:cxn ang="0">
+                <a:pos x="connsiteX2" y="connsiteY2"/>
+              </a:cxn>
+              <a:cxn ang="0">
+                <a:pos x="connsiteX3" y="connsiteY3"/>
+              </a:cxn>
+              <a:cxn ang="0">
+                <a:pos x="connsiteX4" y="connsiteY4"/>
+              </a:cxn>
+              <a:cxn ang="0">
+                <a:pos x="connsiteX5" y="connsiteY5"/>
+              </a:cxn>
+              <a:cxn ang="0">
+                <a:pos x="connsiteX6" y="connsiteY6"/>
+              </a:cxn>
+              <a:cxn ang="0">
+                <a:pos x="connsiteX7" y="connsiteY7"/>
+              </a:cxn>
+              <a:cxn ang="0">
+                <a:pos x="connsiteX8" y="connsiteY8"/>
+              </a:cxn>
+              <a:cxn ang="0">
+                <a:pos x="connsiteX9" y="connsiteY9"/>
+              </a:cxn>
+              <a:cxn ang="0">
+                <a:pos x="connsiteX10" y="connsiteY10"/>
+              </a:cxn>
+              <a:cxn ang="0">
+                <a:pos x="connsiteX11" y="connsiteY11"/>
+              </a:cxn>
+              <a:cxn ang="0">
+                <a:pos x="connsiteX12" y="connsiteY12"/>
+              </a:cxn>
+              <a:cxn ang="0">
+                <a:pos x="connsiteX13" y="connsiteY13"/>
+              </a:cxn>
+              <a:cxn ang="0">
+                <a:pos x="connsiteX14" y="connsiteY14"/>
+              </a:cxn>
+              <a:cxn ang="0">
+                <a:pos x="connsiteX15" y="connsiteY15"/>
+              </a:cxn>
+              <a:cxn ang="0">
+                <a:pos x="connsiteX16" y="connsiteY16"/>
+              </a:cxn>
+              <a:cxn ang="0">
+                <a:pos x="connsiteX17" y="connsiteY17"/>
+              </a:cxn>
+              <a:cxn ang="0">
+                <a:pos x="connsiteX18" y="connsiteY18"/>
+              </a:cxn>
+              <a:cxn ang="0">
+                <a:pos x="connsiteX19" y="connsiteY19"/>
+              </a:cxn>
+              <a:cxn ang="0">
+                <a:pos x="connsiteX20" y="connsiteY20"/>
+              </a:cxn>
+              <a:cxn ang="0">
+                <a:pos x="connsiteX21" y="connsiteY21"/>
+              </a:cxn>
+              <a:cxn ang="0">
+                <a:pos x="connsiteX22" y="connsiteY22"/>
+              </a:cxn>
+              <a:cxn ang="0">
+                <a:pos x="connsiteX23" y="connsiteY23"/>
+              </a:cxn>
+              <a:cxn ang="0">
+                <a:pos x="connsiteX24" y="connsiteY24"/>
+              </a:cxn>
+              <a:cxn ang="0">
+                <a:pos x="connsiteX25" y="connsiteY25"/>
+              </a:cxn>
+              <a:cxn ang="0">
+                <a:pos x="connsiteX26" y="connsiteY26"/>
+              </a:cxn>
+              <a:cxn ang="0">
+                <a:pos x="connsiteX27" y="connsiteY27"/>
+              </a:cxn>
+              <a:cxn ang="0">
+                <a:pos x="connsiteX28" y="connsiteY28"/>
+              </a:cxn>
+              <a:cxn ang="0">
+                <a:pos x="connsiteX29" y="connsiteY29"/>
+              </a:cxn>
+            </a:cxnLst>
+            <a:rect l="l" t="t" r="r" b="b"/>
+            <a:pathLst>
+              <a:path w="1138409" h="1408781">
+                <a:moveTo>
+                  <a:pt x="676947" y="380147"/>
+                </a:moveTo>
+                <a:lnTo>
+                  <a:pt x="1138410" y="187024"/>
+                </a:lnTo>
+                <a:lnTo>
+                  <a:pt x="1061160" y="0"/>
+                </a:lnTo>
+                <a:lnTo>
+                  <a:pt x="0" y="439101"/>
+                </a:lnTo>
+                <a:lnTo>
+                  <a:pt x="77249" y="626125"/>
+                </a:lnTo>
+                <a:lnTo>
+                  <a:pt x="557007" y="426904"/>
+                </a:lnTo>
+                <a:lnTo>
+                  <a:pt x="207353" y="1270546"/>
+                </a:lnTo>
+                <a:cubicBezTo>
+                  <a:pt x="199222" y="1290875"/>
+                  <a:pt x="209386" y="1315270"/>
+                  <a:pt x="229715" y="1323401"/>
+                </a:cubicBezTo>
+                <a:cubicBezTo>
+                  <a:pt x="235813" y="1327467"/>
+                  <a:pt x="239879" y="1327467"/>
+                  <a:pt x="245978" y="1327467"/>
+                </a:cubicBezTo>
+                <a:cubicBezTo>
+                  <a:pt x="262241" y="1327467"/>
+                  <a:pt x="276471" y="1317302"/>
+                  <a:pt x="282569" y="1303072"/>
+                </a:cubicBezTo>
+                <a:lnTo>
+                  <a:pt x="457397" y="880234"/>
+                </a:lnTo>
+                <a:lnTo>
+                  <a:pt x="585468" y="880234"/>
+                </a:lnTo>
+                <a:lnTo>
+                  <a:pt x="585468" y="1368124"/>
+                </a:lnTo>
+                <a:cubicBezTo>
+                  <a:pt x="585468" y="1390486"/>
+                  <a:pt x="603764" y="1408782"/>
+                  <a:pt x="626125" y="1408782"/>
+                </a:cubicBezTo>
+                <a:cubicBezTo>
+                  <a:pt x="648487" y="1408782"/>
+                  <a:pt x="666783" y="1390486"/>
+                  <a:pt x="666783" y="1368124"/>
+                </a:cubicBezTo>
+                <a:lnTo>
+                  <a:pt x="666783" y="880234"/>
+                </a:lnTo>
+                <a:lnTo>
+                  <a:pt x="794854" y="880234"/>
+                </a:lnTo>
+                <a:lnTo>
+                  <a:pt x="969681" y="1303072"/>
+                </a:lnTo>
+                <a:cubicBezTo>
+                  <a:pt x="975780" y="1319335"/>
+                  <a:pt x="992042" y="1327467"/>
+                  <a:pt x="1006273" y="1327467"/>
+                </a:cubicBezTo>
+                <a:cubicBezTo>
+                  <a:pt x="1012371" y="1327467"/>
+                  <a:pt x="1016437" y="1327467"/>
+                  <a:pt x="1022536" y="1323401"/>
+                </a:cubicBezTo>
+                <a:cubicBezTo>
+                  <a:pt x="1042864" y="1315270"/>
+                  <a:pt x="1053029" y="1290875"/>
+                  <a:pt x="1044897" y="1270546"/>
+                </a:cubicBezTo>
+                <a:lnTo>
+                  <a:pt x="676947" y="380147"/>
+                </a:lnTo>
+                <a:close/>
+                <a:moveTo>
+                  <a:pt x="491955" y="798919"/>
+                </a:moveTo>
+                <a:lnTo>
+                  <a:pt x="585468" y="571238"/>
+                </a:lnTo>
+                <a:lnTo>
+                  <a:pt x="585468" y="798919"/>
+                </a:lnTo>
+                <a:lnTo>
+                  <a:pt x="491955" y="798919"/>
+                </a:lnTo>
+                <a:close/>
+                <a:moveTo>
+                  <a:pt x="666783" y="798919"/>
+                </a:moveTo>
+                <a:lnTo>
+                  <a:pt x="666783" y="571238"/>
+                </a:lnTo>
+                <a:lnTo>
+                  <a:pt x="762328" y="798919"/>
+                </a:lnTo>
+                <a:lnTo>
+                  <a:pt x="666783" y="798919"/>
+                </a:lnTo>
+                <a:close/>
+              </a:path>
+            </a:pathLst>
+          </a:custGeom>
+          <a:solidFill>
+            <a:srgbClr val="5723FB"/>
+          </a:solidFill>
+          <a:ln w="20241" cap="flat">
+            <a:noFill/>
+            <a:prstDash val="solid"/>
+            <a:miter/>
+          </a:ln>
+        </p:spPr>
+        <p:txBody>
+          <a:bodyPr rtlCol="0" anchor="ctr"/>
+          <a:lstStyle/>
+          <a:p>
+            <a:endParaRPr lang="de-AT"/>
+          </a:p>
+        </p:txBody>
+      </p:sp>
+      <p:sp>
+        <p:nvSpPr>
+          <p:cNvPr id="21" name="Freihandform: Form 20">
+            <a:extLst>
+              <a:ext uri="{FF2B5EF4-FFF2-40B4-BE49-F238E27FC236}">
+                <a16:creationId xmlns:a16="http://schemas.microsoft.com/office/drawing/2014/main" id="{E6FC9443-6987-6A5B-6A70-06DC16CE4423}"/>
+              </a:ext>
+            </a:extLst>
+          </p:cNvPr>
+          <p:cNvSpPr/>
+          <p:nvPr/>
+        </p:nvSpPr>
+        <p:spPr>
+          <a:xfrm rot="14849974">
+            <a:off x="1546346" y="5632109"/>
+            <a:ext cx="81317" cy="89448"/>
+          </a:xfrm>
+          <a:custGeom>
+            <a:avLst/>
+            <a:gdLst>
+              <a:gd name="connsiteX0" fmla="*/ 0 w 81317"/>
+              <a:gd name="connsiteY0" fmla="*/ 0 h 89448"/>
+              <a:gd name="connsiteX1" fmla="*/ 81317 w 81317"/>
+              <a:gd name="connsiteY1" fmla="*/ 0 h 89448"/>
+              <a:gd name="connsiteX2" fmla="*/ 81317 w 81317"/>
+              <a:gd name="connsiteY2" fmla="*/ 89449 h 89448"/>
+              <a:gd name="connsiteX3" fmla="*/ 0 w 81317"/>
+              <a:gd name="connsiteY3" fmla="*/ 89449 h 89448"/>
+            </a:gdLst>
+            <a:ahLst/>
+            <a:cxnLst>
+              <a:cxn ang="0">
+                <a:pos x="connsiteX0" y="connsiteY0"/>
+              </a:cxn>
+              <a:cxn ang="0">
+                <a:pos x="connsiteX1" y="connsiteY1"/>
+              </a:cxn>
+              <a:cxn ang="0">
+                <a:pos x="connsiteX2" y="connsiteY2"/>
+              </a:cxn>
+              <a:cxn ang="0">
+                <a:pos x="connsiteX3" y="connsiteY3"/>
+              </a:cxn>
+            </a:cxnLst>
+            <a:rect l="l" t="t" r="r" b="b"/>
+            <a:pathLst>
+              <a:path w="81317" h="89448">
+                <a:moveTo>
+                  <a:pt x="0" y="0"/>
+                </a:moveTo>
+                <a:lnTo>
+                  <a:pt x="81317" y="0"/>
+                </a:lnTo>
+                <a:lnTo>
+                  <a:pt x="81317" y="89449"/>
+                </a:lnTo>
+                <a:lnTo>
+                  <a:pt x="0" y="89449"/>
+                </a:lnTo>
+                <a:close/>
+              </a:path>
+            </a:pathLst>
+          </a:custGeom>
+          <a:solidFill>
+            <a:srgbClr val="5723FB"/>
+          </a:solidFill>
+          <a:ln w="20242" cap="flat">
+            <a:noFill/>
+            <a:prstDash val="solid"/>
+            <a:miter/>
+          </a:ln>
+        </p:spPr>
+        <p:txBody>
+          <a:bodyPr rtlCol="0" anchor="ctr"/>
+          <a:lstStyle/>
+          <a:p>
+            <a:endParaRPr lang="de-AT"/>
+          </a:p>
+        </p:txBody>
+      </p:sp>
+      <p:sp>
+        <p:nvSpPr>
+          <p:cNvPr id="22" name="Freihandform: Form 21">
+            <a:extLst>
+              <a:ext uri="{FF2B5EF4-FFF2-40B4-BE49-F238E27FC236}">
+                <a16:creationId xmlns:a16="http://schemas.microsoft.com/office/drawing/2014/main" id="{184A0661-35A8-40CA-A2C9-C79D63977125}"/>
+              </a:ext>
+            </a:extLst>
+          </p:cNvPr>
+          <p:cNvSpPr/>
+          <p:nvPr/>
+        </p:nvSpPr>
+        <p:spPr>
+          <a:xfrm>
+            <a:off x="2783098" y="4949247"/>
+            <a:ext cx="300865" cy="339489"/>
+          </a:xfrm>
+          <a:custGeom>
+            <a:avLst/>
+            <a:gdLst>
+              <a:gd name="connsiteX0" fmla="*/ 193123 w 300865"/>
+              <a:gd name="connsiteY0" fmla="*/ 0 h 339489"/>
+              <a:gd name="connsiteX1" fmla="*/ 0 w 300865"/>
+              <a:gd name="connsiteY1" fmla="*/ 75216 h 339489"/>
+              <a:gd name="connsiteX2" fmla="*/ 109775 w 300865"/>
+              <a:gd name="connsiteY2" fmla="*/ 339490 h 339489"/>
+              <a:gd name="connsiteX3" fmla="*/ 300865 w 300865"/>
+              <a:gd name="connsiteY3" fmla="*/ 262241 h 339489"/>
+            </a:gdLst>
+            <a:ahLst/>
+            <a:cxnLst>
+              <a:cxn ang="0">
+                <a:pos x="connsiteX0" y="connsiteY0"/>
+              </a:cxn>
+              <a:cxn ang="0">
+                <a:pos x="connsiteX1" y="connsiteY1"/>
+              </a:cxn>
+              <a:cxn ang="0">
+                <a:pos x="connsiteX2" y="connsiteY2"/>
+              </a:cxn>
+              <a:cxn ang="0">
+                <a:pos x="connsiteX3" y="connsiteY3"/>
+              </a:cxn>
+            </a:cxnLst>
+            <a:rect l="l" t="t" r="r" b="b"/>
+            <a:pathLst>
+              <a:path w="300865" h="339489">
+                <a:moveTo>
+                  <a:pt x="193123" y="0"/>
+                </a:moveTo>
+                <a:lnTo>
+                  <a:pt x="0" y="75216"/>
+                </a:lnTo>
+                <a:lnTo>
+                  <a:pt x="109775" y="339490"/>
+                </a:lnTo>
+                <a:lnTo>
+                  <a:pt x="300865" y="262241"/>
+                </a:lnTo>
+                <a:close/>
+              </a:path>
+            </a:pathLst>
+          </a:custGeom>
+          <a:solidFill>
+            <a:srgbClr val="5723FB"/>
+          </a:solidFill>
+          <a:ln w="20241" cap="flat">
+            <a:noFill/>
+            <a:prstDash val="solid"/>
+            <a:miter/>
+          </a:ln>
+        </p:spPr>
+        <p:txBody>
+          <a:bodyPr rtlCol="0" anchor="ctr"/>
+          <a:lstStyle/>
+          <a:p>
+            <a:endParaRPr lang="de-AT"/>
+          </a:p>
+        </p:txBody>
+      </p:sp>
+    </p:spTree>
+    <p:extLst>
+      <p:ext uri="{BB962C8B-B14F-4D97-AF65-F5344CB8AC3E}">
+        <p14:creationId xmlns:p14="http://schemas.microsoft.com/office/powerpoint/2010/main" val="2937690081"/>
+      </p:ext>
+    </p:extLst>
+  </p:cSld>
+  <p:clrMapOvr>
+    <a:masterClrMapping/>
+  </p:clrMapOvr>
+</p:sld>
+</file>
+
+<file path=ppt/slides/slide19.xml><?xml version="1.0" encoding="utf-8"?>
 <p:sld xmlns:a="http://schemas.openxmlformats.org/drawingml/2006/main" xmlns:r="http://schemas.openxmlformats.org/officeDocument/2006/relationships" xmlns:p="http://schemas.openxmlformats.org/presentationml/2006/main">
   <p:cSld>
     <p:spTree>
@@ -12701,7 +16392,7 @@
           <a:p>
             <a:pPr rtl="0"/>
             <a:r>
-              <a:rPr lang="de-DE" kern="0" dirty="0"/>
+              <a:rPr lang="de-DE" kern="0"/>
               <a:t>Vielen Dank</a:t>
             </a:r>
           </a:p>
@@ -12789,7 +16480,12 @@
             <p:ph type="title"/>
           </p:nvPr>
         </p:nvSpPr>
-        <p:spPr/>
+        <p:spPr>
+          <a:xfrm>
+            <a:off x="5116544" y="-524485"/>
+            <a:ext cx="5918072" cy="3304725"/>
+          </a:xfrm>
+        </p:spPr>
         <p:txBody>
           <a:bodyPr rtlCol="0"/>
           <a:lstStyle>
@@ -12800,7 +16496,7 @@
           <a:p>
             <a:pPr rtl="0"/>
             <a:r>
-              <a:rPr lang="de-DE" dirty="0"/>
+              <a:rPr lang="de-DE"/>
               <a:t>Agenda</a:t>
             </a:r>
           </a:p>
@@ -12822,10 +16518,15 @@
             <p:ph type="body" sz="quarter" idx="17"/>
           </p:nvPr>
         </p:nvSpPr>
-        <p:spPr/>
+        <p:spPr>
+          <a:xfrm>
+            <a:off x="5116548" y="3001992"/>
+            <a:ext cx="5918068" cy="3304726"/>
+          </a:xfrm>
+        </p:spPr>
         <p:txBody>
           <a:bodyPr rtlCol="0">
-            <a:normAutofit lnSpcReduction="10000"/>
+            <a:normAutofit/>
           </a:bodyPr>
           <a:lstStyle>
             <a:defPPr>
@@ -12835,51 +16536,52 @@
           <a:p>
             <a:pPr rtl="0"/>
             <a:r>
-              <a:rPr lang="de-DE" dirty="0"/>
-              <a:t>Die Idee - 1</a:t>
+              <a:rPr lang="de-DE"/>
+              <a:t>Die Idee – 1</a:t>
             </a:r>
           </a:p>
           <a:p>
             <a:pPr rtl="0"/>
             <a:r>
-              <a:rPr lang="de-DE" dirty="0"/>
-              <a:t>Technische Umsetzung - 2</a:t>
+              <a:rPr lang="de-DE"/>
+              <a:t>Das Projektteam - 2</a:t>
             </a:r>
           </a:p>
           <a:p>
             <a:pPr rtl="0"/>
             <a:r>
-              <a:rPr lang="de-DE" dirty="0"/>
-              <a:t>Aktueller Stand - 3</a:t>
+              <a:rPr lang="de-DE"/>
+              <a:t>Technische Umsetzung - 3</a:t>
             </a:r>
           </a:p>
           <a:p>
+            <a:pPr rtl="0"/>
             <a:r>
-              <a:rPr lang="de-DE" dirty="0"/>
-              <a:t>Blick in die Zukunft - 4</a:t>
+              <a:rPr lang="de-DE"/>
+              <a:t>Aktueller Stand – 4</a:t>
             </a:r>
           </a:p>
           <a:p>
             <a:r>
-              <a:rPr lang="de-DE" dirty="0"/>
+              <a:rPr lang="de-DE"/>
               <a:t>Design - 5</a:t>
             </a:r>
           </a:p>
           <a:p>
             <a:r>
-              <a:rPr lang="de-DE" dirty="0"/>
+              <a:rPr lang="de-DE"/>
               <a:t>Live Demo - 6</a:t>
             </a:r>
           </a:p>
           <a:p>
             <a:r>
-              <a:rPr lang="de-DE" dirty="0"/>
-              <a:t>Fazit - 7</a:t>
+              <a:rPr lang="de-DE"/>
+              <a:t>Blick in die Zukunft - 7</a:t>
             </a:r>
           </a:p>
           <a:p>
             <a:pPr rtl="0"/>
-            <a:endParaRPr lang="de-DE" dirty="0"/>
+            <a:endParaRPr lang="de-DE"/>
           </a:p>
         </p:txBody>
       </p:sp>
@@ -12982,7 +16684,7 @@
           <a:p>
             <a:pPr rtl="0"/>
             <a:r>
-              <a:rPr lang="de-DE" dirty="0"/>
+              <a:rPr lang="de-DE"/>
               <a:t>Die Idee</a:t>
             </a:r>
           </a:p>
@@ -13076,10 +16778,10 @@
           <a:lstStyle/>
           <a:p>
             <a:r>
-              <a:rPr lang="de-DE" dirty="0"/>
+              <a:rPr lang="de-DE"/>
               <a:t>Die Idee</a:t>
             </a:r>
-            <a:endParaRPr lang="de-AT" dirty="0"/>
+            <a:endParaRPr lang="de-AT"/>
           </a:p>
         </p:txBody>
       </p:sp>
@@ -13109,7 +16811,7 @@
               <a:buChar char="-"/>
             </a:pPr>
             <a:r>
-              <a:rPr lang="de-DE" dirty="0"/>
+              <a:rPr lang="de-DE"/>
               <a:t>Web-Anwendung – Spiel, um Songs zu erraten</a:t>
             </a:r>
           </a:p>
@@ -13119,7 +16821,7 @@
               <a:buChar char="-"/>
             </a:pPr>
             <a:r>
-              <a:rPr lang="de-DE" dirty="0"/>
+              <a:rPr lang="de-DE"/>
               <a:t>Nutzer hört kurzen Ausschnitt → muss Titel erraten</a:t>
             </a:r>
           </a:p>
@@ -13129,7 +16831,7 @@
               <a:buChar char="-"/>
             </a:pPr>
             <a:r>
-              <a:rPr lang="de-AT" dirty="0"/>
+              <a:rPr lang="de-AT"/>
               <a:t>Punkte- und Zeitbasiertes Spielsystem</a:t>
             </a:r>
           </a:p>
@@ -13139,7 +16841,7 @@
               <a:buChar char="-"/>
             </a:pPr>
             <a:r>
-              <a:rPr lang="de-AT" dirty="0"/>
+              <a:rPr lang="de-AT"/>
               <a:t>Mit Leaderboard und hervorgehobenen Highscores</a:t>
             </a:r>
           </a:p>
@@ -13148,14 +16850,14 @@
               <a:buFontTx/>
               <a:buChar char="-"/>
             </a:pPr>
-            <a:endParaRPr lang="de-DE" dirty="0"/>
+            <a:endParaRPr lang="de-DE"/>
           </a:p>
           <a:p>
             <a:pPr marL="285750" indent="-285750">
               <a:buFontTx/>
               <a:buChar char="-"/>
             </a:pPr>
-            <a:endParaRPr lang="de-AT" dirty="0"/>
+            <a:endParaRPr lang="de-AT"/>
           </a:p>
         </p:txBody>
       </p:sp>
@@ -13189,6 +16891,78 @@
           <a:xfrm>
             <a:off x="971818" y="890246"/>
             <a:ext cx="2089749" cy="2111746"/>
+          </a:xfrm>
+          <a:prstGeom prst="rect">
+            <a:avLst/>
+          </a:prstGeom>
+        </p:spPr>
+      </p:pic>
+      <p:pic>
+        <p:nvPicPr>
+          <p:cNvPr id="5" name="Grafik 4" descr="Tanzen mit einfarbiger Füllung">
+            <a:extLst>
+              <a:ext uri="{FF2B5EF4-FFF2-40B4-BE49-F238E27FC236}">
+                <a16:creationId xmlns:a16="http://schemas.microsoft.com/office/drawing/2014/main" id="{7B950E56-E6F4-2D68-EE5C-380AA83D09D2}"/>
+              </a:ext>
+            </a:extLst>
+          </p:cNvPr>
+          <p:cNvPicPr>
+            <a:picLocks noChangeAspect="1"/>
+          </p:cNvPicPr>
+          <p:nvPr/>
+        </p:nvPicPr>
+        <p:blipFill>
+          <a:blip r:embed="rId4">
+            <a:extLst>
+              <a:ext uri="{96DAC541-7B7A-43D3-8B79-37D633B846F1}">
+                <asvg:svgBlip xmlns:asvg="http://schemas.microsoft.com/office/drawing/2016/SVG/main" r:embed="rId5"/>
+              </a:ext>
+            </a:extLst>
+          </a:blip>
+          <a:stretch>
+            <a:fillRect/>
+          </a:stretch>
+        </p:blipFill>
+        <p:spPr>
+          <a:xfrm rot="1665591">
+            <a:off x="7534774" y="4398013"/>
+            <a:ext cx="1781810" cy="1781810"/>
+          </a:xfrm>
+          <a:prstGeom prst="rect">
+            <a:avLst/>
+          </a:prstGeom>
+        </p:spPr>
+      </p:pic>
+      <p:pic>
+        <p:nvPicPr>
+          <p:cNvPr id="7" name="Grafik 6" descr="Gehirn im Kopf Silhouette">
+            <a:extLst>
+              <a:ext uri="{FF2B5EF4-FFF2-40B4-BE49-F238E27FC236}">
+                <a16:creationId xmlns:a16="http://schemas.microsoft.com/office/drawing/2014/main" id="{0F1D806A-E6CA-F733-7715-524F160B8187}"/>
+              </a:ext>
+            </a:extLst>
+          </p:cNvPr>
+          <p:cNvPicPr>
+            <a:picLocks noChangeAspect="1"/>
+          </p:cNvPicPr>
+          <p:nvPr/>
+        </p:nvPicPr>
+        <p:blipFill>
+          <a:blip r:embed="rId6">
+            <a:extLst>
+              <a:ext uri="{96DAC541-7B7A-43D3-8B79-37D633B846F1}">
+                <asvg:svgBlip xmlns:asvg="http://schemas.microsoft.com/office/drawing/2016/SVG/main" r:embed="rId7"/>
+              </a:ext>
+            </a:extLst>
+          </a:blip>
+          <a:stretch>
+            <a:fillRect/>
+          </a:stretch>
+        </p:blipFill>
+        <p:spPr>
+          <a:xfrm>
+            <a:off x="2708776" y="4206240"/>
+            <a:ext cx="2034400" cy="2034400"/>
           </a:xfrm>
           <a:prstGeom prst="rect">
             <a:avLst/>
@@ -13216,6 +16990,339 @@
         <p:cNvPr id="1" name="">
           <a:extLst>
             <a:ext uri="{FF2B5EF4-FFF2-40B4-BE49-F238E27FC236}">
+              <a16:creationId xmlns:a16="http://schemas.microsoft.com/office/drawing/2014/main" id="{C6669A05-78F6-EF7D-EA63-D54016749DBD}"/>
+            </a:ext>
+          </a:extLst>
+        </p:cNvPr>
+        <p:cNvGrpSpPr/>
+        <p:nvPr/>
+      </p:nvGrpSpPr>
+      <p:grpSpPr>
+        <a:xfrm>
+          <a:off x="0" y="0"/>
+          <a:ext cx="0" cy="0"/>
+          <a:chOff x="0" y="0"/>
+          <a:chExt cx="0" cy="0"/>
+        </a:xfrm>
+      </p:grpSpPr>
+      <p:sp>
+        <p:nvSpPr>
+          <p:cNvPr id="2" name="Titel 1">
+            <a:extLst>
+              <a:ext uri="{FF2B5EF4-FFF2-40B4-BE49-F238E27FC236}">
+                <a16:creationId xmlns:a16="http://schemas.microsoft.com/office/drawing/2014/main" id="{5C99A83D-AF6E-7178-2B3F-08DAB16626AE}"/>
+              </a:ext>
+            </a:extLst>
+          </p:cNvPr>
+          <p:cNvSpPr>
+            <a:spLocks noGrp="1"/>
+          </p:cNvSpPr>
+          <p:nvPr>
+            <p:ph type="ctrTitle"/>
+          </p:nvPr>
+        </p:nvSpPr>
+        <p:spPr/>
+        <p:txBody>
+          <a:bodyPr rtlCol="0"/>
+          <a:lstStyle>
+            <a:defPPr>
+              <a:defRPr lang="de-DE"/>
+            </a:defPPr>
+          </a:lstStyle>
+          <a:p>
+            <a:pPr rtl="0"/>
+            <a:r>
+              <a:rPr lang="de-DE"/>
+              <a:t>Das Projektteam</a:t>
+            </a:r>
+          </a:p>
+        </p:txBody>
+      </p:sp>
+      <p:pic>
+        <p:nvPicPr>
+          <p:cNvPr id="7" name="Grafik 6">
+            <a:extLst>
+              <a:ext uri="{FF2B5EF4-FFF2-40B4-BE49-F238E27FC236}">
+                <a16:creationId xmlns:a16="http://schemas.microsoft.com/office/drawing/2014/main" id="{E5B599F3-4532-7723-8CE6-40DA1A60F4A9}"/>
+              </a:ext>
+            </a:extLst>
+          </p:cNvPr>
+          <p:cNvPicPr>
+            <a:picLocks noChangeAspect="1"/>
+          </p:cNvPicPr>
+          <p:nvPr/>
+        </p:nvPicPr>
+        <p:blipFill>
+          <a:blip r:embed="rId3">
+            <a:extLst>
+              <a:ext uri="{96DAC541-7B7A-43D3-8B79-37D633B846F1}">
+                <asvg:svgBlip xmlns:asvg="http://schemas.microsoft.com/office/drawing/2016/SVG/main" r:embed="rId4"/>
+              </a:ext>
+            </a:extLst>
+          </a:blip>
+          <a:stretch>
+            <a:fillRect/>
+          </a:stretch>
+        </p:blipFill>
+        <p:spPr>
+          <a:xfrm>
+            <a:off x="8053072" y="3152591"/>
+            <a:ext cx="3342422" cy="3377605"/>
+          </a:xfrm>
+          <a:prstGeom prst="rect">
+            <a:avLst/>
+          </a:prstGeom>
+        </p:spPr>
+      </p:pic>
+    </p:spTree>
+    <p:extLst>
+      <p:ext uri="{BB962C8B-B14F-4D97-AF65-F5344CB8AC3E}">
+        <p14:creationId xmlns:p14="http://schemas.microsoft.com/office/powerpoint/2010/main" val="120471574"/>
+      </p:ext>
+    </p:extLst>
+  </p:cSld>
+  <p:clrMapOvr>
+    <a:masterClrMapping/>
+  </p:clrMapOvr>
+</p:sld>
+</file>
+
+<file path=ppt/slides/slide6.xml><?xml version="1.0" encoding="utf-8"?>
+<p:sld xmlns:a="http://schemas.openxmlformats.org/drawingml/2006/main" xmlns:r="http://schemas.openxmlformats.org/officeDocument/2006/relationships" xmlns:p="http://schemas.openxmlformats.org/presentationml/2006/main">
+  <p:cSld>
+    <p:spTree>
+      <p:nvGrpSpPr>
+        <p:cNvPr id="1" name="">
+          <a:extLst>
+            <a:ext uri="{FF2B5EF4-FFF2-40B4-BE49-F238E27FC236}">
+              <a16:creationId xmlns:a16="http://schemas.microsoft.com/office/drawing/2014/main" id="{EDBDCEFF-253E-E3C6-8C36-D4540B4637EA}"/>
+            </a:ext>
+          </a:extLst>
+        </p:cNvPr>
+        <p:cNvGrpSpPr/>
+        <p:nvPr/>
+      </p:nvGrpSpPr>
+      <p:grpSpPr>
+        <a:xfrm>
+          <a:off x="0" y="0"/>
+          <a:ext cx="0" cy="0"/>
+          <a:chOff x="0" y="0"/>
+          <a:chExt cx="0" cy="0"/>
+        </a:xfrm>
+      </p:grpSpPr>
+      <p:sp>
+        <p:nvSpPr>
+          <p:cNvPr id="2" name="Titel 1">
+            <a:extLst>
+              <a:ext uri="{FF2B5EF4-FFF2-40B4-BE49-F238E27FC236}">
+                <a16:creationId xmlns:a16="http://schemas.microsoft.com/office/drawing/2014/main" id="{A7F97A40-748E-D326-8FC8-FDF475AAB4B6}"/>
+              </a:ext>
+            </a:extLst>
+          </p:cNvPr>
+          <p:cNvSpPr>
+            <a:spLocks noGrp="1"/>
+          </p:cNvSpPr>
+          <p:nvPr>
+            <p:ph type="title"/>
+          </p:nvPr>
+        </p:nvSpPr>
+        <p:spPr/>
+        <p:txBody>
+          <a:bodyPr/>
+          <a:lstStyle/>
+          <a:p>
+            <a:r>
+              <a:rPr lang="de-DE"/>
+              <a:t>Das </a:t>
+            </a:r>
+            <a:r>
+              <a:rPr lang="de-DE" err="1"/>
+              <a:t>Projekteam</a:t>
+            </a:r>
+            <a:endParaRPr lang="de-AT"/>
+          </a:p>
+        </p:txBody>
+      </p:sp>
+      <p:sp>
+        <p:nvSpPr>
+          <p:cNvPr id="4" name="Inhaltsplatzhalter 3">
+            <a:extLst>
+              <a:ext uri="{FF2B5EF4-FFF2-40B4-BE49-F238E27FC236}">
+                <a16:creationId xmlns:a16="http://schemas.microsoft.com/office/drawing/2014/main" id="{91CAF0F5-0B60-83BE-EF80-F19A63A3D8B6}"/>
+              </a:ext>
+            </a:extLst>
+          </p:cNvPr>
+          <p:cNvSpPr>
+            <a:spLocks noGrp="1"/>
+          </p:cNvSpPr>
+          <p:nvPr>
+            <p:ph idx="1"/>
+          </p:nvPr>
+        </p:nvSpPr>
+        <p:spPr/>
+        <p:txBody>
+          <a:bodyPr/>
+          <a:lstStyle/>
+          <a:p>
+            <a:pPr marL="285750" indent="-285750">
+              <a:buFontTx/>
+              <a:buChar char="-"/>
+            </a:pPr>
+            <a:r>
+              <a:rPr lang="de-DE"/>
+              <a:t>PL – Linus Wörndle</a:t>
+            </a:r>
+          </a:p>
+          <a:p>
+            <a:pPr marL="514350" lvl="1" indent="-285750">
+              <a:buFontTx/>
+              <a:buChar char="-"/>
+            </a:pPr>
+            <a:r>
+              <a:rPr lang="de-AT"/>
+              <a:t>Frontend und Backend</a:t>
+            </a:r>
+          </a:p>
+          <a:p>
+            <a:pPr marL="285750" indent="-285750">
+              <a:buFontTx/>
+              <a:buChar char="-"/>
+            </a:pPr>
+            <a:r>
+              <a:rPr lang="de-AT"/>
+              <a:t>PTM - Christian </a:t>
+            </a:r>
+            <a:r>
+              <a:rPr lang="de-AT" err="1"/>
+              <a:t>Schallner</a:t>
+            </a:r>
+            <a:endParaRPr lang="de-AT"/>
+          </a:p>
+          <a:p>
+            <a:pPr marL="514350" lvl="1" indent="-285750">
+              <a:buFontTx/>
+              <a:buChar char="-"/>
+            </a:pPr>
+            <a:r>
+              <a:rPr lang="de-AT"/>
+              <a:t>Backend</a:t>
+            </a:r>
+          </a:p>
+          <a:p>
+            <a:pPr marL="285750" indent="-285750">
+              <a:buFontTx/>
+              <a:buChar char="-"/>
+            </a:pPr>
+            <a:r>
+              <a:rPr lang="de-AT"/>
+              <a:t>PTM – Fabian Lampert</a:t>
+            </a:r>
+          </a:p>
+          <a:p>
+            <a:pPr marL="514350" lvl="1" indent="-285750">
+              <a:buFontTx/>
+              <a:buChar char="-"/>
+            </a:pPr>
+            <a:r>
+              <a:rPr lang="de-AT"/>
+              <a:t>Frontend</a:t>
+            </a:r>
+          </a:p>
+        </p:txBody>
+      </p:sp>
+      <p:pic>
+        <p:nvPicPr>
+          <p:cNvPr id="10" name="Grafik 9">
+            <a:extLst>
+              <a:ext uri="{FF2B5EF4-FFF2-40B4-BE49-F238E27FC236}">
+                <a16:creationId xmlns:a16="http://schemas.microsoft.com/office/drawing/2014/main" id="{59294DBC-1937-3342-EB73-160D121CE241}"/>
+              </a:ext>
+            </a:extLst>
+          </p:cNvPr>
+          <p:cNvPicPr>
+            <a:picLocks noChangeAspect="1"/>
+          </p:cNvPicPr>
+          <p:nvPr/>
+        </p:nvPicPr>
+        <p:blipFill>
+          <a:blip r:embed="rId2">
+            <a:extLst>
+              <a:ext uri="{96DAC541-7B7A-43D3-8B79-37D633B846F1}">
+                <asvg:svgBlip xmlns:asvg="http://schemas.microsoft.com/office/drawing/2016/SVG/main" r:embed="rId3"/>
+              </a:ext>
+            </a:extLst>
+          </a:blip>
+          <a:stretch>
+            <a:fillRect/>
+          </a:stretch>
+        </p:blipFill>
+        <p:spPr>
+          <a:xfrm>
+            <a:off x="971818" y="890246"/>
+            <a:ext cx="2089749" cy="2111746"/>
+          </a:xfrm>
+          <a:prstGeom prst="rect">
+            <a:avLst/>
+          </a:prstGeom>
+        </p:spPr>
+      </p:pic>
+      <p:pic>
+        <p:nvPicPr>
+          <p:cNvPr id="6" name="Grafik 5" descr="Sitzungssaal Silhouette">
+            <a:extLst>
+              <a:ext uri="{FF2B5EF4-FFF2-40B4-BE49-F238E27FC236}">
+                <a16:creationId xmlns:a16="http://schemas.microsoft.com/office/drawing/2014/main" id="{FE203E54-A4E8-8B60-B119-326DB72090DE}"/>
+              </a:ext>
+            </a:extLst>
+          </p:cNvPr>
+          <p:cNvPicPr>
+            <a:picLocks noChangeAspect="1"/>
+          </p:cNvPicPr>
+          <p:nvPr/>
+        </p:nvPicPr>
+        <p:blipFill>
+          <a:blip r:embed="rId4">
+            <a:extLst>
+              <a:ext uri="{96DAC541-7B7A-43D3-8B79-37D633B846F1}">
+                <asvg:svgBlip xmlns:asvg="http://schemas.microsoft.com/office/drawing/2016/SVG/main" r:embed="rId5"/>
+              </a:ext>
+            </a:extLst>
+          </a:blip>
+          <a:stretch>
+            <a:fillRect/>
+          </a:stretch>
+        </p:blipFill>
+        <p:spPr>
+          <a:xfrm>
+            <a:off x="8442385" y="2408208"/>
+            <a:ext cx="1633268" cy="1633268"/>
+          </a:xfrm>
+          <a:prstGeom prst="rect">
+            <a:avLst/>
+          </a:prstGeom>
+        </p:spPr>
+      </p:pic>
+    </p:spTree>
+    <p:extLst>
+      <p:ext uri="{BB962C8B-B14F-4D97-AF65-F5344CB8AC3E}">
+        <p14:creationId xmlns:p14="http://schemas.microsoft.com/office/powerpoint/2010/main" val="365139622"/>
+      </p:ext>
+    </p:extLst>
+  </p:cSld>
+  <p:clrMapOvr>
+    <a:masterClrMapping/>
+  </p:clrMapOvr>
+</p:sld>
+</file>
+
+<file path=ppt/slides/slide7.xml><?xml version="1.0" encoding="utf-8"?>
+<p:sld xmlns:a="http://schemas.openxmlformats.org/drawingml/2006/main" xmlns:r="http://schemas.openxmlformats.org/officeDocument/2006/relationships" xmlns:p="http://schemas.openxmlformats.org/presentationml/2006/main">
+  <p:cSld>
+    <p:spTree>
+      <p:nvGrpSpPr>
+        <p:cNvPr id="1" name="">
+          <a:extLst>
+            <a:ext uri="{FF2B5EF4-FFF2-40B4-BE49-F238E27FC236}">
               <a16:creationId xmlns:a16="http://schemas.microsoft.com/office/drawing/2014/main" id="{0799187B-76F4-E670-F3A4-B0BFDA43DBEF}"/>
             </a:ext>
           </a:extLst>
@@ -13257,7 +17364,7 @@
           </a:lstStyle>
           <a:p>
             <a:r>
-              <a:rPr lang="de-DE" dirty="0"/>
+              <a:rPr lang="de-DE"/>
               <a:t>Technische Umsetzung</a:t>
             </a:r>
           </a:p>
@@ -13312,7 +17419,7 @@
 </p:sld>
 </file>
 
-<file path=ppt/slides/slide6.xml><?xml version="1.0" encoding="utf-8"?>
+<file path=ppt/slides/slide8.xml><?xml version="1.0" encoding="utf-8"?>
 <p:sld xmlns:a="http://schemas.openxmlformats.org/drawingml/2006/main" xmlns:r="http://schemas.openxmlformats.org/officeDocument/2006/relationships" xmlns:p="http://schemas.openxmlformats.org/presentationml/2006/main">
   <p:cSld>
     <p:spTree>
@@ -13357,10 +17464,10 @@
           <a:lstStyle/>
           <a:p>
             <a:r>
-              <a:rPr lang="de-DE" dirty="0"/>
+              <a:rPr lang="de-DE"/>
               <a:t>Technische Umsetzung</a:t>
             </a:r>
-            <a:endParaRPr lang="de-AT" dirty="0"/>
+            <a:endParaRPr lang="de-AT"/>
           </a:p>
         </p:txBody>
       </p:sp>
@@ -13390,7 +17497,7 @@
               <a:buChar char="-"/>
             </a:pPr>
             <a:r>
-              <a:rPr lang="de-DE" dirty="0"/>
+              <a:rPr lang="de-DE"/>
               <a:t>Tech-Stack: </a:t>
             </a:r>
           </a:p>
@@ -13400,7 +17507,7 @@
               <a:buChar char="-"/>
             </a:pPr>
             <a:r>
-              <a:rPr lang="de-DE" dirty="0"/>
+              <a:rPr lang="de-DE"/>
               <a:t>Frontend: Vue.js</a:t>
             </a:r>
           </a:p>
@@ -13410,7 +17517,7 @@
               <a:buChar char="-"/>
             </a:pPr>
             <a:r>
-              <a:rPr lang="de-DE" dirty="0"/>
+              <a:rPr lang="de-DE"/>
               <a:t>Backend: Express.js</a:t>
             </a:r>
           </a:p>
@@ -13420,7 +17527,7 @@
               <a:buChar char="-"/>
             </a:pPr>
             <a:r>
-              <a:rPr lang="de-DE" dirty="0"/>
+              <a:rPr lang="de-DE"/>
               <a:t>Datenbank: MongoDB</a:t>
             </a:r>
           </a:p>
@@ -13430,7 +17537,7 @@
               <a:buChar char="-"/>
             </a:pPr>
             <a:r>
-              <a:rPr lang="de-DE" dirty="0"/>
+              <a:rPr lang="de-DE"/>
               <a:t>Ursprünglich geplant: Spotify API</a:t>
             </a:r>
           </a:p>
@@ -13440,7 +17547,7 @@
               <a:buChar char="-"/>
             </a:pPr>
             <a:r>
-              <a:rPr lang="de-DE" dirty="0"/>
+              <a:rPr lang="de-DE"/>
               <a:t>Vorübergehende Lösung: lokale .mp3 Dateien eingebunden</a:t>
             </a:r>
           </a:p>
@@ -13450,7 +17557,7 @@
               <a:buChar char="-"/>
             </a:pPr>
             <a:r>
-              <a:rPr lang="de-DE" dirty="0"/>
+              <a:rPr lang="de-DE"/>
               <a:t>Suche nach alternativer API</a:t>
             </a:r>
           </a:p>
@@ -13459,7 +17566,7 @@
               <a:buFontTx/>
               <a:buChar char="-"/>
             </a:pPr>
-            <a:endParaRPr lang="de-DE" dirty="0"/>
+            <a:endParaRPr lang="de-DE"/>
           </a:p>
         </p:txBody>
       </p:sp>
@@ -13493,6 +17600,150 @@
           <a:xfrm>
             <a:off x="971818" y="890246"/>
             <a:ext cx="2089749" cy="2111746"/>
+          </a:xfrm>
+          <a:prstGeom prst="rect">
+            <a:avLst/>
+          </a:prstGeom>
+        </p:spPr>
+      </p:pic>
+      <p:pic>
+        <p:nvPicPr>
+          <p:cNvPr id="5" name="Grafik 4" descr="Datenbank Silhouette">
+            <a:extLst>
+              <a:ext uri="{FF2B5EF4-FFF2-40B4-BE49-F238E27FC236}">
+                <a16:creationId xmlns:a16="http://schemas.microsoft.com/office/drawing/2014/main" id="{7CBD705B-A0C7-4B37-7338-EFF0C79A5FB7}"/>
+              </a:ext>
+            </a:extLst>
+          </p:cNvPr>
+          <p:cNvPicPr>
+            <a:picLocks noChangeAspect="1"/>
+          </p:cNvPicPr>
+          <p:nvPr/>
+        </p:nvPicPr>
+        <p:blipFill>
+          <a:blip r:embed="rId4">
+            <a:extLst>
+              <a:ext uri="{96DAC541-7B7A-43D3-8B79-37D633B846F1}">
+                <asvg:svgBlip xmlns:asvg="http://schemas.microsoft.com/office/drawing/2016/SVG/main" r:embed="rId5"/>
+              </a:ext>
+            </a:extLst>
+          </a:blip>
+          <a:stretch>
+            <a:fillRect/>
+          </a:stretch>
+        </p:blipFill>
+        <p:spPr>
+          <a:xfrm>
+            <a:off x="3191909" y="5722268"/>
+            <a:ext cx="792550" cy="792550"/>
+          </a:xfrm>
+          <a:prstGeom prst="rect">
+            <a:avLst/>
+          </a:prstGeom>
+        </p:spPr>
+      </p:pic>
+      <p:pic>
+        <p:nvPicPr>
+          <p:cNvPr id="7" name="Grafik 6" descr="Prioritäten mit einfarbiger Füllung">
+            <a:extLst>
+              <a:ext uri="{FF2B5EF4-FFF2-40B4-BE49-F238E27FC236}">
+                <a16:creationId xmlns:a16="http://schemas.microsoft.com/office/drawing/2014/main" id="{3F252861-3F64-9937-284A-63841DB4774A}"/>
+              </a:ext>
+            </a:extLst>
+          </p:cNvPr>
+          <p:cNvPicPr>
+            <a:picLocks noChangeAspect="1"/>
+          </p:cNvPicPr>
+          <p:nvPr/>
+        </p:nvPicPr>
+        <p:blipFill>
+          <a:blip r:embed="rId6">
+            <a:extLst>
+              <a:ext uri="{96DAC541-7B7A-43D3-8B79-37D633B846F1}">
+                <asvg:svgBlip xmlns:asvg="http://schemas.microsoft.com/office/drawing/2016/SVG/main" r:embed="rId7"/>
+              </a:ext>
+            </a:extLst>
+          </a:blip>
+          <a:stretch>
+            <a:fillRect/>
+          </a:stretch>
+        </p:blipFill>
+        <p:spPr>
+          <a:xfrm>
+            <a:off x="512160" y="3798988"/>
+            <a:ext cx="3009064" cy="3009064"/>
+          </a:xfrm>
+          <a:prstGeom prst="rect">
+            <a:avLst/>
+          </a:prstGeom>
+        </p:spPr>
+      </p:pic>
+      <p:pic>
+        <p:nvPicPr>
+          <p:cNvPr id="9" name="Grafik 8" descr="Server mit einfarbiger Füllung">
+            <a:extLst>
+              <a:ext uri="{FF2B5EF4-FFF2-40B4-BE49-F238E27FC236}">
+                <a16:creationId xmlns:a16="http://schemas.microsoft.com/office/drawing/2014/main" id="{87F4C48F-8E7F-99FD-5F23-1CB802271A28}"/>
+              </a:ext>
+            </a:extLst>
+          </p:cNvPr>
+          <p:cNvPicPr>
+            <a:picLocks noChangeAspect="1"/>
+          </p:cNvPicPr>
+          <p:nvPr/>
+        </p:nvPicPr>
+        <p:blipFill>
+          <a:blip r:embed="rId8">
+            <a:extLst>
+              <a:ext uri="{96DAC541-7B7A-43D3-8B79-37D633B846F1}">
+                <asvg:svgBlip xmlns:asvg="http://schemas.microsoft.com/office/drawing/2016/SVG/main" r:embed="rId9"/>
+              </a:ext>
+            </a:extLst>
+          </a:blip>
+          <a:stretch>
+            <a:fillRect/>
+          </a:stretch>
+        </p:blipFill>
+        <p:spPr>
+          <a:xfrm>
+            <a:off x="3234348" y="5010150"/>
+            <a:ext cx="707672" cy="707672"/>
+          </a:xfrm>
+          <a:prstGeom prst="rect">
+            <a:avLst/>
+          </a:prstGeom>
+        </p:spPr>
+      </p:pic>
+      <p:pic>
+        <p:nvPicPr>
+          <p:cNvPr id="12" name="Grafik 11" descr="Monitor mit einfarbiger Füllung">
+            <a:extLst>
+              <a:ext uri="{FF2B5EF4-FFF2-40B4-BE49-F238E27FC236}">
+                <a16:creationId xmlns:a16="http://schemas.microsoft.com/office/drawing/2014/main" id="{E515A999-BEB6-D153-E859-F063A64F7379}"/>
+              </a:ext>
+            </a:extLst>
+          </p:cNvPr>
+          <p:cNvPicPr>
+            <a:picLocks noChangeAspect="1"/>
+          </p:cNvPicPr>
+          <p:nvPr/>
+        </p:nvPicPr>
+        <p:blipFill>
+          <a:blip r:embed="rId10">
+            <a:extLst>
+              <a:ext uri="{96DAC541-7B7A-43D3-8B79-37D633B846F1}">
+                <asvg:svgBlip xmlns:asvg="http://schemas.microsoft.com/office/drawing/2016/SVG/main" r:embed="rId11"/>
+              </a:ext>
+            </a:extLst>
+          </a:blip>
+          <a:stretch>
+            <a:fillRect/>
+          </a:stretch>
+        </p:blipFill>
+        <p:spPr>
+          <a:xfrm>
+            <a:off x="3252834" y="4206240"/>
+            <a:ext cx="670700" cy="670700"/>
           </a:xfrm>
           <a:prstGeom prst="rect">
             <a:avLst/>
@@ -13512,7 +17763,7 @@
 </p:sld>
 </file>
 
-<file path=ppt/slides/slide7.xml><?xml version="1.0" encoding="utf-8"?>
+<file path=ppt/slides/slide9.xml><?xml version="1.0" encoding="utf-8"?>
 <p:sld xmlns:a="http://schemas.openxmlformats.org/drawingml/2006/main" xmlns:r="http://schemas.openxmlformats.org/officeDocument/2006/relationships" xmlns:p="http://schemas.openxmlformats.org/presentationml/2006/main">
   <p:cSld>
     <p:spTree>
@@ -13561,7 +17812,10 @@
           </a:lstStyle>
           <a:p>
             <a:pPr rtl="0"/>
-            <a:endParaRPr lang="de-DE" dirty="0"/>
+            <a:r>
+              <a:rPr lang="de-DE"/>
+              <a:t>Aktueller Stand</a:t>
+            </a:r>
           </a:p>
         </p:txBody>
       </p:sp>
@@ -13605,273 +17859,6 @@
     <p:extLst>
       <p:ext uri="{BB962C8B-B14F-4D97-AF65-F5344CB8AC3E}">
         <p14:creationId xmlns:p14="http://schemas.microsoft.com/office/powerpoint/2010/main" val="4037029130"/>
-      </p:ext>
-    </p:extLst>
-  </p:cSld>
-  <p:clrMapOvr>
-    <a:masterClrMapping/>
-  </p:clrMapOvr>
-</p:sld>
-</file>
-
-<file path=ppt/slides/slide8.xml><?xml version="1.0" encoding="utf-8"?>
-<p:sld xmlns:a="http://schemas.openxmlformats.org/drawingml/2006/main" xmlns:r="http://schemas.openxmlformats.org/officeDocument/2006/relationships" xmlns:p="http://schemas.openxmlformats.org/presentationml/2006/main">
-  <p:cSld>
-    <p:spTree>
-      <p:nvGrpSpPr>
-        <p:cNvPr id="1" name="">
-          <a:extLst>
-            <a:ext uri="{FF2B5EF4-FFF2-40B4-BE49-F238E27FC236}">
-              <a16:creationId xmlns:a16="http://schemas.microsoft.com/office/drawing/2014/main" id="{D5B8D003-9EFA-678E-5D87-EC25AB01555C}"/>
-            </a:ext>
-          </a:extLst>
-        </p:cNvPr>
-        <p:cNvGrpSpPr/>
-        <p:nvPr/>
-      </p:nvGrpSpPr>
-      <p:grpSpPr>
-        <a:xfrm>
-          <a:off x="0" y="0"/>
-          <a:ext cx="0" cy="0"/>
-          <a:chOff x="0" y="0"/>
-          <a:chExt cx="0" cy="0"/>
-        </a:xfrm>
-      </p:grpSpPr>
-      <p:sp>
-        <p:nvSpPr>
-          <p:cNvPr id="2" name="Titel 1">
-            <a:extLst>
-              <a:ext uri="{FF2B5EF4-FFF2-40B4-BE49-F238E27FC236}">
-                <a16:creationId xmlns:a16="http://schemas.microsoft.com/office/drawing/2014/main" id="{8930062B-D174-E22D-A157-548B1CCC0FBA}"/>
-              </a:ext>
-            </a:extLst>
-          </p:cNvPr>
-          <p:cNvSpPr>
-            <a:spLocks noGrp="1"/>
-          </p:cNvSpPr>
-          <p:nvPr>
-            <p:ph type="title"/>
-          </p:nvPr>
-        </p:nvSpPr>
-        <p:spPr/>
-        <p:txBody>
-          <a:bodyPr/>
-          <a:lstStyle/>
-          <a:p>
-            <a:r>
-              <a:rPr lang="de-DE" dirty="0"/>
-              <a:t>Aktueller Stand</a:t>
-            </a:r>
-            <a:endParaRPr lang="de-AT" dirty="0"/>
-          </a:p>
-        </p:txBody>
-      </p:sp>
-      <p:sp>
-        <p:nvSpPr>
-          <p:cNvPr id="4" name="Inhaltsplatzhalter 3">
-            <a:extLst>
-              <a:ext uri="{FF2B5EF4-FFF2-40B4-BE49-F238E27FC236}">
-                <a16:creationId xmlns:a16="http://schemas.microsoft.com/office/drawing/2014/main" id="{C8E03C5E-35CA-A4F0-1BA6-7FC68B09B3F8}"/>
-              </a:ext>
-            </a:extLst>
-          </p:cNvPr>
-          <p:cNvSpPr>
-            <a:spLocks noGrp="1"/>
-          </p:cNvSpPr>
-          <p:nvPr>
-            <p:ph idx="1"/>
-          </p:nvPr>
-        </p:nvSpPr>
-        <p:spPr/>
-        <p:txBody>
-          <a:bodyPr/>
-          <a:lstStyle/>
-          <a:p>
-            <a:pPr marL="285750" indent="-285750">
-              <a:buFontTx/>
-              <a:buChar char="-"/>
-            </a:pPr>
-            <a:r>
-              <a:rPr lang="de-DE" dirty="0"/>
-              <a:t>Grundidee teilweise umgesetzt</a:t>
-            </a:r>
-          </a:p>
-          <a:p>
-            <a:pPr marL="285750" indent="-285750">
-              <a:buFontTx/>
-              <a:buChar char="-"/>
-            </a:pPr>
-            <a:r>
-              <a:rPr lang="de-DE" dirty="0"/>
-              <a:t>Spiel mittels lokalen Dateien funktioniert</a:t>
-            </a:r>
-          </a:p>
-          <a:p>
-            <a:pPr marL="285750" indent="-285750">
-              <a:buFontTx/>
-              <a:buChar char="-"/>
-            </a:pPr>
-            <a:r>
-              <a:rPr lang="de-DE" dirty="0"/>
-              <a:t>UI-Design zu 90% fertig</a:t>
-            </a:r>
-          </a:p>
-          <a:p>
-            <a:pPr marL="285750" indent="-285750">
-              <a:buFontTx/>
-              <a:buChar char="-"/>
-            </a:pPr>
-            <a:r>
-              <a:rPr lang="de-DE" dirty="0"/>
-              <a:t>Authentifizierung mit Sicherheitsfeatures</a:t>
-            </a:r>
-          </a:p>
-        </p:txBody>
-      </p:sp>
-      <p:pic>
-        <p:nvPicPr>
-          <p:cNvPr id="10" name="Grafik 9">
-            <a:extLst>
-              <a:ext uri="{FF2B5EF4-FFF2-40B4-BE49-F238E27FC236}">
-                <a16:creationId xmlns:a16="http://schemas.microsoft.com/office/drawing/2014/main" id="{91BB1931-188E-5CBA-69D0-0175784E652F}"/>
-              </a:ext>
-            </a:extLst>
-          </p:cNvPr>
-          <p:cNvPicPr>
-            <a:picLocks noChangeAspect="1"/>
-          </p:cNvPicPr>
-          <p:nvPr/>
-        </p:nvPicPr>
-        <p:blipFill>
-          <a:blip r:embed="rId2">
-            <a:extLst>
-              <a:ext uri="{96DAC541-7B7A-43D3-8B79-37D633B846F1}">
-                <asvg:svgBlip xmlns:asvg="http://schemas.microsoft.com/office/drawing/2016/SVG/main" r:embed="rId3"/>
-              </a:ext>
-            </a:extLst>
-          </a:blip>
-          <a:stretch>
-            <a:fillRect/>
-          </a:stretch>
-        </p:blipFill>
-        <p:spPr>
-          <a:xfrm>
-            <a:off x="971818" y="890246"/>
-            <a:ext cx="2089749" cy="2111746"/>
-          </a:xfrm>
-          <a:prstGeom prst="rect">
-            <a:avLst/>
-          </a:prstGeom>
-        </p:spPr>
-      </p:pic>
-    </p:spTree>
-    <p:extLst>
-      <p:ext uri="{BB962C8B-B14F-4D97-AF65-F5344CB8AC3E}">
-        <p14:creationId xmlns:p14="http://schemas.microsoft.com/office/powerpoint/2010/main" val="2375683402"/>
-      </p:ext>
-    </p:extLst>
-  </p:cSld>
-  <p:clrMapOvr>
-    <a:masterClrMapping/>
-  </p:clrMapOvr>
-</p:sld>
-</file>
-
-<file path=ppt/slides/slide9.xml><?xml version="1.0" encoding="utf-8"?>
-<p:sld xmlns:a="http://schemas.openxmlformats.org/drawingml/2006/main" xmlns:r="http://schemas.openxmlformats.org/officeDocument/2006/relationships" xmlns:p="http://schemas.openxmlformats.org/presentationml/2006/main">
-  <p:cSld>
-    <p:spTree>
-      <p:nvGrpSpPr>
-        <p:cNvPr id="1" name="">
-          <a:extLst>
-            <a:ext uri="{FF2B5EF4-FFF2-40B4-BE49-F238E27FC236}">
-              <a16:creationId xmlns:a16="http://schemas.microsoft.com/office/drawing/2014/main" id="{A29C9AA5-09D7-F70A-8582-84F541D24D22}"/>
-            </a:ext>
-          </a:extLst>
-        </p:cNvPr>
-        <p:cNvGrpSpPr/>
-        <p:nvPr/>
-      </p:nvGrpSpPr>
-      <p:grpSpPr>
-        <a:xfrm>
-          <a:off x="0" y="0"/>
-          <a:ext cx="0" cy="0"/>
-          <a:chOff x="0" y="0"/>
-          <a:chExt cx="0" cy="0"/>
-        </a:xfrm>
-      </p:grpSpPr>
-      <p:sp>
-        <p:nvSpPr>
-          <p:cNvPr id="2" name="Titel 1">
-            <a:extLst>
-              <a:ext uri="{FF2B5EF4-FFF2-40B4-BE49-F238E27FC236}">
-                <a16:creationId xmlns:a16="http://schemas.microsoft.com/office/drawing/2014/main" id="{B5832BC3-FF1A-8B17-BA53-09A27AE4AFF8}"/>
-              </a:ext>
-            </a:extLst>
-          </p:cNvPr>
-          <p:cNvSpPr>
-            <a:spLocks noGrp="1"/>
-          </p:cNvSpPr>
-          <p:nvPr>
-            <p:ph type="ctrTitle"/>
-          </p:nvPr>
-        </p:nvSpPr>
-        <p:spPr/>
-        <p:txBody>
-          <a:bodyPr rtlCol="0"/>
-          <a:lstStyle>
-            <a:defPPr>
-              <a:defRPr lang="de-DE"/>
-            </a:defPPr>
-          </a:lstStyle>
-          <a:p>
-            <a:r>
-              <a:rPr lang="de-DE" dirty="0"/>
-              <a:t>Blick in die Zukunft</a:t>
-            </a:r>
-          </a:p>
-        </p:txBody>
-      </p:sp>
-      <p:pic>
-        <p:nvPicPr>
-          <p:cNvPr id="7" name="Grafik 6">
-            <a:extLst>
-              <a:ext uri="{FF2B5EF4-FFF2-40B4-BE49-F238E27FC236}">
-                <a16:creationId xmlns:a16="http://schemas.microsoft.com/office/drawing/2014/main" id="{214956BE-C0B4-8E40-4BA3-067F34CCD3FC}"/>
-              </a:ext>
-            </a:extLst>
-          </p:cNvPr>
-          <p:cNvPicPr>
-            <a:picLocks noChangeAspect="1"/>
-          </p:cNvPicPr>
-          <p:nvPr/>
-        </p:nvPicPr>
-        <p:blipFill>
-          <a:blip r:embed="rId3">
-            <a:extLst>
-              <a:ext uri="{96DAC541-7B7A-43D3-8B79-37D633B846F1}">
-                <asvg:svgBlip xmlns:asvg="http://schemas.microsoft.com/office/drawing/2016/SVG/main" r:embed="rId4"/>
-              </a:ext>
-            </a:extLst>
-          </a:blip>
-          <a:stretch>
-            <a:fillRect/>
-          </a:stretch>
-        </p:blipFill>
-        <p:spPr>
-          <a:xfrm>
-            <a:off x="8053072" y="3152591"/>
-            <a:ext cx="3342422" cy="3377605"/>
-          </a:xfrm>
-          <a:prstGeom prst="rect">
-            <a:avLst/>
-          </a:prstGeom>
-        </p:spPr>
-      </p:pic>
-    </p:spTree>
-    <p:extLst>
-      <p:ext uri="{BB962C8B-B14F-4D97-AF65-F5344CB8AC3E}">
-        <p14:creationId xmlns:p14="http://schemas.microsoft.com/office/powerpoint/2010/main" val="2086183247"/>
       </p:ext>
     </p:extLst>
   </p:cSld>
@@ -14673,6 +18660,35 @@
 </file>
 
 <file path=customXml/item1.xml><?xml version="1.0" encoding="utf-8"?>
+<?mso-contentType ?>
+<FormTemplates xmlns="http://schemas.microsoft.com/sharepoint/v3/contenttype/forms">
+  <Display>DocumentLibraryForm</Display>
+  <Edit>DocumentLibraryForm</Edit>
+  <New>DocumentLibraryForm</New>
+</FormTemplates>
+</file>
+
+<file path=customXml/item2.xml><?xml version="1.0" encoding="utf-8"?>
+<p:properties xmlns:p="http://schemas.microsoft.com/office/2006/metadata/properties" xmlns:xsi="http://www.w3.org/2001/XMLSchema-instance" xmlns:pc="http://schemas.microsoft.com/office/infopath/2007/PartnerControls">
+  <documentManagement>
+    <_ip_UnifiedCompliancePolicyUIAction xmlns="http://schemas.microsoft.com/sharepoint/v3" xsi:nil="true"/>
+    <Image xmlns="71af3243-3dd4-4a8d-8c0d-dd76da1f02a5">
+      <Url xsi:nil="true"/>
+      <Description xsi:nil="true"/>
+    </Image>
+    <Status xmlns="71af3243-3dd4-4a8d-8c0d-dd76da1f02a5">Not started</Status>
+    <Background xmlns="71af3243-3dd4-4a8d-8c0d-dd76da1f02a5">false</Background>
+    <_ip_UnifiedCompliancePolicyProperties xmlns="http://schemas.microsoft.com/sharepoint/v3" xsi:nil="true"/>
+    <ImageTagsTaxHTField xmlns="71af3243-3dd4-4a8d-8c0d-dd76da1f02a5">
+      <Terms xmlns="http://schemas.microsoft.com/office/infopath/2007/PartnerControls"/>
+    </ImageTagsTaxHTField>
+    <TaxCatchAll xmlns="230e9df3-be65-4c73-a93b-d1236ebd677e" xsi:nil="true"/>
+    <MediaServiceKeyPoints xmlns="71af3243-3dd4-4a8d-8c0d-dd76da1f02a5" xsi:nil="true"/>
+  </documentManagement>
+</p:properties>
+</file>
+
+<file path=customXml/item3.xml><?xml version="1.0" encoding="utf-8"?>
 <ct:contentTypeSchema xmlns:ct="http://schemas.microsoft.com/office/2006/metadata/contentType" xmlns:ma="http://schemas.microsoft.com/office/2006/metadata/properties/metaAttributes" ct:_="" ma:_="" ma:contentTypeName="Document" ma:contentTypeID="0x01010079F111ED35F8CC479449609E8A0923A6" ma:contentTypeVersion="28" ma:contentTypeDescription="Create a new document." ma:contentTypeScope="" ma:versionID="60f5a4f2d2b0abadcf532d48ebf9cb71">
   <xsd:schema xmlns:xsd="http://www.w3.org/2001/XMLSchema" xmlns:xs="http://www.w3.org/2001/XMLSchema" xmlns:p="http://schemas.microsoft.com/office/2006/metadata/properties" xmlns:ns1="http://schemas.microsoft.com/sharepoint/v3" xmlns:ns2="71af3243-3dd4-4a8d-8c0d-dd76da1f02a5" xmlns:ns3="16c05727-aa75-4e4a-9b5f-8a80a1165891" xmlns:ns4="230e9df3-be65-4c73-a93b-d1236ebd677e" targetNamespace="http://schemas.microsoft.com/office/2006/metadata/properties" ma:root="true" ma:fieldsID="7dd78129e6a1811f84807ad11c651531" ns1:_="" ns2:_="" ns3:_="" ns4:_="">
     <xsd:import namespace="http://schemas.microsoft.com/sharepoint/v3"/>
@@ -14984,52 +19000,10 @@
 </ct:contentTypeSchema>
 </file>
 
-<file path=customXml/item2.xml><?xml version="1.0" encoding="utf-8"?>
-<p:properties xmlns:p="http://schemas.microsoft.com/office/2006/metadata/properties" xmlns:xsi="http://www.w3.org/2001/XMLSchema-instance" xmlns:pc="http://schemas.microsoft.com/office/infopath/2007/PartnerControls">
-  <documentManagement>
-    <_ip_UnifiedCompliancePolicyUIAction xmlns="http://schemas.microsoft.com/sharepoint/v3" xsi:nil="true"/>
-    <Image xmlns="71af3243-3dd4-4a8d-8c0d-dd76da1f02a5">
-      <Url xsi:nil="true"/>
-      <Description xsi:nil="true"/>
-    </Image>
-    <Status xmlns="71af3243-3dd4-4a8d-8c0d-dd76da1f02a5">Not started</Status>
-    <Background xmlns="71af3243-3dd4-4a8d-8c0d-dd76da1f02a5">false</Background>
-    <_ip_UnifiedCompliancePolicyProperties xmlns="http://schemas.microsoft.com/sharepoint/v3" xsi:nil="true"/>
-    <ImageTagsTaxHTField xmlns="71af3243-3dd4-4a8d-8c0d-dd76da1f02a5">
-      <Terms xmlns="http://schemas.microsoft.com/office/infopath/2007/PartnerControls"/>
-    </ImageTagsTaxHTField>
-    <TaxCatchAll xmlns="230e9df3-be65-4c73-a93b-d1236ebd677e" xsi:nil="true"/>
-    <MediaServiceKeyPoints xmlns="71af3243-3dd4-4a8d-8c0d-dd76da1f02a5" xsi:nil="true"/>
-  </documentManagement>
-</p:properties>
-</file>
-
-<file path=customXml/item3.xml><?xml version="1.0" encoding="utf-8"?>
-<?mso-contentType ?>
-<FormTemplates xmlns="http://schemas.microsoft.com/sharepoint/v3/contenttype/forms">
-  <Display>DocumentLibraryForm</Display>
-  <Edit>DocumentLibraryForm</Edit>
-  <New>DocumentLibraryForm</New>
-</FormTemplates>
-</file>
-
 <file path=customXml/itemProps1.xml><?xml version="1.0" encoding="utf-8"?>
-<ds:datastoreItem xmlns:ds="http://schemas.openxmlformats.org/officeDocument/2006/customXml" ds:itemID="{52D646E0-DCC8-4209-B539-AA58186B682C}">
+<ds:datastoreItem xmlns:ds="http://schemas.openxmlformats.org/officeDocument/2006/customXml" ds:itemID="{FABD9919-8F5A-4B99-83E1-E90FE1DCF2E1}">
   <ds:schemaRefs>
-    <ds:schemaRef ds:uri="http://schemas.microsoft.com/office/2006/metadata/contentType"/>
-    <ds:schemaRef ds:uri="http://schemas.microsoft.com/office/2006/metadata/properties/metaAttributes"/>
-    <ds:schemaRef ds:uri="http://www.w3.org/2001/XMLSchema"/>
-    <ds:schemaRef ds:uri="http://schemas.microsoft.com/office/2006/metadata/properties"/>
-    <ds:schemaRef ds:uri="http://schemas.microsoft.com/sharepoint/v3"/>
-    <ds:schemaRef ds:uri="71af3243-3dd4-4a8d-8c0d-dd76da1f02a5"/>
-    <ds:schemaRef ds:uri="16c05727-aa75-4e4a-9b5f-8a80a1165891"/>
-    <ds:schemaRef ds:uri="230e9df3-be65-4c73-a93b-d1236ebd677e"/>
-    <ds:schemaRef ds:uri="http://schemas.microsoft.com/office/2006/documentManagement/types"/>
-    <ds:schemaRef ds:uri="http://schemas.microsoft.com/office/infopath/2007/PartnerControls"/>
-    <ds:schemaRef ds:uri="http://schemas.openxmlformats.org/package/2006/metadata/core-properties"/>
-    <ds:schemaRef ds:uri="http://purl.org/dc/elements/1.1/"/>
-    <ds:schemaRef ds:uri="http://purl.org/dc/terms/"/>
-    <ds:schemaRef ds:uri="http://schemas.microsoft.com/internal/obd"/>
+    <ds:schemaRef ds:uri="http://schemas.microsoft.com/sharepoint/v3/contenttype/forms"/>
   </ds:schemaRefs>
 </ds:datastoreItem>
 </file>
@@ -15037,19 +19011,39 @@
 <file path=customXml/itemProps2.xml><?xml version="1.0" encoding="utf-8"?>
 <ds:datastoreItem xmlns:ds="http://schemas.openxmlformats.org/officeDocument/2006/customXml" ds:itemID="{80E87F72-70BF-43BC-A0D4-53665DC12672}">
   <ds:schemaRefs>
+    <ds:schemaRef ds:uri="16c05727-aa75-4e4a-9b5f-8a80a1165891"/>
+    <ds:schemaRef ds:uri="230e9df3-be65-4c73-a93b-d1236ebd677e"/>
+    <ds:schemaRef ds:uri="71af3243-3dd4-4a8d-8c0d-dd76da1f02a5"/>
+    <ds:schemaRef ds:uri="http://purl.org/dc/dcmitype/"/>
+    <ds:schemaRef ds:uri="http://purl.org/dc/elements/1.1/"/>
+    <ds:schemaRef ds:uri="http://purl.org/dc/terms/"/>
+    <ds:schemaRef ds:uri="http://schemas.microsoft.com/office/2006/documentManagement/types"/>
     <ds:schemaRef ds:uri="http://schemas.microsoft.com/office/2006/metadata/properties"/>
     <ds:schemaRef ds:uri="http://schemas.microsoft.com/office/infopath/2007/PartnerControls"/>
     <ds:schemaRef ds:uri="http://schemas.microsoft.com/sharepoint/v3"/>
-    <ds:schemaRef ds:uri="71af3243-3dd4-4a8d-8c0d-dd76da1f02a5"/>
-    <ds:schemaRef ds:uri="230e9df3-be65-4c73-a93b-d1236ebd677e"/>
+    <ds:schemaRef ds:uri="http://schemas.openxmlformats.org/package/2006/metadata/core-properties"/>
+    <ds:schemaRef ds:uri="http://www.w3.org/XML/1998/namespace"/>
   </ds:schemaRefs>
 </ds:datastoreItem>
 </file>
 
 <file path=customXml/itemProps3.xml><?xml version="1.0" encoding="utf-8"?>
-<ds:datastoreItem xmlns:ds="http://schemas.openxmlformats.org/officeDocument/2006/customXml" ds:itemID="{FABD9919-8F5A-4B99-83E1-E90FE1DCF2E1}">
+<ds:datastoreItem xmlns:ds="http://schemas.openxmlformats.org/officeDocument/2006/customXml" ds:itemID="{52D646E0-DCC8-4209-B539-AA58186B682C}">
   <ds:schemaRefs>
-    <ds:schemaRef ds:uri="http://schemas.microsoft.com/sharepoint/v3/contenttype/forms"/>
+    <ds:schemaRef ds:uri="16c05727-aa75-4e4a-9b5f-8a80a1165891"/>
+    <ds:schemaRef ds:uri="230e9df3-be65-4c73-a93b-d1236ebd677e"/>
+    <ds:schemaRef ds:uri="71af3243-3dd4-4a8d-8c0d-dd76da1f02a5"/>
+    <ds:schemaRef ds:uri="http://purl.org/dc/elements/1.1/"/>
+    <ds:schemaRef ds:uri="http://purl.org/dc/terms/"/>
+    <ds:schemaRef ds:uri="http://schemas.microsoft.com/internal/obd"/>
+    <ds:schemaRef ds:uri="http://schemas.microsoft.com/office/2006/documentManagement/types"/>
+    <ds:schemaRef ds:uri="http://schemas.microsoft.com/office/2006/metadata/contentType"/>
+    <ds:schemaRef ds:uri="http://schemas.microsoft.com/office/2006/metadata/properties"/>
+    <ds:schemaRef ds:uri="http://schemas.microsoft.com/office/2006/metadata/properties/metaAttributes"/>
+    <ds:schemaRef ds:uri="http://schemas.microsoft.com/office/infopath/2007/PartnerControls"/>
+    <ds:schemaRef ds:uri="http://schemas.microsoft.com/sharepoint/v3"/>
+    <ds:schemaRef ds:uri="http://schemas.openxmlformats.org/package/2006/metadata/core-properties"/>
+    <ds:schemaRef ds:uri="http://www.w3.org/2001/XMLSchema"/>
   </ds:schemaRefs>
 </ds:datastoreItem>
 </file>
